--- a/presentations/frankfurt_july_2019 day3.pptx
+++ b/presentations/frankfurt_july_2019 day3.pptx
@@ -5,14 +5,19 @@
     <p:sldMasterId id="2147483648" r:id="rId1"/>
   </p:sldMasterIdLst>
   <p:notesMasterIdLst>
-    <p:notesMasterId r:id="rId7"/>
+    <p:notesMasterId r:id="rId12"/>
   </p:notesMasterIdLst>
   <p:sldIdLst>
     <p:sldId id="354" r:id="rId2"/>
-    <p:sldId id="383" r:id="rId3"/>
-    <p:sldId id="384" r:id="rId4"/>
-    <p:sldId id="386" r:id="rId5"/>
-    <p:sldId id="385" r:id="rId6"/>
+    <p:sldId id="385" r:id="rId3"/>
+    <p:sldId id="383" r:id="rId4"/>
+    <p:sldId id="384" r:id="rId5"/>
+    <p:sldId id="386" r:id="rId6"/>
+    <p:sldId id="387" r:id="rId7"/>
+    <p:sldId id="391" r:id="rId8"/>
+    <p:sldId id="388" r:id="rId9"/>
+    <p:sldId id="389" r:id="rId10"/>
+    <p:sldId id="390" r:id="rId11"/>
   </p:sldIdLst>
   <p:sldSz cx="12192000" cy="6858000"/>
   <p:notesSz cx="6858000" cy="9144000"/>
@@ -4141,6 +4146,542 @@
 </p:sld>
 </file>
 
+<file path=ppt/slides/slide10.xml><?xml version="1.0" encoding="utf-8"?>
+<p:sld xmlns:a="http://schemas.openxmlformats.org/drawingml/2006/main" xmlns:r="http://schemas.openxmlformats.org/officeDocument/2006/relationships" xmlns:p="http://schemas.openxmlformats.org/presentationml/2006/main">
+  <p:cSld>
+    <p:spTree>
+      <p:nvGrpSpPr>
+        <p:cNvPr id="1" name=""/>
+        <p:cNvGrpSpPr/>
+        <p:nvPr/>
+      </p:nvGrpSpPr>
+      <p:grpSpPr>
+        <a:xfrm>
+          <a:off x="0" y="0"/>
+          <a:ext cx="0" cy="0"/>
+          <a:chOff x="0" y="0"/>
+          <a:chExt cx="0" cy="0"/>
+        </a:xfrm>
+      </p:grpSpPr>
+      <p:sp>
+        <p:nvSpPr>
+          <p:cNvPr id="2" name="Title 1"/>
+          <p:cNvSpPr>
+            <a:spLocks noGrp="1"/>
+          </p:cNvSpPr>
+          <p:nvPr>
+            <p:ph type="title"/>
+          </p:nvPr>
+        </p:nvSpPr>
+        <p:spPr/>
+        <p:txBody>
+          <a:bodyPr/>
+          <a:lstStyle/>
+          <a:p>
+            <a:r>
+              <a:rPr lang="en-US" dirty="0" smtClean="0"/>
+              <a:t>Treatments</a:t>
+            </a:r>
+            <a:endParaRPr lang="en-US" dirty="0"/>
+          </a:p>
+        </p:txBody>
+      </p:sp>
+      <p:sp>
+        <p:nvSpPr>
+          <p:cNvPr id="4" name="Rectangle 3"/>
+          <p:cNvSpPr/>
+          <p:nvPr/>
+        </p:nvSpPr>
+        <p:spPr>
+          <a:xfrm>
+            <a:off x="1344704" y="2768803"/>
+            <a:ext cx="11223813" cy="2585323"/>
+          </a:xfrm>
+          <a:prstGeom prst="rect">
+            <a:avLst/>
+          </a:prstGeom>
+        </p:spPr>
+        <p:txBody>
+          <a:bodyPr wrap="square">
+            <a:spAutoFit/>
+          </a:bodyPr>
+          <a:lstStyle/>
+          <a:p>
+            <a:r>
+              <a:rPr lang="en-US" dirty="0">
+                <a:latin typeface="Menlo" charset="0"/>
+                <a:ea typeface="Menlo" charset="0"/>
+                <a:cs typeface="Menlo" charset="0"/>
+              </a:rPr>
+              <a:t>In this study, you will be in a randomly formed group</a:t>
+            </a:r>
+            <a:br>
+              <a:rPr lang="en-US" dirty="0">
+                <a:latin typeface="Menlo" charset="0"/>
+                <a:ea typeface="Menlo" charset="0"/>
+                <a:cs typeface="Menlo" charset="0"/>
+              </a:rPr>
+            </a:br>
+            <a:r>
+              <a:rPr lang="en-US" dirty="0">
+                <a:latin typeface="Menlo" charset="0"/>
+                <a:ea typeface="Menlo" charset="0"/>
+                <a:cs typeface="Menlo" charset="0"/>
+              </a:rPr>
+              <a:t>of {{ </a:t>
+            </a:r>
+            <a:r>
+              <a:rPr lang="en-US" dirty="0" err="1">
+                <a:solidFill>
+                  <a:srgbClr val="BABABA"/>
+                </a:solidFill>
+                <a:latin typeface="Menlo" charset="0"/>
+                <a:ea typeface="Menlo" charset="0"/>
+                <a:cs typeface="Menlo" charset="0"/>
+              </a:rPr>
+              <a:t>Constants</a:t>
+            </a:r>
+            <a:r>
+              <a:rPr lang="en-US" dirty="0" err="1">
+                <a:latin typeface="Menlo" charset="0"/>
+                <a:ea typeface="Menlo" charset="0"/>
+                <a:cs typeface="Menlo" charset="0"/>
+              </a:rPr>
+              <a:t>.</a:t>
+            </a:r>
+            <a:r>
+              <a:rPr lang="en-US" dirty="0" err="1">
+                <a:solidFill>
+                  <a:srgbClr val="BABABA"/>
+                </a:solidFill>
+                <a:latin typeface="Menlo" charset="0"/>
+                <a:ea typeface="Menlo" charset="0"/>
+                <a:cs typeface="Menlo" charset="0"/>
+              </a:rPr>
+              <a:t>players_per_group</a:t>
+            </a:r>
+            <a:r>
+              <a:rPr lang="en-US" dirty="0">
+                <a:solidFill>
+                  <a:srgbClr val="BABABA"/>
+                </a:solidFill>
+                <a:latin typeface="Menlo" charset="0"/>
+                <a:ea typeface="Menlo" charset="0"/>
+                <a:cs typeface="Menlo" charset="0"/>
+              </a:rPr>
+              <a:t> </a:t>
+            </a:r>
+            <a:r>
+              <a:rPr lang="en-US" dirty="0">
+                <a:latin typeface="Menlo" charset="0"/>
+                <a:ea typeface="Menlo" charset="0"/>
+                <a:cs typeface="Menlo" charset="0"/>
+              </a:rPr>
+              <a:t>}} participants. Each participant in</a:t>
+            </a:r>
+            <a:br>
+              <a:rPr lang="en-US" dirty="0">
+                <a:latin typeface="Menlo" charset="0"/>
+                <a:ea typeface="Menlo" charset="0"/>
+                <a:cs typeface="Menlo" charset="0"/>
+              </a:rPr>
+            </a:br>
+            <a:r>
+              <a:rPr lang="en-US" dirty="0">
+                <a:latin typeface="Menlo" charset="0"/>
+                <a:ea typeface="Menlo" charset="0"/>
+                <a:cs typeface="Menlo" charset="0"/>
+              </a:rPr>
+              <a:t>the group is given</a:t>
+            </a:r>
+            <a:br>
+              <a:rPr lang="en-US" dirty="0">
+                <a:latin typeface="Menlo" charset="0"/>
+                <a:ea typeface="Menlo" charset="0"/>
+                <a:cs typeface="Menlo" charset="0"/>
+              </a:rPr>
+            </a:br>
+            <a:r>
+              <a:rPr lang="en-US" dirty="0">
+                <a:latin typeface="Menlo" charset="0"/>
+                <a:ea typeface="Menlo" charset="0"/>
+                <a:cs typeface="Menlo" charset="0"/>
+              </a:rPr>
+              <a:t>{% </a:t>
+            </a:r>
+            <a:r>
+              <a:rPr lang="en-US" dirty="0">
+                <a:solidFill>
+                  <a:srgbClr val="E8BF6A"/>
+                </a:solidFill>
+                <a:latin typeface="Menlo" charset="0"/>
+                <a:ea typeface="Menlo" charset="0"/>
+                <a:cs typeface="Menlo" charset="0"/>
+              </a:rPr>
+              <a:t>if </a:t>
+            </a:r>
+            <a:r>
+              <a:rPr lang="en-US" dirty="0" err="1">
+                <a:solidFill>
+                  <a:srgbClr val="BABABA"/>
+                </a:solidFill>
+                <a:latin typeface="Menlo" charset="0"/>
+                <a:ea typeface="Menlo" charset="0"/>
+                <a:cs typeface="Menlo" charset="0"/>
+              </a:rPr>
+              <a:t>session</a:t>
+            </a:r>
+            <a:r>
+              <a:rPr lang="en-US" dirty="0" err="1">
+                <a:latin typeface="Menlo" charset="0"/>
+                <a:ea typeface="Menlo" charset="0"/>
+                <a:cs typeface="Menlo" charset="0"/>
+              </a:rPr>
+              <a:t>.</a:t>
+            </a:r>
+            <a:r>
+              <a:rPr lang="en-US" dirty="0" err="1">
+                <a:solidFill>
+                  <a:srgbClr val="BABABA"/>
+                </a:solidFill>
+                <a:latin typeface="Menlo" charset="0"/>
+                <a:ea typeface="Menlo" charset="0"/>
+                <a:cs typeface="Menlo" charset="0"/>
+              </a:rPr>
+              <a:t>config</a:t>
+            </a:r>
+            <a:r>
+              <a:rPr lang="en-US" dirty="0" err="1">
+                <a:latin typeface="Menlo" charset="0"/>
+                <a:ea typeface="Menlo" charset="0"/>
+                <a:cs typeface="Menlo" charset="0"/>
+              </a:rPr>
+              <a:t>.</a:t>
+            </a:r>
+            <a:r>
+              <a:rPr lang="en-US" dirty="0" err="1">
+                <a:solidFill>
+                  <a:srgbClr val="BABABA"/>
+                </a:solidFill>
+                <a:latin typeface="Menlo" charset="0"/>
+                <a:ea typeface="Menlo" charset="0"/>
+                <a:cs typeface="Menlo" charset="0"/>
+              </a:rPr>
+              <a:t>hetero_endowment</a:t>
+            </a:r>
+            <a:r>
+              <a:rPr lang="en-US" dirty="0">
+                <a:solidFill>
+                  <a:srgbClr val="BABABA"/>
+                </a:solidFill>
+                <a:latin typeface="Menlo" charset="0"/>
+                <a:ea typeface="Menlo" charset="0"/>
+                <a:cs typeface="Menlo" charset="0"/>
+              </a:rPr>
+              <a:t> </a:t>
+            </a:r>
+            <a:r>
+              <a:rPr lang="en-US" dirty="0">
+                <a:latin typeface="Menlo" charset="0"/>
+                <a:ea typeface="Menlo" charset="0"/>
+                <a:cs typeface="Menlo" charset="0"/>
+              </a:rPr>
+              <a:t>%}</a:t>
+            </a:r>
+            <a:br>
+              <a:rPr lang="en-US" dirty="0">
+                <a:latin typeface="Menlo" charset="0"/>
+                <a:ea typeface="Menlo" charset="0"/>
+                <a:cs typeface="Menlo" charset="0"/>
+              </a:rPr>
+            </a:br>
+            <a:r>
+              <a:rPr lang="en-US" dirty="0">
+                <a:latin typeface="Menlo" charset="0"/>
+                <a:ea typeface="Menlo" charset="0"/>
+                <a:cs typeface="Menlo" charset="0"/>
+              </a:rPr>
+              <a:t>    a random amount from {{ </a:t>
+            </a:r>
+            <a:r>
+              <a:rPr lang="en-US" dirty="0" err="1">
+                <a:solidFill>
+                  <a:srgbClr val="BABABA"/>
+                </a:solidFill>
+                <a:latin typeface="Menlo" charset="0"/>
+                <a:ea typeface="Menlo" charset="0"/>
+                <a:cs typeface="Menlo" charset="0"/>
+              </a:rPr>
+              <a:t>Constants</a:t>
+            </a:r>
+            <a:r>
+              <a:rPr lang="en-US" dirty="0" err="1">
+                <a:latin typeface="Menlo" charset="0"/>
+                <a:ea typeface="Menlo" charset="0"/>
+                <a:cs typeface="Menlo" charset="0"/>
+              </a:rPr>
+              <a:t>.</a:t>
+            </a:r>
+            <a:r>
+              <a:rPr lang="en-US" dirty="0" err="1">
+                <a:solidFill>
+                  <a:srgbClr val="BABABA"/>
+                </a:solidFill>
+                <a:latin typeface="Menlo" charset="0"/>
+                <a:ea typeface="Menlo" charset="0"/>
+                <a:cs typeface="Menlo" charset="0"/>
+              </a:rPr>
+              <a:t>lb</a:t>
+            </a:r>
+            <a:r>
+              <a:rPr lang="en-US" dirty="0">
+                <a:solidFill>
+                  <a:srgbClr val="BABABA"/>
+                </a:solidFill>
+                <a:latin typeface="Menlo" charset="0"/>
+                <a:ea typeface="Menlo" charset="0"/>
+                <a:cs typeface="Menlo" charset="0"/>
+              </a:rPr>
+              <a:t> </a:t>
+            </a:r>
+            <a:r>
+              <a:rPr lang="en-US" dirty="0">
+                <a:latin typeface="Menlo" charset="0"/>
+                <a:ea typeface="Menlo" charset="0"/>
+                <a:cs typeface="Menlo" charset="0"/>
+              </a:rPr>
+              <a:t>}} to {{ </a:t>
+            </a:r>
+            <a:r>
+              <a:rPr lang="en-US" dirty="0" err="1">
+                <a:solidFill>
+                  <a:srgbClr val="BABABA"/>
+                </a:solidFill>
+                <a:latin typeface="Menlo" charset="0"/>
+                <a:ea typeface="Menlo" charset="0"/>
+                <a:cs typeface="Menlo" charset="0"/>
+              </a:rPr>
+              <a:t>Constants</a:t>
+            </a:r>
+            <a:r>
+              <a:rPr lang="en-US" dirty="0" err="1">
+                <a:latin typeface="Menlo" charset="0"/>
+                <a:ea typeface="Menlo" charset="0"/>
+                <a:cs typeface="Menlo" charset="0"/>
+              </a:rPr>
+              <a:t>.</a:t>
+            </a:r>
+            <a:r>
+              <a:rPr lang="en-US" dirty="0" err="1">
+                <a:solidFill>
+                  <a:srgbClr val="BABABA"/>
+                </a:solidFill>
+                <a:latin typeface="Menlo" charset="0"/>
+                <a:ea typeface="Menlo" charset="0"/>
+                <a:cs typeface="Menlo" charset="0"/>
+              </a:rPr>
+              <a:t>ub</a:t>
+            </a:r>
+            <a:r>
+              <a:rPr lang="en-US" dirty="0">
+                <a:solidFill>
+                  <a:srgbClr val="BABABA"/>
+                </a:solidFill>
+                <a:latin typeface="Menlo" charset="0"/>
+                <a:ea typeface="Menlo" charset="0"/>
+                <a:cs typeface="Menlo" charset="0"/>
+              </a:rPr>
+              <a:t> </a:t>
+            </a:r>
+            <a:r>
+              <a:rPr lang="en-US" dirty="0">
+                <a:latin typeface="Menlo" charset="0"/>
+                <a:ea typeface="Menlo" charset="0"/>
+                <a:cs typeface="Menlo" charset="0"/>
+              </a:rPr>
+              <a:t>}}</a:t>
+            </a:r>
+            <a:br>
+              <a:rPr lang="en-US" dirty="0">
+                <a:latin typeface="Menlo" charset="0"/>
+                <a:ea typeface="Menlo" charset="0"/>
+                <a:cs typeface="Menlo" charset="0"/>
+              </a:rPr>
+            </a:br>
+            <a:r>
+              <a:rPr lang="en-US" dirty="0">
+                <a:latin typeface="Menlo" charset="0"/>
+                <a:ea typeface="Menlo" charset="0"/>
+                <a:cs typeface="Menlo" charset="0"/>
+              </a:rPr>
+              <a:t>{% </a:t>
+            </a:r>
+            <a:r>
+              <a:rPr lang="en-US" dirty="0">
+                <a:solidFill>
+                  <a:srgbClr val="E8BF6A"/>
+                </a:solidFill>
+                <a:latin typeface="Menlo" charset="0"/>
+                <a:ea typeface="Menlo" charset="0"/>
+                <a:cs typeface="Menlo" charset="0"/>
+              </a:rPr>
+              <a:t>else </a:t>
+            </a:r>
+            <a:r>
+              <a:rPr lang="en-US" dirty="0">
+                <a:latin typeface="Menlo" charset="0"/>
+                <a:ea typeface="Menlo" charset="0"/>
+                <a:cs typeface="Menlo" charset="0"/>
+              </a:rPr>
+              <a:t>%}</a:t>
+            </a:r>
+            <a:br>
+              <a:rPr lang="en-US" dirty="0">
+                <a:latin typeface="Menlo" charset="0"/>
+                <a:ea typeface="Menlo" charset="0"/>
+                <a:cs typeface="Menlo" charset="0"/>
+              </a:rPr>
+            </a:br>
+            <a:r>
+              <a:rPr lang="en-US" dirty="0">
+                <a:latin typeface="Menlo" charset="0"/>
+                <a:ea typeface="Menlo" charset="0"/>
+                <a:cs typeface="Menlo" charset="0"/>
+              </a:rPr>
+              <a:t>    {{ </a:t>
+            </a:r>
+            <a:r>
+              <a:rPr lang="en-US" dirty="0" err="1">
+                <a:solidFill>
+                  <a:srgbClr val="BABABA"/>
+                </a:solidFill>
+                <a:latin typeface="Menlo" charset="0"/>
+                <a:ea typeface="Menlo" charset="0"/>
+                <a:cs typeface="Menlo" charset="0"/>
+              </a:rPr>
+              <a:t>Constants</a:t>
+            </a:r>
+            <a:r>
+              <a:rPr lang="en-US" dirty="0" err="1">
+                <a:latin typeface="Menlo" charset="0"/>
+                <a:ea typeface="Menlo" charset="0"/>
+                <a:cs typeface="Menlo" charset="0"/>
+              </a:rPr>
+              <a:t>.</a:t>
+            </a:r>
+            <a:r>
+              <a:rPr lang="en-US" dirty="0" err="1">
+                <a:solidFill>
+                  <a:srgbClr val="BABABA"/>
+                </a:solidFill>
+                <a:latin typeface="Menlo" charset="0"/>
+                <a:ea typeface="Menlo" charset="0"/>
+                <a:cs typeface="Menlo" charset="0"/>
+              </a:rPr>
+              <a:t>endowment</a:t>
+            </a:r>
+            <a:r>
+              <a:rPr lang="en-US" dirty="0">
+                <a:solidFill>
+                  <a:srgbClr val="BABABA"/>
+                </a:solidFill>
+                <a:latin typeface="Menlo" charset="0"/>
+                <a:ea typeface="Menlo" charset="0"/>
+                <a:cs typeface="Menlo" charset="0"/>
+              </a:rPr>
+              <a:t> </a:t>
+            </a:r>
+            <a:r>
+              <a:rPr lang="en-US" dirty="0">
+                <a:latin typeface="Menlo" charset="0"/>
+                <a:ea typeface="Menlo" charset="0"/>
+                <a:cs typeface="Menlo" charset="0"/>
+              </a:rPr>
+              <a:t>}}</a:t>
+            </a:r>
+            <a:br>
+              <a:rPr lang="en-US" dirty="0">
+                <a:latin typeface="Menlo" charset="0"/>
+                <a:ea typeface="Menlo" charset="0"/>
+                <a:cs typeface="Menlo" charset="0"/>
+              </a:rPr>
+            </a:br>
+            <a:r>
+              <a:rPr lang="en-US" dirty="0">
+                <a:latin typeface="Menlo" charset="0"/>
+                <a:ea typeface="Menlo" charset="0"/>
+                <a:cs typeface="Menlo" charset="0"/>
+              </a:rPr>
+              <a:t>{% </a:t>
+            </a:r>
+            <a:r>
+              <a:rPr lang="en-US" dirty="0" err="1">
+                <a:solidFill>
+                  <a:srgbClr val="E8BF6A"/>
+                </a:solidFill>
+                <a:latin typeface="Menlo" charset="0"/>
+                <a:ea typeface="Menlo" charset="0"/>
+                <a:cs typeface="Menlo" charset="0"/>
+              </a:rPr>
+              <a:t>endif</a:t>
+            </a:r>
+            <a:r>
+              <a:rPr lang="en-US" dirty="0">
+                <a:solidFill>
+                  <a:srgbClr val="E8BF6A"/>
+                </a:solidFill>
+                <a:latin typeface="Menlo" charset="0"/>
+                <a:ea typeface="Menlo" charset="0"/>
+                <a:cs typeface="Menlo" charset="0"/>
+              </a:rPr>
+              <a:t> </a:t>
+            </a:r>
+            <a:r>
+              <a:rPr lang="en-US" dirty="0">
+                <a:latin typeface="Menlo" charset="0"/>
+                <a:ea typeface="Menlo" charset="0"/>
+                <a:cs typeface="Menlo" charset="0"/>
+              </a:rPr>
+              <a:t>%}.</a:t>
+            </a:r>
+            <a:br>
+              <a:rPr lang="en-US" dirty="0">
+                <a:latin typeface="Menlo" charset="0"/>
+                <a:ea typeface="Menlo" charset="0"/>
+                <a:cs typeface="Menlo" charset="0"/>
+              </a:rPr>
+            </a:br>
+            <a:r>
+              <a:rPr lang="en-US" dirty="0">
+                <a:latin typeface="Menlo" charset="0"/>
+                <a:ea typeface="Menlo" charset="0"/>
+                <a:cs typeface="Menlo" charset="0"/>
+              </a:rPr>
+              <a:t>The group</a:t>
+            </a:r>
+          </a:p>
+        </p:txBody>
+      </p:sp>
+    </p:spTree>
+    <p:extLst>
+      <p:ext uri="{BB962C8B-B14F-4D97-AF65-F5344CB8AC3E}">
+        <p14:creationId xmlns:p14="http://schemas.microsoft.com/office/powerpoint/2010/main" val="389887497"/>
+      </p:ext>
+    </p:extLst>
+  </p:cSld>
+  <p:clrMapOvr>
+    <a:masterClrMapping/>
+  </p:clrMapOvr>
+  <p:timing>
+    <p:tnLst>
+      <p:par>
+        <p:cTn id="1" dur="indefinite" restart="never" nodeType="tmRoot"/>
+      </p:par>
+    </p:tnLst>
+  </p:timing>
+</p:sld>
+</file>
+
 <file path=ppt/slides/slide2.xml><?xml version="1.0" encoding="utf-8"?>
 <p:sld xmlns:a="http://schemas.openxmlformats.org/drawingml/2006/main" xmlns:r="http://schemas.openxmlformats.org/officeDocument/2006/relationships" xmlns:p="http://schemas.openxmlformats.org/presentationml/2006/main">
   <p:cSld>
@@ -4175,7 +4716,14 @@
           <a:p>
             <a:r>
               <a:rPr lang="en-US" dirty="0" smtClean="0"/>
-              <a:t>Day 3</a:t>
+              <a:t>Public Good Game (VCM, Ledyard 1995)</a:t>
+            </a:r>
+            <a:br>
+              <a:rPr lang="en-US" dirty="0" smtClean="0"/>
+            </a:br>
+            <a:r>
+              <a:rPr lang="en-US" dirty="0" smtClean="0"/>
+              <a:t>- Parameters</a:t>
             </a:r>
             <a:endParaRPr lang="en-US" dirty="0"/>
           </a:p>
@@ -4198,26 +4746,66 @@
           <a:p>
             <a:r>
               <a:rPr lang="en-US" dirty="0" smtClean="0"/>
-              <a:t>Public good game</a:t>
-            </a:r>
-          </a:p>
-          <a:p>
+              <a:t>Group size (</a:t>
+            </a:r>
+            <a:r>
+              <a:rPr lang="en-US" dirty="0" err="1" smtClean="0">
+                <a:latin typeface="Menlo" charset="0"/>
+                <a:ea typeface="Menlo" charset="0"/>
+                <a:cs typeface="Menlo" charset="0"/>
+              </a:rPr>
+              <a:t>players_per_group</a:t>
+            </a:r>
             <a:r>
               <a:rPr lang="en-US" dirty="0" smtClean="0"/>
-              <a:t>Treatments</a:t>
+              <a:t>)</a:t>
             </a:r>
           </a:p>
           <a:p>
             <a:r>
               <a:rPr lang="en-US" dirty="0" smtClean="0"/>
-              <a:t>Templates</a:t>
-            </a:r>
-          </a:p>
-          <a:p>
+              <a:t>Number of periods (</a:t>
+            </a:r>
+            <a:r>
+              <a:rPr lang="en-US" dirty="0" err="1" smtClean="0">
+                <a:latin typeface="Menlo" charset="0"/>
+                <a:ea typeface="Menlo" charset="0"/>
+                <a:cs typeface="Menlo" charset="0"/>
+              </a:rPr>
+              <a:t>num_rounds</a:t>
+            </a:r>
             <a:r>
               <a:rPr lang="en-US" dirty="0" smtClean="0"/>
-              <a:t>Money</a:t>
-            </a:r>
+              <a:t>)</a:t>
+            </a:r>
+          </a:p>
+          <a:p>
+            <a:r>
+              <a:rPr lang="en-US" dirty="0" smtClean="0"/>
+              <a:t>Initial endowment (homogenous/</a:t>
+            </a:r>
+            <a:r>
+              <a:rPr lang="en-US" dirty="0" err="1" smtClean="0"/>
+              <a:t>heterogenous</a:t>
+            </a:r>
+            <a:r>
+              <a:rPr lang="en-US" dirty="0" smtClean="0"/>
+              <a:t>)</a:t>
+            </a:r>
+          </a:p>
+          <a:p>
+            <a:r>
+              <a:rPr lang="en-US" dirty="0" smtClean="0"/>
+              <a:t>Punishment stage: NO</a:t>
+            </a:r>
+          </a:p>
+          <a:p>
+            <a:r>
+              <a:rPr lang="en-US" dirty="0" smtClean="0"/>
+              <a:t>Group composition (stranger matching/partner matching)</a:t>
+            </a:r>
+          </a:p>
+          <a:p>
             <a:endParaRPr lang="en-US" dirty="0" smtClean="0"/>
           </a:p>
         </p:txBody>
@@ -4225,13 +4813,20 @@
     </p:spTree>
     <p:extLst>
       <p:ext uri="{BB962C8B-B14F-4D97-AF65-F5344CB8AC3E}">
-        <p14:creationId xmlns:p14="http://schemas.microsoft.com/office/powerpoint/2010/main" val="1606740326"/>
+        <p14:creationId xmlns:p14="http://schemas.microsoft.com/office/powerpoint/2010/main" val="1127860534"/>
       </p:ext>
     </p:extLst>
   </p:cSld>
   <p:clrMapOvr>
     <a:masterClrMapping/>
   </p:clrMapOvr>
+  <p:timing>
+    <p:tnLst>
+      <p:par>
+        <p:cTn id="1" dur="indefinite" restart="never" nodeType="tmRoot"/>
+      </p:par>
+    </p:tnLst>
+  </p:timing>
 </p:sld>
 </file>
 
@@ -4269,14 +4864,7 @@
           <a:p>
             <a:r>
               <a:rPr lang="en-US" dirty="0" smtClean="0"/>
-              <a:t>Public Good Game (VCM, Ledyard 1995)</a:t>
-            </a:r>
-            <a:br>
-              <a:rPr lang="en-US" dirty="0" smtClean="0"/>
-            </a:br>
-            <a:r>
-              <a:rPr lang="en-US" dirty="0" smtClean="0"/>
-              <a:t>- Flow</a:t>
+              <a:t>Day 3</a:t>
             </a:r>
             <a:endParaRPr lang="en-US" dirty="0"/>
           </a:p>
@@ -4299,45 +4887,34 @@
           <a:p>
             <a:r>
               <a:rPr lang="en-US" dirty="0" smtClean="0"/>
-              <a:t>Roles: no</a:t>
+              <a:t>Public good game</a:t>
             </a:r>
           </a:p>
           <a:p>
             <a:r>
               <a:rPr lang="en-US" dirty="0" smtClean="0"/>
-              <a:t>Stages: 1 (Contribution)</a:t>
+              <a:t>Treatments</a:t>
             </a:r>
           </a:p>
           <a:p>
             <a:r>
               <a:rPr lang="en-US" dirty="0" smtClean="0"/>
-              <a:t>Each member gets an endowment.</a:t>
+              <a:t>Templates</a:t>
             </a:r>
           </a:p>
           <a:p>
             <a:r>
               <a:rPr lang="en-US" dirty="0" smtClean="0"/>
-              <a:t>After all group members make their contributions, payoffs are calculated</a:t>
-            </a:r>
-          </a:p>
-          <a:p>
-            <a:r>
-              <a:rPr lang="en-US" dirty="0" smtClean="0"/>
-              <a:t>Results are shown</a:t>
-            </a:r>
-          </a:p>
-          <a:p>
-            <a:r>
-              <a:rPr lang="en-US" dirty="0" smtClean="0"/>
-              <a:t>New round starts.</a:t>
-            </a:r>
+              <a:t>Money</a:t>
+            </a:r>
+            <a:endParaRPr lang="en-US" dirty="0" smtClean="0"/>
           </a:p>
         </p:txBody>
       </p:sp>
     </p:spTree>
     <p:extLst>
       <p:ext uri="{BB962C8B-B14F-4D97-AF65-F5344CB8AC3E}">
-        <p14:creationId xmlns:p14="http://schemas.microsoft.com/office/powerpoint/2010/main" val="728424862"/>
+        <p14:creationId xmlns:p14="http://schemas.microsoft.com/office/powerpoint/2010/main" val="1606740326"/>
       </p:ext>
     </p:extLst>
   </p:cSld>
@@ -4388,7 +4965,14 @@
           <a:p>
             <a:r>
               <a:rPr lang="en-US" dirty="0" smtClean="0"/>
-              <a:t>Generate fixed endowment for every player</a:t>
+              <a:t>Public Good Game (VCM, Ledyard 1995)</a:t>
+            </a:r>
+            <a:br>
+              <a:rPr lang="en-US" dirty="0" smtClean="0"/>
+            </a:br>
+            <a:r>
+              <a:rPr lang="en-US" dirty="0" smtClean="0"/>
+              <a:t>- Flow</a:t>
             </a:r>
             <a:endParaRPr lang="en-US" dirty="0"/>
           </a:p>
@@ -4406,474 +4990,50 @@
         </p:nvSpPr>
         <p:spPr/>
         <p:txBody>
-          <a:bodyPr>
-            <a:normAutofit/>
-          </a:bodyPr>
+          <a:bodyPr/>
           <a:lstStyle/>
           <a:p>
             <a:r>
-              <a:rPr lang="en-US" sz="1800" dirty="0">
-                <a:latin typeface="Menlo" charset="0"/>
-                <a:ea typeface="Menlo" charset="0"/>
-                <a:cs typeface="Menlo" charset="0"/>
-              </a:rPr>
-              <a:t/>
-            </a:r>
-            <a:br>
-              <a:rPr lang="en-US" sz="1800" dirty="0">
-                <a:latin typeface="Menlo" charset="0"/>
-                <a:ea typeface="Menlo" charset="0"/>
-                <a:cs typeface="Menlo" charset="0"/>
-              </a:rPr>
-            </a:br>
-            <a:r>
-              <a:rPr lang="en-US" sz="1800" dirty="0">
-                <a:latin typeface="Menlo" charset="0"/>
-                <a:ea typeface="Menlo" charset="0"/>
-                <a:cs typeface="Menlo" charset="0"/>
-              </a:rPr>
-              <a:t>class </a:t>
-            </a:r>
-            <a:r>
-              <a:rPr lang="en-US" sz="1800" dirty="0">
-                <a:latin typeface="Menlo" charset="0"/>
-                <a:ea typeface="Menlo" charset="0"/>
-                <a:cs typeface="Menlo" charset="0"/>
-              </a:rPr>
-              <a:t>Constants(</a:t>
-            </a:r>
-            <a:r>
-              <a:rPr lang="en-US" sz="1800" dirty="0" err="1">
-                <a:latin typeface="Menlo" charset="0"/>
-                <a:ea typeface="Menlo" charset="0"/>
-                <a:cs typeface="Menlo" charset="0"/>
-              </a:rPr>
-              <a:t>BaseConstants</a:t>
-            </a:r>
-            <a:r>
-              <a:rPr lang="en-US" sz="1800" dirty="0">
-                <a:latin typeface="Menlo" charset="0"/>
-                <a:ea typeface="Menlo" charset="0"/>
-                <a:cs typeface="Menlo" charset="0"/>
-              </a:rPr>
-              <a:t>):</a:t>
-            </a:r>
-            <a:br>
-              <a:rPr lang="en-US" sz="1800" dirty="0">
-                <a:latin typeface="Menlo" charset="0"/>
-                <a:ea typeface="Menlo" charset="0"/>
-                <a:cs typeface="Menlo" charset="0"/>
-              </a:rPr>
-            </a:br>
-            <a:r>
-              <a:rPr lang="en-US" sz="1800" dirty="0" smtClean="0">
-                <a:latin typeface="Menlo" charset="0"/>
-                <a:ea typeface="Menlo" charset="0"/>
-                <a:cs typeface="Menlo" charset="0"/>
-              </a:rPr>
-              <a:t>    </a:t>
-            </a:r>
-            <a:r>
-              <a:rPr lang="en-US" sz="1800" dirty="0">
-                <a:latin typeface="Menlo" charset="0"/>
-                <a:ea typeface="Menlo" charset="0"/>
-                <a:cs typeface="Menlo" charset="0"/>
-              </a:rPr>
-              <a:t>endowment = </a:t>
-            </a:r>
-            <a:r>
-              <a:rPr lang="en-US" sz="1800" dirty="0">
-                <a:latin typeface="Menlo" charset="0"/>
-                <a:ea typeface="Menlo" charset="0"/>
-                <a:cs typeface="Menlo" charset="0"/>
-              </a:rPr>
-              <a:t>20  # an endowment for fixed endowment treatment</a:t>
-            </a:r>
-            <a:br>
-              <a:rPr lang="en-US" sz="1800" dirty="0">
-                <a:latin typeface="Menlo" charset="0"/>
-                <a:ea typeface="Menlo" charset="0"/>
-                <a:cs typeface="Menlo" charset="0"/>
-              </a:rPr>
-            </a:br>
-            <a:r>
-              <a:rPr lang="en-US" sz="1800" dirty="0">
-                <a:latin typeface="Menlo" charset="0"/>
-                <a:ea typeface="Menlo" charset="0"/>
-                <a:cs typeface="Menlo" charset="0"/>
-              </a:rPr>
-              <a:t/>
-            </a:r>
-            <a:br>
-              <a:rPr lang="en-US" sz="1800" dirty="0">
-                <a:latin typeface="Menlo" charset="0"/>
-                <a:ea typeface="Menlo" charset="0"/>
-                <a:cs typeface="Menlo" charset="0"/>
-              </a:rPr>
-            </a:br>
-            <a:r>
-              <a:rPr lang="en-US" sz="1800" dirty="0">
-                <a:latin typeface="Menlo" charset="0"/>
-                <a:ea typeface="Menlo" charset="0"/>
-                <a:cs typeface="Menlo" charset="0"/>
-              </a:rPr>
-              <a:t/>
-            </a:r>
-            <a:br>
-              <a:rPr lang="en-US" sz="1800" dirty="0">
-                <a:latin typeface="Menlo" charset="0"/>
-                <a:ea typeface="Menlo" charset="0"/>
-                <a:cs typeface="Menlo" charset="0"/>
-              </a:rPr>
-            </a:br>
-            <a:r>
-              <a:rPr lang="en-US" sz="1800" dirty="0">
-                <a:latin typeface="Menlo" charset="0"/>
-                <a:ea typeface="Menlo" charset="0"/>
-                <a:cs typeface="Menlo" charset="0"/>
-              </a:rPr>
-              <a:t>class </a:t>
-            </a:r>
-            <a:r>
-              <a:rPr lang="en-US" sz="1800" dirty="0" err="1">
-                <a:latin typeface="Menlo" charset="0"/>
-                <a:ea typeface="Menlo" charset="0"/>
-                <a:cs typeface="Menlo" charset="0"/>
-              </a:rPr>
-              <a:t>Subsession</a:t>
-            </a:r>
-            <a:r>
-              <a:rPr lang="en-US" sz="1800" dirty="0">
-                <a:latin typeface="Menlo" charset="0"/>
-                <a:ea typeface="Menlo" charset="0"/>
-                <a:cs typeface="Menlo" charset="0"/>
-              </a:rPr>
-              <a:t>(</a:t>
-            </a:r>
-            <a:r>
-              <a:rPr lang="en-US" sz="1800" dirty="0" err="1">
-                <a:latin typeface="Menlo" charset="0"/>
-                <a:ea typeface="Menlo" charset="0"/>
-                <a:cs typeface="Menlo" charset="0"/>
-              </a:rPr>
-              <a:t>BaseSubsession</a:t>
-            </a:r>
-            <a:r>
-              <a:rPr lang="en-US" sz="1800" dirty="0">
-                <a:latin typeface="Menlo" charset="0"/>
-                <a:ea typeface="Menlo" charset="0"/>
-                <a:cs typeface="Menlo" charset="0"/>
-              </a:rPr>
-              <a:t>):</a:t>
-            </a:r>
-            <a:br>
-              <a:rPr lang="en-US" sz="1800" dirty="0">
-                <a:latin typeface="Menlo" charset="0"/>
-                <a:ea typeface="Menlo" charset="0"/>
-                <a:cs typeface="Menlo" charset="0"/>
-              </a:rPr>
-            </a:br>
-            <a:r>
-              <a:rPr lang="en-US" sz="1800" dirty="0">
-                <a:latin typeface="Menlo" charset="0"/>
-                <a:ea typeface="Menlo" charset="0"/>
-                <a:cs typeface="Menlo" charset="0"/>
-              </a:rPr>
-              <a:t>    </a:t>
-            </a:r>
-            <a:r>
-              <a:rPr lang="en-US" sz="1800" dirty="0" err="1">
-                <a:latin typeface="Menlo" charset="0"/>
-                <a:ea typeface="Menlo" charset="0"/>
-                <a:cs typeface="Menlo" charset="0"/>
-              </a:rPr>
-              <a:t>def</a:t>
-            </a:r>
-            <a:r>
-              <a:rPr lang="en-US" sz="1800" dirty="0">
-                <a:latin typeface="Menlo" charset="0"/>
-                <a:ea typeface="Menlo" charset="0"/>
-                <a:cs typeface="Menlo" charset="0"/>
-              </a:rPr>
-              <a:t> </a:t>
-            </a:r>
-            <a:r>
-              <a:rPr lang="en-US" sz="1800" dirty="0" err="1">
-                <a:latin typeface="Menlo" charset="0"/>
-                <a:ea typeface="Menlo" charset="0"/>
-                <a:cs typeface="Menlo" charset="0"/>
-              </a:rPr>
-              <a:t>creating_session</a:t>
-            </a:r>
-            <a:r>
-              <a:rPr lang="en-US" sz="1800">
-                <a:latin typeface="Menlo" charset="0"/>
-                <a:ea typeface="Menlo" charset="0"/>
-                <a:cs typeface="Menlo" charset="0"/>
-              </a:rPr>
-              <a:t>(</a:t>
-            </a:r>
-            <a:r>
-              <a:rPr lang="en-US" sz="1800">
-                <a:latin typeface="Menlo" charset="0"/>
-                <a:ea typeface="Menlo" charset="0"/>
-                <a:cs typeface="Menlo" charset="0"/>
-              </a:rPr>
-              <a:t>self</a:t>
-            </a:r>
-            <a:r>
-              <a:rPr lang="en-US" sz="1800" smtClean="0">
-                <a:latin typeface="Menlo" charset="0"/>
-                <a:ea typeface="Menlo" charset="0"/>
-                <a:cs typeface="Menlo" charset="0"/>
-              </a:rPr>
-              <a:t>):</a:t>
-            </a:r>
-            <a:r>
-              <a:rPr lang="en-US" sz="1800" dirty="0">
-                <a:latin typeface="Menlo" charset="0"/>
-                <a:ea typeface="Menlo" charset="0"/>
-                <a:cs typeface="Menlo" charset="0"/>
-              </a:rPr>
-              <a:t/>
-            </a:r>
-            <a:br>
-              <a:rPr lang="en-US" sz="1800" dirty="0">
-                <a:latin typeface="Menlo" charset="0"/>
-                <a:ea typeface="Menlo" charset="0"/>
-                <a:cs typeface="Menlo" charset="0"/>
-              </a:rPr>
-            </a:br>
-            <a:r>
-              <a:rPr lang="en-US" sz="1800" dirty="0">
-                <a:latin typeface="Menlo" charset="0"/>
-                <a:ea typeface="Menlo" charset="0"/>
-                <a:cs typeface="Menlo" charset="0"/>
-              </a:rPr>
-              <a:t>        </a:t>
-            </a:r>
-            <a:r>
-              <a:rPr lang="en-US" sz="1800" dirty="0">
-                <a:latin typeface="Menlo" charset="0"/>
-                <a:ea typeface="Menlo" charset="0"/>
-                <a:cs typeface="Menlo" charset="0"/>
-              </a:rPr>
-              <a:t>for </a:t>
-            </a:r>
-            <a:r>
-              <a:rPr lang="en-US" sz="1800" dirty="0">
-                <a:latin typeface="Menlo" charset="0"/>
-                <a:ea typeface="Menlo" charset="0"/>
-                <a:cs typeface="Menlo" charset="0"/>
-              </a:rPr>
-              <a:t>p </a:t>
-            </a:r>
-            <a:r>
-              <a:rPr lang="en-US" sz="1800" dirty="0">
-                <a:latin typeface="Menlo" charset="0"/>
-                <a:ea typeface="Menlo" charset="0"/>
-                <a:cs typeface="Menlo" charset="0"/>
-              </a:rPr>
-              <a:t>in </a:t>
-            </a:r>
-            <a:r>
-              <a:rPr lang="en-US" sz="1800" dirty="0" err="1">
-                <a:latin typeface="Menlo" charset="0"/>
-                <a:ea typeface="Menlo" charset="0"/>
-                <a:cs typeface="Menlo" charset="0"/>
-              </a:rPr>
-              <a:t>self</a:t>
-            </a:r>
-            <a:r>
-              <a:rPr lang="en-US" sz="1800" dirty="0" err="1">
-                <a:latin typeface="Menlo" charset="0"/>
-                <a:ea typeface="Menlo" charset="0"/>
-                <a:cs typeface="Menlo" charset="0"/>
-              </a:rPr>
-              <a:t>.get_players</a:t>
-            </a:r>
-            <a:r>
-              <a:rPr lang="en-US" sz="1800" dirty="0">
-                <a:latin typeface="Menlo" charset="0"/>
-                <a:ea typeface="Menlo" charset="0"/>
-                <a:cs typeface="Menlo" charset="0"/>
-              </a:rPr>
-              <a:t>():</a:t>
-            </a:r>
-            <a:br>
-              <a:rPr lang="en-US" sz="1800" dirty="0">
-                <a:latin typeface="Menlo" charset="0"/>
-                <a:ea typeface="Menlo" charset="0"/>
-                <a:cs typeface="Menlo" charset="0"/>
-              </a:rPr>
-            </a:br>
-            <a:r>
-              <a:rPr lang="en-US" sz="1800" dirty="0" smtClean="0">
-                <a:latin typeface="Menlo" charset="0"/>
-                <a:ea typeface="Menlo" charset="0"/>
-                <a:cs typeface="Menlo" charset="0"/>
-              </a:rPr>
-              <a:t>                </a:t>
-            </a:r>
-            <a:r>
-              <a:rPr lang="en-US" sz="1800" dirty="0" err="1">
-                <a:latin typeface="Menlo" charset="0"/>
-                <a:ea typeface="Menlo" charset="0"/>
-                <a:cs typeface="Menlo" charset="0"/>
-              </a:rPr>
-              <a:t>p.endowment</a:t>
-            </a:r>
-            <a:r>
-              <a:rPr lang="en-US" sz="1800" dirty="0">
-                <a:latin typeface="Menlo" charset="0"/>
-                <a:ea typeface="Menlo" charset="0"/>
-                <a:cs typeface="Menlo" charset="0"/>
-              </a:rPr>
-              <a:t> = </a:t>
-            </a:r>
-            <a:r>
-              <a:rPr lang="en-US" sz="1800" dirty="0" err="1">
-                <a:latin typeface="Menlo" charset="0"/>
-                <a:ea typeface="Menlo" charset="0"/>
-                <a:cs typeface="Menlo" charset="0"/>
-              </a:rPr>
-              <a:t>Constants.endowment</a:t>
-            </a:r>
-            <a:r>
-              <a:rPr lang="en-US" sz="1800" dirty="0">
-                <a:latin typeface="Menlo" charset="0"/>
-                <a:ea typeface="Menlo" charset="0"/>
-                <a:cs typeface="Menlo" charset="0"/>
-              </a:rPr>
-              <a:t/>
-            </a:r>
-            <a:br>
-              <a:rPr lang="en-US" sz="1800" dirty="0">
-                <a:latin typeface="Menlo" charset="0"/>
-                <a:ea typeface="Menlo" charset="0"/>
-                <a:cs typeface="Menlo" charset="0"/>
-              </a:rPr>
-            </a:br>
-            <a:r>
-              <a:rPr lang="en-US" sz="1800" dirty="0">
-                <a:latin typeface="Menlo" charset="0"/>
-                <a:ea typeface="Menlo" charset="0"/>
-                <a:cs typeface="Menlo" charset="0"/>
-              </a:rPr>
-              <a:t/>
-            </a:r>
-            <a:br>
-              <a:rPr lang="en-US" sz="1800" dirty="0">
-                <a:latin typeface="Menlo" charset="0"/>
-                <a:ea typeface="Menlo" charset="0"/>
-                <a:cs typeface="Menlo" charset="0"/>
-              </a:rPr>
-            </a:br>
-            <a:r>
-              <a:rPr lang="en-US" sz="1800" dirty="0">
-                <a:latin typeface="Menlo" charset="0"/>
-                <a:ea typeface="Menlo" charset="0"/>
-                <a:cs typeface="Menlo" charset="0"/>
-              </a:rPr>
-              <a:t/>
-            </a:r>
-            <a:br>
-              <a:rPr lang="en-US" sz="1800" dirty="0">
-                <a:latin typeface="Menlo" charset="0"/>
-                <a:ea typeface="Menlo" charset="0"/>
-                <a:cs typeface="Menlo" charset="0"/>
-              </a:rPr>
-            </a:br>
-            <a:r>
-              <a:rPr lang="en-US" sz="1800" dirty="0">
-                <a:latin typeface="Menlo" charset="0"/>
-                <a:ea typeface="Menlo" charset="0"/>
-                <a:cs typeface="Menlo" charset="0"/>
-              </a:rPr>
-              <a:t/>
-            </a:r>
-            <a:br>
-              <a:rPr lang="en-US" sz="1800" dirty="0">
-                <a:latin typeface="Menlo" charset="0"/>
-                <a:ea typeface="Menlo" charset="0"/>
-                <a:cs typeface="Menlo" charset="0"/>
-              </a:rPr>
-            </a:br>
-            <a:r>
-              <a:rPr lang="en-US" sz="1800" dirty="0">
-                <a:latin typeface="Menlo" charset="0"/>
-                <a:ea typeface="Menlo" charset="0"/>
-                <a:cs typeface="Menlo" charset="0"/>
-              </a:rPr>
-              <a:t>class </a:t>
-            </a:r>
-            <a:r>
-              <a:rPr lang="en-US" sz="1800" dirty="0">
-                <a:latin typeface="Menlo" charset="0"/>
-                <a:ea typeface="Menlo" charset="0"/>
-                <a:cs typeface="Menlo" charset="0"/>
-              </a:rPr>
-              <a:t>Player(</a:t>
-            </a:r>
-            <a:r>
-              <a:rPr lang="en-US" sz="1800" dirty="0" err="1">
-                <a:latin typeface="Menlo" charset="0"/>
-                <a:ea typeface="Menlo" charset="0"/>
-                <a:cs typeface="Menlo" charset="0"/>
-              </a:rPr>
-              <a:t>BasePlayer</a:t>
-            </a:r>
-            <a:r>
-              <a:rPr lang="en-US" sz="1800" dirty="0">
-                <a:latin typeface="Menlo" charset="0"/>
-                <a:ea typeface="Menlo" charset="0"/>
-                <a:cs typeface="Menlo" charset="0"/>
-              </a:rPr>
-              <a:t>):</a:t>
-            </a:r>
-            <a:br>
-              <a:rPr lang="en-US" sz="1800" dirty="0">
-                <a:latin typeface="Menlo" charset="0"/>
-                <a:ea typeface="Menlo" charset="0"/>
-                <a:cs typeface="Menlo" charset="0"/>
-              </a:rPr>
-            </a:br>
-            <a:r>
-              <a:rPr lang="en-US" sz="1800" dirty="0">
-                <a:latin typeface="Menlo" charset="0"/>
-                <a:ea typeface="Menlo" charset="0"/>
-                <a:cs typeface="Menlo" charset="0"/>
-              </a:rPr>
-              <a:t>    endowment = </a:t>
-            </a:r>
-            <a:r>
-              <a:rPr lang="en-US" sz="1800" dirty="0" err="1">
-                <a:latin typeface="Menlo" charset="0"/>
-                <a:ea typeface="Menlo" charset="0"/>
-                <a:cs typeface="Menlo" charset="0"/>
-              </a:rPr>
-              <a:t>models.CurrencyField</a:t>
-            </a:r>
-            <a:r>
-              <a:rPr lang="en-US" sz="1800" dirty="0" smtClean="0">
-                <a:latin typeface="Menlo" charset="0"/>
-                <a:ea typeface="Menlo" charset="0"/>
-                <a:cs typeface="Menlo" charset="0"/>
-              </a:rPr>
-              <a:t>()</a:t>
-            </a:r>
-            <a:endParaRPr lang="en-US" sz="1800" dirty="0">
-              <a:latin typeface="Menlo" charset="0"/>
-              <a:ea typeface="Menlo" charset="0"/>
-              <a:cs typeface="Menlo" charset="0"/>
-            </a:endParaRPr>
+              <a:rPr lang="en-US" dirty="0" smtClean="0"/>
+              <a:t>Roles: no</a:t>
+            </a:r>
+          </a:p>
+          <a:p>
+            <a:r>
+              <a:rPr lang="en-US" dirty="0" smtClean="0"/>
+              <a:t>Stages: 1 (Contribution)</a:t>
+            </a:r>
+          </a:p>
+          <a:p>
+            <a:r>
+              <a:rPr lang="en-US" dirty="0" smtClean="0"/>
+              <a:t>Each member gets an endowment.</a:t>
+            </a:r>
+          </a:p>
+          <a:p>
+            <a:r>
+              <a:rPr lang="en-US" dirty="0" smtClean="0"/>
+              <a:t>After all group members make their contributions, payoffs are calculated</a:t>
+            </a:r>
+          </a:p>
+          <a:p>
+            <a:r>
+              <a:rPr lang="en-US" dirty="0" smtClean="0"/>
+              <a:t>Results are shown</a:t>
+            </a:r>
+          </a:p>
+          <a:p>
+            <a:r>
+              <a:rPr lang="en-US" dirty="0" smtClean="0"/>
+              <a:t>New round starts.</a:t>
+            </a:r>
           </a:p>
         </p:txBody>
       </p:sp>
     </p:spTree>
     <p:extLst>
       <p:ext uri="{BB962C8B-B14F-4D97-AF65-F5344CB8AC3E}">
-        <p14:creationId xmlns:p14="http://schemas.microsoft.com/office/powerpoint/2010/main" val="934436758"/>
+        <p14:creationId xmlns:p14="http://schemas.microsoft.com/office/powerpoint/2010/main" val="728424862"/>
       </p:ext>
     </p:extLst>
   </p:cSld>
@@ -4924,27 +5084,576 @@
           <a:p>
             <a:r>
               <a:rPr lang="en-US" dirty="0" smtClean="0"/>
-              <a:t>Public Good Game (VCM, Ledyard 1995)</a:t>
+              <a:t>Generate fixed endowment for every player</a:t>
+            </a:r>
+            <a:endParaRPr lang="en-US" dirty="0"/>
+          </a:p>
+        </p:txBody>
+      </p:sp>
+      <p:sp>
+        <p:nvSpPr>
+          <p:cNvPr id="5" name="Rectangle 4"/>
+          <p:cNvSpPr/>
+          <p:nvPr/>
+        </p:nvSpPr>
+        <p:spPr>
+          <a:xfrm>
+            <a:off x="735107" y="2112165"/>
+            <a:ext cx="10112188" cy="3693319"/>
+          </a:xfrm>
+          <a:prstGeom prst="rect">
+            <a:avLst/>
+          </a:prstGeom>
+        </p:spPr>
+        <p:txBody>
+          <a:bodyPr wrap="square">
+            <a:spAutoFit/>
+          </a:bodyPr>
+          <a:lstStyle/>
+          <a:p>
+            <a:r>
+              <a:rPr lang="en-US" dirty="0">
+                <a:solidFill>
+                  <a:srgbClr val="CC7832"/>
+                </a:solidFill>
+                <a:latin typeface="Menlo" charset="0"/>
+                <a:ea typeface="Menlo" charset="0"/>
+                <a:cs typeface="Menlo" charset="0"/>
+              </a:rPr>
+              <a:t>class </a:t>
+            </a:r>
+            <a:r>
+              <a:rPr lang="en-US" dirty="0">
+                <a:latin typeface="Menlo" charset="0"/>
+                <a:ea typeface="Menlo" charset="0"/>
+                <a:cs typeface="Menlo" charset="0"/>
+              </a:rPr>
+              <a:t>Constants(</a:t>
+            </a:r>
+            <a:r>
+              <a:rPr lang="en-US" dirty="0" err="1">
+                <a:latin typeface="Menlo" charset="0"/>
+                <a:ea typeface="Menlo" charset="0"/>
+                <a:cs typeface="Menlo" charset="0"/>
+              </a:rPr>
+              <a:t>BaseConstants</a:t>
+            </a:r>
+            <a:r>
+              <a:rPr lang="en-US" dirty="0">
+                <a:latin typeface="Menlo" charset="0"/>
+                <a:ea typeface="Menlo" charset="0"/>
+                <a:cs typeface="Menlo" charset="0"/>
+              </a:rPr>
+              <a:t>):</a:t>
             </a:r>
             <a:br>
-              <a:rPr lang="en-US" dirty="0" smtClean="0"/>
+              <a:rPr lang="en-US" dirty="0">
+                <a:latin typeface="Menlo" charset="0"/>
+                <a:ea typeface="Menlo" charset="0"/>
+                <a:cs typeface="Menlo" charset="0"/>
+              </a:rPr>
             </a:br>
             <a:r>
-              <a:rPr lang="en-US" dirty="0" smtClean="0"/>
-              <a:t>- Parameters</a:t>
-            </a:r>
-            <a:endParaRPr lang="en-US" dirty="0"/>
-          </a:p>
-        </p:txBody>
-      </p:sp>
-      <p:sp>
-        <p:nvSpPr>
-          <p:cNvPr id="3" name="Content Placeholder 2"/>
+              <a:rPr lang="en-US" dirty="0">
+                <a:latin typeface="Menlo" charset="0"/>
+                <a:ea typeface="Menlo" charset="0"/>
+                <a:cs typeface="Menlo" charset="0"/>
+              </a:rPr>
+              <a:t>    endowment = c(</a:t>
+            </a:r>
+            <a:r>
+              <a:rPr lang="en-US" dirty="0">
+                <a:solidFill>
+                  <a:srgbClr val="6897BB"/>
+                </a:solidFill>
+                <a:latin typeface="Menlo" charset="0"/>
+                <a:ea typeface="Menlo" charset="0"/>
+                <a:cs typeface="Menlo" charset="0"/>
+              </a:rPr>
+              <a:t>20</a:t>
+            </a:r>
+            <a:r>
+              <a:rPr lang="en-US" dirty="0">
+                <a:latin typeface="Menlo" charset="0"/>
+                <a:ea typeface="Menlo" charset="0"/>
+                <a:cs typeface="Menlo" charset="0"/>
+              </a:rPr>
+              <a:t>) </a:t>
+            </a:r>
+            <a:r>
+              <a:rPr lang="en-US" dirty="0">
+                <a:solidFill>
+                  <a:srgbClr val="808080"/>
+                </a:solidFill>
+                <a:latin typeface="Menlo" charset="0"/>
+                <a:ea typeface="Menlo" charset="0"/>
+                <a:cs typeface="Menlo" charset="0"/>
+              </a:rPr>
+              <a:t/>
+            </a:r>
+            <a:br>
+              <a:rPr lang="en-US" dirty="0">
+                <a:solidFill>
+                  <a:srgbClr val="808080"/>
+                </a:solidFill>
+                <a:latin typeface="Menlo" charset="0"/>
+                <a:ea typeface="Menlo" charset="0"/>
+                <a:cs typeface="Menlo" charset="0"/>
+              </a:rPr>
+            </a:br>
+            <a:r>
+              <a:rPr lang="en-US" dirty="0">
+                <a:solidFill>
+                  <a:srgbClr val="808080"/>
+                </a:solidFill>
+                <a:latin typeface="Menlo" charset="0"/>
+                <a:ea typeface="Menlo" charset="0"/>
+                <a:cs typeface="Menlo" charset="0"/>
+              </a:rPr>
+              <a:t/>
+            </a:r>
+            <a:br>
+              <a:rPr lang="en-US" dirty="0">
+                <a:solidFill>
+                  <a:srgbClr val="808080"/>
+                </a:solidFill>
+                <a:latin typeface="Menlo" charset="0"/>
+                <a:ea typeface="Menlo" charset="0"/>
+                <a:cs typeface="Menlo" charset="0"/>
+              </a:rPr>
+            </a:br>
+            <a:r>
+              <a:rPr lang="en-US" dirty="0">
+                <a:solidFill>
+                  <a:srgbClr val="808080"/>
+                </a:solidFill>
+                <a:latin typeface="Menlo" charset="0"/>
+                <a:ea typeface="Menlo" charset="0"/>
+                <a:cs typeface="Menlo" charset="0"/>
+              </a:rPr>
+              <a:t/>
+            </a:r>
+            <a:br>
+              <a:rPr lang="en-US" dirty="0">
+                <a:solidFill>
+                  <a:srgbClr val="808080"/>
+                </a:solidFill>
+                <a:latin typeface="Menlo" charset="0"/>
+                <a:ea typeface="Menlo" charset="0"/>
+                <a:cs typeface="Menlo" charset="0"/>
+              </a:rPr>
+            </a:br>
+            <a:r>
+              <a:rPr lang="en-US" dirty="0">
+                <a:solidFill>
+                  <a:srgbClr val="CC7832"/>
+                </a:solidFill>
+                <a:latin typeface="Menlo" charset="0"/>
+                <a:ea typeface="Menlo" charset="0"/>
+                <a:cs typeface="Menlo" charset="0"/>
+              </a:rPr>
+              <a:t>class </a:t>
+            </a:r>
+            <a:r>
+              <a:rPr lang="en-US" dirty="0" err="1">
+                <a:latin typeface="Menlo" charset="0"/>
+                <a:ea typeface="Menlo" charset="0"/>
+                <a:cs typeface="Menlo" charset="0"/>
+              </a:rPr>
+              <a:t>Subsession</a:t>
+            </a:r>
+            <a:r>
+              <a:rPr lang="en-US" dirty="0">
+                <a:latin typeface="Menlo" charset="0"/>
+                <a:ea typeface="Menlo" charset="0"/>
+                <a:cs typeface="Menlo" charset="0"/>
+              </a:rPr>
+              <a:t>(</a:t>
+            </a:r>
+            <a:r>
+              <a:rPr lang="en-US" dirty="0" err="1">
+                <a:latin typeface="Menlo" charset="0"/>
+                <a:ea typeface="Menlo" charset="0"/>
+                <a:cs typeface="Menlo" charset="0"/>
+              </a:rPr>
+              <a:t>BaseSubsession</a:t>
+            </a:r>
+            <a:r>
+              <a:rPr lang="en-US" dirty="0">
+                <a:latin typeface="Menlo" charset="0"/>
+                <a:ea typeface="Menlo" charset="0"/>
+                <a:cs typeface="Menlo" charset="0"/>
+              </a:rPr>
+              <a:t>):</a:t>
+            </a:r>
+            <a:br>
+              <a:rPr lang="en-US" dirty="0">
+                <a:latin typeface="Menlo" charset="0"/>
+                <a:ea typeface="Menlo" charset="0"/>
+                <a:cs typeface="Menlo" charset="0"/>
+              </a:rPr>
+            </a:br>
+            <a:r>
+              <a:rPr lang="en-US" dirty="0">
+                <a:latin typeface="Menlo" charset="0"/>
+                <a:ea typeface="Menlo" charset="0"/>
+                <a:cs typeface="Menlo" charset="0"/>
+              </a:rPr>
+              <a:t>    </a:t>
+            </a:r>
+            <a:r>
+              <a:rPr lang="en-US" dirty="0" err="1">
+                <a:solidFill>
+                  <a:srgbClr val="CC7832"/>
+                </a:solidFill>
+                <a:latin typeface="Menlo" charset="0"/>
+                <a:ea typeface="Menlo" charset="0"/>
+                <a:cs typeface="Menlo" charset="0"/>
+              </a:rPr>
+              <a:t>def</a:t>
+            </a:r>
+            <a:r>
+              <a:rPr lang="en-US" dirty="0">
+                <a:solidFill>
+                  <a:srgbClr val="CC7832"/>
+                </a:solidFill>
+                <a:latin typeface="Menlo" charset="0"/>
+                <a:ea typeface="Menlo" charset="0"/>
+                <a:cs typeface="Menlo" charset="0"/>
+              </a:rPr>
+              <a:t> </a:t>
+            </a:r>
+            <a:r>
+              <a:rPr lang="en-US" dirty="0" err="1">
+                <a:solidFill>
+                  <a:srgbClr val="FFC66D"/>
+                </a:solidFill>
+                <a:latin typeface="Menlo" charset="0"/>
+                <a:ea typeface="Menlo" charset="0"/>
+                <a:cs typeface="Menlo" charset="0"/>
+              </a:rPr>
+              <a:t>creating_session</a:t>
+            </a:r>
+            <a:r>
+              <a:rPr lang="en-US" dirty="0">
+                <a:latin typeface="Menlo" charset="0"/>
+                <a:ea typeface="Menlo" charset="0"/>
+                <a:cs typeface="Menlo" charset="0"/>
+              </a:rPr>
+              <a:t>(</a:t>
+            </a:r>
+            <a:r>
+              <a:rPr lang="en-US" dirty="0">
+                <a:solidFill>
+                  <a:srgbClr val="94558D"/>
+                </a:solidFill>
+                <a:latin typeface="Menlo" charset="0"/>
+                <a:ea typeface="Menlo" charset="0"/>
+                <a:cs typeface="Menlo" charset="0"/>
+              </a:rPr>
+              <a:t>self</a:t>
+            </a:r>
+            <a:r>
+              <a:rPr lang="en-US" dirty="0">
+                <a:latin typeface="Menlo" charset="0"/>
+                <a:ea typeface="Menlo" charset="0"/>
+                <a:cs typeface="Menlo" charset="0"/>
+              </a:rPr>
+              <a:t>):</a:t>
+            </a:r>
+            <a:br>
+              <a:rPr lang="en-US" dirty="0">
+                <a:latin typeface="Menlo" charset="0"/>
+                <a:ea typeface="Menlo" charset="0"/>
+                <a:cs typeface="Menlo" charset="0"/>
+              </a:rPr>
+            </a:br>
+            <a:r>
+              <a:rPr lang="en-US" dirty="0">
+                <a:latin typeface="Menlo" charset="0"/>
+                <a:ea typeface="Menlo" charset="0"/>
+                <a:cs typeface="Menlo" charset="0"/>
+              </a:rPr>
+              <a:t>        </a:t>
+            </a:r>
+            <a:r>
+              <a:rPr lang="en-US" dirty="0">
+                <a:solidFill>
+                  <a:srgbClr val="CC7832"/>
+                </a:solidFill>
+                <a:latin typeface="Menlo" charset="0"/>
+                <a:ea typeface="Menlo" charset="0"/>
+                <a:cs typeface="Menlo" charset="0"/>
+              </a:rPr>
+              <a:t>for </a:t>
+            </a:r>
+            <a:r>
+              <a:rPr lang="en-US" dirty="0">
+                <a:latin typeface="Menlo" charset="0"/>
+                <a:ea typeface="Menlo" charset="0"/>
+                <a:cs typeface="Menlo" charset="0"/>
+              </a:rPr>
+              <a:t>p </a:t>
+            </a:r>
+            <a:r>
+              <a:rPr lang="en-US" dirty="0">
+                <a:solidFill>
+                  <a:srgbClr val="CC7832"/>
+                </a:solidFill>
+                <a:latin typeface="Menlo" charset="0"/>
+                <a:ea typeface="Menlo" charset="0"/>
+                <a:cs typeface="Menlo" charset="0"/>
+              </a:rPr>
+              <a:t>in </a:t>
+            </a:r>
+            <a:r>
+              <a:rPr lang="en-US" dirty="0" err="1">
+                <a:solidFill>
+                  <a:srgbClr val="94558D"/>
+                </a:solidFill>
+                <a:latin typeface="Menlo" charset="0"/>
+                <a:ea typeface="Menlo" charset="0"/>
+                <a:cs typeface="Menlo" charset="0"/>
+              </a:rPr>
+              <a:t>self</a:t>
+            </a:r>
+            <a:r>
+              <a:rPr lang="en-US" dirty="0" err="1">
+                <a:latin typeface="Menlo" charset="0"/>
+                <a:ea typeface="Menlo" charset="0"/>
+                <a:cs typeface="Menlo" charset="0"/>
+              </a:rPr>
+              <a:t>.get_players</a:t>
+            </a:r>
+            <a:r>
+              <a:rPr lang="en-US" dirty="0">
+                <a:latin typeface="Menlo" charset="0"/>
+                <a:ea typeface="Menlo" charset="0"/>
+                <a:cs typeface="Menlo" charset="0"/>
+              </a:rPr>
+              <a:t>():</a:t>
+            </a:r>
+            <a:br>
+              <a:rPr lang="en-US" dirty="0">
+                <a:latin typeface="Menlo" charset="0"/>
+                <a:ea typeface="Menlo" charset="0"/>
+                <a:cs typeface="Menlo" charset="0"/>
+              </a:rPr>
+            </a:br>
+            <a:r>
+              <a:rPr lang="en-US" dirty="0">
+                <a:latin typeface="Menlo" charset="0"/>
+                <a:ea typeface="Menlo" charset="0"/>
+                <a:cs typeface="Menlo" charset="0"/>
+              </a:rPr>
+              <a:t>            </a:t>
+            </a:r>
+            <a:r>
+              <a:rPr lang="en-US" dirty="0" err="1">
+                <a:latin typeface="Menlo" charset="0"/>
+                <a:ea typeface="Menlo" charset="0"/>
+                <a:cs typeface="Menlo" charset="0"/>
+              </a:rPr>
+              <a:t>p.endowment</a:t>
+            </a:r>
+            <a:r>
+              <a:rPr lang="en-US" dirty="0">
+                <a:latin typeface="Menlo" charset="0"/>
+                <a:ea typeface="Menlo" charset="0"/>
+                <a:cs typeface="Menlo" charset="0"/>
+              </a:rPr>
+              <a:t> = </a:t>
+            </a:r>
+            <a:r>
+              <a:rPr lang="en-US" dirty="0" err="1">
+                <a:latin typeface="Menlo" charset="0"/>
+                <a:ea typeface="Menlo" charset="0"/>
+                <a:cs typeface="Menlo" charset="0"/>
+              </a:rPr>
+              <a:t>Constants.endowment</a:t>
+            </a:r>
+            <a:r>
+              <a:rPr lang="en-US" dirty="0">
+                <a:latin typeface="Menlo" charset="0"/>
+                <a:ea typeface="Menlo" charset="0"/>
+                <a:cs typeface="Menlo" charset="0"/>
+              </a:rPr>
+              <a:t/>
+            </a:r>
+            <a:br>
+              <a:rPr lang="en-US" dirty="0">
+                <a:latin typeface="Menlo" charset="0"/>
+                <a:ea typeface="Menlo" charset="0"/>
+                <a:cs typeface="Menlo" charset="0"/>
+              </a:rPr>
+            </a:br>
+            <a:r>
+              <a:rPr lang="en-US" dirty="0">
+                <a:latin typeface="Menlo" charset="0"/>
+                <a:ea typeface="Menlo" charset="0"/>
+                <a:cs typeface="Menlo" charset="0"/>
+              </a:rPr>
+              <a:t/>
+            </a:r>
+            <a:br>
+              <a:rPr lang="en-US" dirty="0">
+                <a:latin typeface="Menlo" charset="0"/>
+                <a:ea typeface="Menlo" charset="0"/>
+                <a:cs typeface="Menlo" charset="0"/>
+              </a:rPr>
+            </a:br>
+            <a:r>
+              <a:rPr lang="en-US" dirty="0">
+                <a:latin typeface="Menlo" charset="0"/>
+                <a:ea typeface="Menlo" charset="0"/>
+                <a:cs typeface="Menlo" charset="0"/>
+              </a:rPr>
+              <a:t/>
+            </a:r>
+            <a:br>
+              <a:rPr lang="en-US" dirty="0">
+                <a:latin typeface="Menlo" charset="0"/>
+                <a:ea typeface="Menlo" charset="0"/>
+                <a:cs typeface="Menlo" charset="0"/>
+              </a:rPr>
+            </a:br>
+            <a:r>
+              <a:rPr lang="en-US" dirty="0">
+                <a:solidFill>
+                  <a:srgbClr val="CC7832"/>
+                </a:solidFill>
+                <a:latin typeface="Menlo" charset="0"/>
+                <a:ea typeface="Menlo" charset="0"/>
+                <a:cs typeface="Menlo" charset="0"/>
+              </a:rPr>
+              <a:t>class </a:t>
+            </a:r>
+            <a:r>
+              <a:rPr lang="en-US" dirty="0">
+                <a:latin typeface="Menlo" charset="0"/>
+                <a:ea typeface="Menlo" charset="0"/>
+                <a:cs typeface="Menlo" charset="0"/>
+              </a:rPr>
+              <a:t>Player(</a:t>
+            </a:r>
+            <a:r>
+              <a:rPr lang="en-US" dirty="0" err="1">
+                <a:latin typeface="Menlo" charset="0"/>
+                <a:ea typeface="Menlo" charset="0"/>
+                <a:cs typeface="Menlo" charset="0"/>
+              </a:rPr>
+              <a:t>BasePlayer</a:t>
+            </a:r>
+            <a:r>
+              <a:rPr lang="en-US" dirty="0">
+                <a:latin typeface="Menlo" charset="0"/>
+                <a:ea typeface="Menlo" charset="0"/>
+                <a:cs typeface="Menlo" charset="0"/>
+              </a:rPr>
+              <a:t>):</a:t>
+            </a:r>
+            <a:br>
+              <a:rPr lang="en-US" dirty="0">
+                <a:latin typeface="Menlo" charset="0"/>
+                <a:ea typeface="Menlo" charset="0"/>
+                <a:cs typeface="Menlo" charset="0"/>
+              </a:rPr>
+            </a:br>
+            <a:r>
+              <a:rPr lang="en-US" dirty="0">
+                <a:latin typeface="Menlo" charset="0"/>
+                <a:ea typeface="Menlo" charset="0"/>
+                <a:cs typeface="Menlo" charset="0"/>
+              </a:rPr>
+              <a:t>    endowment = </a:t>
+            </a:r>
+            <a:r>
+              <a:rPr lang="en-US" dirty="0" err="1">
+                <a:latin typeface="Menlo" charset="0"/>
+                <a:ea typeface="Menlo" charset="0"/>
+                <a:cs typeface="Menlo" charset="0"/>
+              </a:rPr>
+              <a:t>models.CurrencyField</a:t>
+            </a:r>
+            <a:r>
+              <a:rPr lang="en-US" dirty="0" smtClean="0">
+                <a:latin typeface="Menlo" charset="0"/>
+                <a:ea typeface="Menlo" charset="0"/>
+                <a:cs typeface="Menlo" charset="0"/>
+              </a:rPr>
+              <a:t>()</a:t>
+            </a:r>
+            <a:r>
+              <a:rPr lang="en-US" dirty="0">
+                <a:latin typeface="Menlo" charset="0"/>
+                <a:ea typeface="Menlo" charset="0"/>
+                <a:cs typeface="Menlo" charset="0"/>
+              </a:rPr>
+              <a:t/>
+            </a:r>
+            <a:br>
+              <a:rPr lang="en-US" dirty="0">
+                <a:latin typeface="Menlo" charset="0"/>
+                <a:ea typeface="Menlo" charset="0"/>
+                <a:cs typeface="Menlo" charset="0"/>
+              </a:rPr>
+            </a:br>
+            <a:r>
+              <a:rPr lang="en-US" dirty="0">
+                <a:latin typeface="Menlo" charset="0"/>
+                <a:ea typeface="Menlo" charset="0"/>
+                <a:cs typeface="Menlo" charset="0"/>
+              </a:rPr>
+              <a:t> </a:t>
+            </a:r>
+          </a:p>
+        </p:txBody>
+      </p:sp>
+    </p:spTree>
+    <p:extLst>
+      <p:ext uri="{BB962C8B-B14F-4D97-AF65-F5344CB8AC3E}">
+        <p14:creationId xmlns:p14="http://schemas.microsoft.com/office/powerpoint/2010/main" val="934436758"/>
+      </p:ext>
+    </p:extLst>
+  </p:cSld>
+  <p:clrMapOvr>
+    <a:masterClrMapping/>
+  </p:clrMapOvr>
+  <p:timing>
+    <p:tnLst>
+      <p:par>
+        <p:cTn id="1" dur="indefinite" restart="never" nodeType="tmRoot"/>
+      </p:par>
+    </p:tnLst>
+  </p:timing>
+</p:sld>
+</file>
+
+<file path=ppt/slides/slide6.xml><?xml version="1.0" encoding="utf-8"?>
+<p:sld xmlns:a="http://schemas.openxmlformats.org/drawingml/2006/main" xmlns:r="http://schemas.openxmlformats.org/officeDocument/2006/relationships" xmlns:p="http://schemas.openxmlformats.org/presentationml/2006/main">
+  <p:cSld>
+    <p:spTree>
+      <p:nvGrpSpPr>
+        <p:cNvPr id="1" name=""/>
+        <p:cNvGrpSpPr/>
+        <p:nvPr/>
+      </p:nvGrpSpPr>
+      <p:grpSpPr>
+        <a:xfrm>
+          <a:off x="0" y="0"/>
+          <a:ext cx="0" cy="0"/>
+          <a:chOff x="0" y="0"/>
+          <a:chExt cx="0" cy="0"/>
+        </a:xfrm>
+      </p:grpSpPr>
+      <p:sp>
+        <p:nvSpPr>
+          <p:cNvPr id="2" name="Title 1"/>
           <p:cNvSpPr>
             <a:spLocks noGrp="1"/>
           </p:cNvSpPr>
           <p:nvPr>
-            <p:ph idx="1"/>
+            <p:ph type="title"/>
           </p:nvPr>
         </p:nvSpPr>
         <p:spPr/>
@@ -4954,74 +5663,3385 @@
           <a:p>
             <a:r>
               <a:rPr lang="en-US" dirty="0" smtClean="0"/>
-              <a:t>Group size (</a:t>
-            </a:r>
-            <a:r>
-              <a:rPr lang="en-US" dirty="0" err="1" smtClean="0">
-                <a:latin typeface="Menlo" charset="0"/>
-                <a:ea typeface="Menlo" charset="0"/>
-                <a:cs typeface="Menlo" charset="0"/>
-              </a:rPr>
-              <a:t>players_per_group</a:t>
-            </a:r>
-            <a:r>
-              <a:rPr lang="en-US" dirty="0" smtClean="0"/>
+              <a:t>Payoffs calculation</a:t>
+            </a:r>
+            <a:endParaRPr lang="en-US" dirty="0"/>
+          </a:p>
+        </p:txBody>
+      </p:sp>
+      <p:sp>
+        <p:nvSpPr>
+          <p:cNvPr id="4" name="Rectangle 3"/>
+          <p:cNvSpPr/>
+          <p:nvPr/>
+        </p:nvSpPr>
+        <p:spPr>
+          <a:xfrm>
+            <a:off x="125506" y="1953922"/>
+            <a:ext cx="12622306" cy="2246769"/>
+          </a:xfrm>
+          <a:prstGeom prst="rect">
+            <a:avLst/>
+          </a:prstGeom>
+        </p:spPr>
+        <p:txBody>
+          <a:bodyPr wrap="square">
+            <a:spAutoFit/>
+          </a:bodyPr>
+          <a:lstStyle/>
+          <a:p>
+            <a:r>
+              <a:rPr lang="en-US" sz="1400" dirty="0">
+                <a:solidFill>
+                  <a:srgbClr val="CC7832"/>
+                </a:solidFill>
+                <a:latin typeface="Menlo" charset="0"/>
+                <a:ea typeface="Menlo" charset="0"/>
+                <a:cs typeface="Menlo" charset="0"/>
+              </a:rPr>
+              <a:t>class </a:t>
+            </a:r>
+            <a:r>
+              <a:rPr lang="en-US" sz="1400" dirty="0">
+                <a:latin typeface="Menlo" charset="0"/>
+                <a:ea typeface="Menlo" charset="0"/>
+                <a:cs typeface="Menlo" charset="0"/>
+              </a:rPr>
+              <a:t>Group(</a:t>
+            </a:r>
+            <a:r>
+              <a:rPr lang="en-US" sz="1400" dirty="0" err="1">
+                <a:latin typeface="Menlo" charset="0"/>
+                <a:ea typeface="Menlo" charset="0"/>
+                <a:cs typeface="Menlo" charset="0"/>
+              </a:rPr>
+              <a:t>BaseGroup</a:t>
+            </a:r>
+            <a:r>
+              <a:rPr lang="en-US" sz="1400" dirty="0">
+                <a:latin typeface="Menlo" charset="0"/>
+                <a:ea typeface="Menlo" charset="0"/>
+                <a:cs typeface="Menlo" charset="0"/>
+              </a:rPr>
+              <a:t>):</a:t>
+            </a:r>
+            <a:br>
+              <a:rPr lang="en-US" sz="1400" dirty="0">
+                <a:latin typeface="Menlo" charset="0"/>
+                <a:ea typeface="Menlo" charset="0"/>
+                <a:cs typeface="Menlo" charset="0"/>
+              </a:rPr>
+            </a:br>
+            <a:r>
+              <a:rPr lang="en-US" sz="1400" dirty="0">
+                <a:latin typeface="Menlo" charset="0"/>
+                <a:ea typeface="Menlo" charset="0"/>
+                <a:cs typeface="Menlo" charset="0"/>
+              </a:rPr>
+              <a:t>    </a:t>
+            </a:r>
+            <a:r>
+              <a:rPr lang="en-US" sz="1400" dirty="0" err="1">
+                <a:latin typeface="Menlo" charset="0"/>
+                <a:ea typeface="Menlo" charset="0"/>
+                <a:cs typeface="Menlo" charset="0"/>
+              </a:rPr>
+              <a:t>total_contribution</a:t>
+            </a:r>
+            <a:r>
+              <a:rPr lang="en-US" sz="1400" dirty="0">
+                <a:latin typeface="Menlo" charset="0"/>
+                <a:ea typeface="Menlo" charset="0"/>
+                <a:cs typeface="Menlo" charset="0"/>
+              </a:rPr>
+              <a:t> = </a:t>
+            </a:r>
+            <a:r>
+              <a:rPr lang="en-US" sz="1400" dirty="0" err="1">
+                <a:latin typeface="Menlo" charset="0"/>
+                <a:ea typeface="Menlo" charset="0"/>
+                <a:cs typeface="Menlo" charset="0"/>
+              </a:rPr>
+              <a:t>models.CurrencyField</a:t>
+            </a:r>
+            <a:r>
+              <a:rPr lang="en-US" sz="1400" dirty="0">
+                <a:latin typeface="Menlo" charset="0"/>
+                <a:ea typeface="Menlo" charset="0"/>
+                <a:cs typeface="Menlo" charset="0"/>
+              </a:rPr>
+              <a:t>()</a:t>
+            </a:r>
+            <a:br>
+              <a:rPr lang="en-US" sz="1400" dirty="0">
+                <a:latin typeface="Menlo" charset="0"/>
+                <a:ea typeface="Menlo" charset="0"/>
+                <a:cs typeface="Menlo" charset="0"/>
+              </a:rPr>
+            </a:br>
+            <a:r>
+              <a:rPr lang="en-US" sz="1400" dirty="0">
+                <a:latin typeface="Menlo" charset="0"/>
+                <a:ea typeface="Menlo" charset="0"/>
+                <a:cs typeface="Menlo" charset="0"/>
+              </a:rPr>
+              <a:t>    </a:t>
+            </a:r>
+            <a:r>
+              <a:rPr lang="en-US" sz="1400" dirty="0" err="1">
+                <a:latin typeface="Menlo" charset="0"/>
+                <a:ea typeface="Menlo" charset="0"/>
+                <a:cs typeface="Menlo" charset="0"/>
+              </a:rPr>
+              <a:t>individual_share</a:t>
+            </a:r>
+            <a:r>
+              <a:rPr lang="en-US" sz="1400" dirty="0">
+                <a:latin typeface="Menlo" charset="0"/>
+                <a:ea typeface="Menlo" charset="0"/>
+                <a:cs typeface="Menlo" charset="0"/>
+              </a:rPr>
+              <a:t> = </a:t>
+            </a:r>
+            <a:r>
+              <a:rPr lang="en-US" sz="1400" dirty="0" err="1">
+                <a:latin typeface="Menlo" charset="0"/>
+                <a:ea typeface="Menlo" charset="0"/>
+                <a:cs typeface="Menlo" charset="0"/>
+              </a:rPr>
+              <a:t>models.CurrencyField</a:t>
+            </a:r>
+            <a:r>
+              <a:rPr lang="en-US" sz="1400" dirty="0">
+                <a:latin typeface="Menlo" charset="0"/>
+                <a:ea typeface="Menlo" charset="0"/>
+                <a:cs typeface="Menlo" charset="0"/>
+              </a:rPr>
+              <a:t>()</a:t>
+            </a:r>
+            <a:br>
+              <a:rPr lang="en-US" sz="1400" dirty="0">
+                <a:latin typeface="Menlo" charset="0"/>
+                <a:ea typeface="Menlo" charset="0"/>
+                <a:cs typeface="Menlo" charset="0"/>
+              </a:rPr>
+            </a:br>
+            <a:r>
+              <a:rPr lang="en-US" sz="1400" dirty="0">
+                <a:latin typeface="Menlo" charset="0"/>
+                <a:ea typeface="Menlo" charset="0"/>
+                <a:cs typeface="Menlo" charset="0"/>
+              </a:rPr>
+              <a:t/>
+            </a:r>
+            <a:br>
+              <a:rPr lang="en-US" sz="1400" dirty="0">
+                <a:latin typeface="Menlo" charset="0"/>
+                <a:ea typeface="Menlo" charset="0"/>
+                <a:cs typeface="Menlo" charset="0"/>
+              </a:rPr>
+            </a:br>
+            <a:r>
+              <a:rPr lang="en-US" sz="1400" dirty="0">
+                <a:latin typeface="Menlo" charset="0"/>
+                <a:ea typeface="Menlo" charset="0"/>
+                <a:cs typeface="Menlo" charset="0"/>
+              </a:rPr>
+              <a:t>    </a:t>
+            </a:r>
+            <a:r>
+              <a:rPr lang="en-US" sz="1400" dirty="0" err="1">
+                <a:solidFill>
+                  <a:srgbClr val="CC7832"/>
+                </a:solidFill>
+                <a:latin typeface="Menlo" charset="0"/>
+                <a:ea typeface="Menlo" charset="0"/>
+                <a:cs typeface="Menlo" charset="0"/>
+              </a:rPr>
+              <a:t>def</a:t>
+            </a:r>
+            <a:r>
+              <a:rPr lang="en-US" sz="1400" dirty="0">
+                <a:solidFill>
+                  <a:srgbClr val="CC7832"/>
+                </a:solidFill>
+                <a:latin typeface="Menlo" charset="0"/>
+                <a:ea typeface="Menlo" charset="0"/>
+                <a:cs typeface="Menlo" charset="0"/>
+              </a:rPr>
+              <a:t> </a:t>
+            </a:r>
+            <a:r>
+              <a:rPr lang="en-US" sz="1400" dirty="0" err="1">
+                <a:solidFill>
+                  <a:srgbClr val="FFC66D"/>
+                </a:solidFill>
+                <a:latin typeface="Menlo" charset="0"/>
+                <a:ea typeface="Menlo" charset="0"/>
+                <a:cs typeface="Menlo" charset="0"/>
+              </a:rPr>
+              <a:t>set_payoffs</a:t>
+            </a:r>
+            <a:r>
+              <a:rPr lang="en-US" sz="1400" dirty="0">
+                <a:latin typeface="Menlo" charset="0"/>
+                <a:ea typeface="Menlo" charset="0"/>
+                <a:cs typeface="Menlo" charset="0"/>
+              </a:rPr>
+              <a:t>(</a:t>
+            </a:r>
+            <a:r>
+              <a:rPr lang="en-US" sz="1400" dirty="0">
+                <a:solidFill>
+                  <a:srgbClr val="94558D"/>
+                </a:solidFill>
+                <a:latin typeface="Menlo" charset="0"/>
+                <a:ea typeface="Menlo" charset="0"/>
+                <a:cs typeface="Menlo" charset="0"/>
+              </a:rPr>
+              <a:t>self</a:t>
+            </a:r>
+            <a:r>
+              <a:rPr lang="en-US" sz="1400" dirty="0">
+                <a:latin typeface="Menlo" charset="0"/>
+                <a:ea typeface="Menlo" charset="0"/>
+                <a:cs typeface="Menlo" charset="0"/>
+              </a:rPr>
+              <a:t>):</a:t>
+            </a:r>
+            <a:br>
+              <a:rPr lang="en-US" sz="1400" dirty="0">
+                <a:latin typeface="Menlo" charset="0"/>
+                <a:ea typeface="Menlo" charset="0"/>
+                <a:cs typeface="Menlo" charset="0"/>
+              </a:rPr>
+            </a:br>
+            <a:r>
+              <a:rPr lang="en-US" sz="1400" dirty="0">
+                <a:latin typeface="Menlo" charset="0"/>
+                <a:ea typeface="Menlo" charset="0"/>
+                <a:cs typeface="Menlo" charset="0"/>
+              </a:rPr>
+              <a:t>        </a:t>
+            </a:r>
+            <a:r>
+              <a:rPr lang="en-US" sz="1400" dirty="0" err="1">
+                <a:latin typeface="Menlo" charset="0"/>
+                <a:ea typeface="Menlo" charset="0"/>
+                <a:cs typeface="Menlo" charset="0"/>
+              </a:rPr>
+              <a:t>contribs</a:t>
+            </a:r>
+            <a:r>
+              <a:rPr lang="en-US" sz="1400" dirty="0">
+                <a:latin typeface="Menlo" charset="0"/>
+                <a:ea typeface="Menlo" charset="0"/>
+                <a:cs typeface="Menlo" charset="0"/>
+              </a:rPr>
+              <a:t> = [</a:t>
+            </a:r>
+            <a:r>
+              <a:rPr lang="en-US" sz="1400" dirty="0" err="1">
+                <a:latin typeface="Menlo" charset="0"/>
+                <a:ea typeface="Menlo" charset="0"/>
+                <a:cs typeface="Menlo" charset="0"/>
+              </a:rPr>
+              <a:t>p.contribution</a:t>
+            </a:r>
+            <a:r>
+              <a:rPr lang="en-US" sz="1400" dirty="0">
+                <a:latin typeface="Menlo" charset="0"/>
+                <a:ea typeface="Menlo" charset="0"/>
+                <a:cs typeface="Menlo" charset="0"/>
+              </a:rPr>
+              <a:t> </a:t>
+            </a:r>
+            <a:r>
+              <a:rPr lang="en-US" sz="1400" dirty="0">
+                <a:solidFill>
+                  <a:srgbClr val="CC7832"/>
+                </a:solidFill>
+                <a:latin typeface="Menlo" charset="0"/>
+                <a:ea typeface="Menlo" charset="0"/>
+                <a:cs typeface="Menlo" charset="0"/>
+              </a:rPr>
+              <a:t>for </a:t>
+            </a:r>
+            <a:r>
+              <a:rPr lang="en-US" sz="1400" dirty="0">
+                <a:latin typeface="Menlo" charset="0"/>
+                <a:ea typeface="Menlo" charset="0"/>
+                <a:cs typeface="Menlo" charset="0"/>
+              </a:rPr>
+              <a:t>p </a:t>
+            </a:r>
+            <a:r>
+              <a:rPr lang="en-US" sz="1400" dirty="0">
+                <a:solidFill>
+                  <a:srgbClr val="CC7832"/>
+                </a:solidFill>
+                <a:latin typeface="Menlo" charset="0"/>
+                <a:ea typeface="Menlo" charset="0"/>
+                <a:cs typeface="Menlo" charset="0"/>
+              </a:rPr>
+              <a:t>in </a:t>
+            </a:r>
+            <a:r>
+              <a:rPr lang="en-US" sz="1400" dirty="0" err="1">
+                <a:solidFill>
+                  <a:srgbClr val="94558D"/>
+                </a:solidFill>
+                <a:latin typeface="Menlo" charset="0"/>
+                <a:ea typeface="Menlo" charset="0"/>
+                <a:cs typeface="Menlo" charset="0"/>
+              </a:rPr>
+              <a:t>self</a:t>
+            </a:r>
+            <a:r>
+              <a:rPr lang="en-US" sz="1400" dirty="0" err="1">
+                <a:latin typeface="Menlo" charset="0"/>
+                <a:ea typeface="Menlo" charset="0"/>
+                <a:cs typeface="Menlo" charset="0"/>
+              </a:rPr>
+              <a:t>.get_players</a:t>
+            </a:r>
+            <a:r>
+              <a:rPr lang="en-US" sz="1400" dirty="0">
+                <a:latin typeface="Menlo" charset="0"/>
+                <a:ea typeface="Menlo" charset="0"/>
+                <a:cs typeface="Menlo" charset="0"/>
+              </a:rPr>
+              <a:t>()]</a:t>
+            </a:r>
+            <a:br>
+              <a:rPr lang="en-US" sz="1400" dirty="0">
+                <a:latin typeface="Menlo" charset="0"/>
+                <a:ea typeface="Menlo" charset="0"/>
+                <a:cs typeface="Menlo" charset="0"/>
+              </a:rPr>
+            </a:br>
+            <a:r>
+              <a:rPr lang="en-US" sz="1400" dirty="0">
+                <a:latin typeface="Menlo" charset="0"/>
+                <a:ea typeface="Menlo" charset="0"/>
+                <a:cs typeface="Menlo" charset="0"/>
+              </a:rPr>
+              <a:t>        </a:t>
+            </a:r>
+            <a:r>
+              <a:rPr lang="en-US" sz="1400" dirty="0" err="1">
+                <a:solidFill>
+                  <a:srgbClr val="94558D"/>
+                </a:solidFill>
+                <a:latin typeface="Menlo" charset="0"/>
+                <a:ea typeface="Menlo" charset="0"/>
+                <a:cs typeface="Menlo" charset="0"/>
+              </a:rPr>
+              <a:t>self</a:t>
+            </a:r>
+            <a:r>
+              <a:rPr lang="en-US" sz="1400" dirty="0" err="1">
+                <a:latin typeface="Menlo" charset="0"/>
+                <a:ea typeface="Menlo" charset="0"/>
+                <a:cs typeface="Menlo" charset="0"/>
+              </a:rPr>
+              <a:t>.total_contribution</a:t>
+            </a:r>
+            <a:r>
+              <a:rPr lang="en-US" sz="1400" dirty="0">
+                <a:latin typeface="Menlo" charset="0"/>
+                <a:ea typeface="Menlo" charset="0"/>
+                <a:cs typeface="Menlo" charset="0"/>
+              </a:rPr>
+              <a:t> = </a:t>
+            </a:r>
+            <a:r>
+              <a:rPr lang="en-US" sz="1400" dirty="0">
+                <a:solidFill>
+                  <a:srgbClr val="8888C6"/>
+                </a:solidFill>
+                <a:latin typeface="Menlo" charset="0"/>
+                <a:ea typeface="Menlo" charset="0"/>
+                <a:cs typeface="Menlo" charset="0"/>
+              </a:rPr>
+              <a:t>sum</a:t>
+            </a:r>
+            <a:r>
+              <a:rPr lang="en-US" sz="1400" dirty="0">
+                <a:latin typeface="Menlo" charset="0"/>
+                <a:ea typeface="Menlo" charset="0"/>
+                <a:cs typeface="Menlo" charset="0"/>
+              </a:rPr>
+              <a:t>(</a:t>
+            </a:r>
+            <a:r>
+              <a:rPr lang="en-US" sz="1400" dirty="0" err="1">
+                <a:latin typeface="Menlo" charset="0"/>
+                <a:ea typeface="Menlo" charset="0"/>
+                <a:cs typeface="Menlo" charset="0"/>
+              </a:rPr>
+              <a:t>contribs</a:t>
+            </a:r>
+            <a:r>
+              <a:rPr lang="en-US" sz="1400" dirty="0">
+                <a:latin typeface="Menlo" charset="0"/>
+                <a:ea typeface="Menlo" charset="0"/>
+                <a:cs typeface="Menlo" charset="0"/>
+              </a:rPr>
               <a:t>)</a:t>
             </a:r>
-          </a:p>
-          <a:p>
-            <a:r>
-              <a:rPr lang="en-US" dirty="0" smtClean="0"/>
-              <a:t>Number of periods (</a:t>
-            </a:r>
-            <a:r>
-              <a:rPr lang="en-US" dirty="0" err="1" smtClean="0">
-                <a:latin typeface="Menlo" charset="0"/>
-                <a:ea typeface="Menlo" charset="0"/>
-                <a:cs typeface="Menlo" charset="0"/>
-              </a:rPr>
-              <a:t>num_rounds</a:t>
-            </a:r>
-            <a:r>
-              <a:rPr lang="en-US" dirty="0" smtClean="0"/>
-              <a:t>)</a:t>
-            </a:r>
-          </a:p>
-          <a:p>
-            <a:r>
-              <a:rPr lang="en-US" dirty="0" smtClean="0"/>
-              <a:t>Initial endowment (homogenous/</a:t>
-            </a:r>
-            <a:r>
-              <a:rPr lang="en-US" dirty="0" err="1" smtClean="0"/>
-              <a:t>heterogenous</a:t>
-            </a:r>
-            <a:r>
-              <a:rPr lang="en-US" dirty="0" smtClean="0"/>
-              <a:t>)</a:t>
-            </a:r>
-          </a:p>
-          <a:p>
-            <a:r>
-              <a:rPr lang="en-US" dirty="0" smtClean="0"/>
-              <a:t>Punishment stage: NO</a:t>
-            </a:r>
-          </a:p>
-          <a:p>
-            <a:r>
-              <a:rPr lang="en-US" dirty="0" smtClean="0"/>
-              <a:t>Group composition (stranger matching/partner matching)</a:t>
-            </a:r>
-          </a:p>
-          <a:p>
-            <a:endParaRPr lang="en-US" dirty="0" smtClean="0"/>
+            <a:br>
+              <a:rPr lang="en-US" sz="1400" dirty="0">
+                <a:latin typeface="Menlo" charset="0"/>
+                <a:ea typeface="Menlo" charset="0"/>
+                <a:cs typeface="Menlo" charset="0"/>
+              </a:rPr>
+            </a:br>
+            <a:r>
+              <a:rPr lang="en-US" sz="1400" dirty="0">
+                <a:latin typeface="Menlo" charset="0"/>
+                <a:ea typeface="Menlo" charset="0"/>
+                <a:cs typeface="Menlo" charset="0"/>
+              </a:rPr>
+              <a:t>        </a:t>
+            </a:r>
+            <a:r>
+              <a:rPr lang="en-US" sz="1400" dirty="0" err="1">
+                <a:solidFill>
+                  <a:srgbClr val="94558D"/>
+                </a:solidFill>
+                <a:latin typeface="Menlo" charset="0"/>
+                <a:ea typeface="Menlo" charset="0"/>
+                <a:cs typeface="Menlo" charset="0"/>
+              </a:rPr>
+              <a:t>self</a:t>
+            </a:r>
+            <a:r>
+              <a:rPr lang="en-US" sz="1400" dirty="0" err="1">
+                <a:latin typeface="Menlo" charset="0"/>
+                <a:ea typeface="Menlo" charset="0"/>
+                <a:cs typeface="Menlo" charset="0"/>
+              </a:rPr>
+              <a:t>.individual_share</a:t>
+            </a:r>
+            <a:r>
+              <a:rPr lang="en-US" sz="1400" dirty="0">
+                <a:latin typeface="Menlo" charset="0"/>
+                <a:ea typeface="Menlo" charset="0"/>
+                <a:cs typeface="Menlo" charset="0"/>
+              </a:rPr>
+              <a:t> = </a:t>
+            </a:r>
+            <a:r>
+              <a:rPr lang="en-US" sz="1400" dirty="0" err="1">
+                <a:solidFill>
+                  <a:srgbClr val="94558D"/>
+                </a:solidFill>
+                <a:latin typeface="Menlo" charset="0"/>
+                <a:ea typeface="Menlo" charset="0"/>
+                <a:cs typeface="Menlo" charset="0"/>
+              </a:rPr>
+              <a:t>self</a:t>
+            </a:r>
+            <a:r>
+              <a:rPr lang="en-US" sz="1400" dirty="0" err="1">
+                <a:latin typeface="Menlo" charset="0"/>
+                <a:ea typeface="Menlo" charset="0"/>
+                <a:cs typeface="Menlo" charset="0"/>
+              </a:rPr>
+              <a:t>.total_contribution</a:t>
+            </a:r>
+            <a:r>
+              <a:rPr lang="en-US" sz="1400" dirty="0">
+                <a:latin typeface="Menlo" charset="0"/>
+                <a:ea typeface="Menlo" charset="0"/>
+                <a:cs typeface="Menlo" charset="0"/>
+              </a:rPr>
+              <a:t> * </a:t>
+            </a:r>
+            <a:r>
+              <a:rPr lang="en-US" sz="1400" dirty="0" err="1">
+                <a:latin typeface="Menlo" charset="0"/>
+                <a:ea typeface="Menlo" charset="0"/>
+                <a:cs typeface="Menlo" charset="0"/>
+              </a:rPr>
+              <a:t>Constants.coef</a:t>
+            </a:r>
+            <a:r>
+              <a:rPr lang="en-US" sz="1400" dirty="0">
+                <a:latin typeface="Menlo" charset="0"/>
+                <a:ea typeface="Menlo" charset="0"/>
+                <a:cs typeface="Menlo" charset="0"/>
+              </a:rPr>
+              <a:t> / </a:t>
+            </a:r>
+            <a:r>
+              <a:rPr lang="en-US" sz="1400" dirty="0" err="1">
+                <a:latin typeface="Menlo" charset="0"/>
+                <a:ea typeface="Menlo" charset="0"/>
+                <a:cs typeface="Menlo" charset="0"/>
+              </a:rPr>
+              <a:t>Constants.players_per_group</a:t>
+            </a:r>
+            <a:r>
+              <a:rPr lang="en-US" sz="1400" dirty="0">
+                <a:latin typeface="Menlo" charset="0"/>
+                <a:ea typeface="Menlo" charset="0"/>
+                <a:cs typeface="Menlo" charset="0"/>
+              </a:rPr>
+              <a:t/>
+            </a:r>
+            <a:br>
+              <a:rPr lang="en-US" sz="1400" dirty="0">
+                <a:latin typeface="Menlo" charset="0"/>
+                <a:ea typeface="Menlo" charset="0"/>
+                <a:cs typeface="Menlo" charset="0"/>
+              </a:rPr>
+            </a:br>
+            <a:r>
+              <a:rPr lang="en-US" sz="1400" dirty="0">
+                <a:latin typeface="Menlo" charset="0"/>
+                <a:ea typeface="Menlo" charset="0"/>
+                <a:cs typeface="Menlo" charset="0"/>
+              </a:rPr>
+              <a:t>        </a:t>
+            </a:r>
+            <a:r>
+              <a:rPr lang="en-US" sz="1400" dirty="0">
+                <a:solidFill>
+                  <a:srgbClr val="CC7832"/>
+                </a:solidFill>
+                <a:latin typeface="Menlo" charset="0"/>
+                <a:ea typeface="Menlo" charset="0"/>
+                <a:cs typeface="Menlo" charset="0"/>
+              </a:rPr>
+              <a:t>for </a:t>
+            </a:r>
+            <a:r>
+              <a:rPr lang="en-US" sz="1400" dirty="0">
+                <a:latin typeface="Menlo" charset="0"/>
+                <a:ea typeface="Menlo" charset="0"/>
+                <a:cs typeface="Menlo" charset="0"/>
+              </a:rPr>
+              <a:t>p </a:t>
+            </a:r>
+            <a:r>
+              <a:rPr lang="en-US" sz="1400" dirty="0">
+                <a:solidFill>
+                  <a:srgbClr val="CC7832"/>
+                </a:solidFill>
+                <a:latin typeface="Menlo" charset="0"/>
+                <a:ea typeface="Menlo" charset="0"/>
+                <a:cs typeface="Menlo" charset="0"/>
+              </a:rPr>
+              <a:t>in </a:t>
+            </a:r>
+            <a:r>
+              <a:rPr lang="en-US" sz="1400" dirty="0" err="1">
+                <a:solidFill>
+                  <a:srgbClr val="94558D"/>
+                </a:solidFill>
+                <a:latin typeface="Menlo" charset="0"/>
+                <a:ea typeface="Menlo" charset="0"/>
+                <a:cs typeface="Menlo" charset="0"/>
+              </a:rPr>
+              <a:t>self</a:t>
+            </a:r>
+            <a:r>
+              <a:rPr lang="en-US" sz="1400" dirty="0" err="1">
+                <a:latin typeface="Menlo" charset="0"/>
+                <a:ea typeface="Menlo" charset="0"/>
+                <a:cs typeface="Menlo" charset="0"/>
+              </a:rPr>
+              <a:t>.get_players</a:t>
+            </a:r>
+            <a:r>
+              <a:rPr lang="en-US" sz="1400" dirty="0">
+                <a:latin typeface="Menlo" charset="0"/>
+                <a:ea typeface="Menlo" charset="0"/>
+                <a:cs typeface="Menlo" charset="0"/>
+              </a:rPr>
+              <a:t>():</a:t>
+            </a:r>
+            <a:br>
+              <a:rPr lang="en-US" sz="1400" dirty="0">
+                <a:latin typeface="Menlo" charset="0"/>
+                <a:ea typeface="Menlo" charset="0"/>
+                <a:cs typeface="Menlo" charset="0"/>
+              </a:rPr>
+            </a:br>
+            <a:r>
+              <a:rPr lang="en-US" sz="1400" dirty="0">
+                <a:latin typeface="Menlo" charset="0"/>
+                <a:ea typeface="Menlo" charset="0"/>
+                <a:cs typeface="Menlo" charset="0"/>
+              </a:rPr>
+              <a:t>            </a:t>
+            </a:r>
+            <a:r>
+              <a:rPr lang="en-US" sz="1400" dirty="0" err="1">
+                <a:latin typeface="Menlo" charset="0"/>
+                <a:ea typeface="Menlo" charset="0"/>
+                <a:cs typeface="Menlo" charset="0"/>
+              </a:rPr>
+              <a:t>p.payoff</a:t>
+            </a:r>
+            <a:r>
+              <a:rPr lang="en-US" sz="1400" dirty="0">
+                <a:latin typeface="Menlo" charset="0"/>
+                <a:ea typeface="Menlo" charset="0"/>
+                <a:cs typeface="Menlo" charset="0"/>
+              </a:rPr>
+              <a:t> = </a:t>
+            </a:r>
+            <a:r>
+              <a:rPr lang="en-US" sz="1400" dirty="0" err="1">
+                <a:latin typeface="Menlo" charset="0"/>
+                <a:ea typeface="Menlo" charset="0"/>
+                <a:cs typeface="Menlo" charset="0"/>
+              </a:rPr>
+              <a:t>p.endowment</a:t>
+            </a:r>
+            <a:r>
+              <a:rPr lang="en-US" sz="1400" dirty="0">
+                <a:latin typeface="Menlo" charset="0"/>
+                <a:ea typeface="Menlo" charset="0"/>
+                <a:cs typeface="Menlo" charset="0"/>
+              </a:rPr>
+              <a:t> - </a:t>
+            </a:r>
+            <a:r>
+              <a:rPr lang="en-US" sz="1400" dirty="0" err="1">
+                <a:latin typeface="Menlo" charset="0"/>
+                <a:ea typeface="Menlo" charset="0"/>
+                <a:cs typeface="Menlo" charset="0"/>
+              </a:rPr>
+              <a:t>p.contribution</a:t>
+            </a:r>
+            <a:r>
+              <a:rPr lang="en-US" sz="1400" dirty="0">
+                <a:latin typeface="Menlo" charset="0"/>
+                <a:ea typeface="Menlo" charset="0"/>
+                <a:cs typeface="Menlo" charset="0"/>
+              </a:rPr>
+              <a:t> + </a:t>
+            </a:r>
+            <a:r>
+              <a:rPr lang="en-US" sz="1400" dirty="0" err="1">
+                <a:solidFill>
+                  <a:srgbClr val="94558D"/>
+                </a:solidFill>
+                <a:latin typeface="Menlo" charset="0"/>
+                <a:ea typeface="Menlo" charset="0"/>
+                <a:cs typeface="Menlo" charset="0"/>
+              </a:rPr>
+              <a:t>self</a:t>
+            </a:r>
+            <a:r>
+              <a:rPr lang="en-US" sz="1400" dirty="0" err="1">
+                <a:latin typeface="Menlo" charset="0"/>
+                <a:ea typeface="Menlo" charset="0"/>
+                <a:cs typeface="Menlo" charset="0"/>
+              </a:rPr>
+              <a:t>.individual_share</a:t>
+            </a:r>
+            <a:endParaRPr lang="en-US" sz="1400" dirty="0">
+              <a:latin typeface="Menlo" charset="0"/>
+              <a:ea typeface="Menlo" charset="0"/>
+              <a:cs typeface="Menlo" charset="0"/>
+            </a:endParaRPr>
           </a:p>
         </p:txBody>
       </p:sp>
     </p:spTree>
     <p:extLst>
       <p:ext uri="{BB962C8B-B14F-4D97-AF65-F5344CB8AC3E}">
-        <p14:creationId xmlns:p14="http://schemas.microsoft.com/office/powerpoint/2010/main" val="1127860534"/>
+        <p14:creationId xmlns:p14="http://schemas.microsoft.com/office/powerpoint/2010/main" val="573758522"/>
+      </p:ext>
+    </p:extLst>
+  </p:cSld>
+  <p:clrMapOvr>
+    <a:masterClrMapping/>
+  </p:clrMapOvr>
+  <p:timing>
+    <p:tnLst>
+      <p:par>
+        <p:cTn id="1" dur="indefinite" restart="never" nodeType="tmRoot"/>
+      </p:par>
+    </p:tnLst>
+  </p:timing>
+</p:sld>
+</file>
+
+<file path=ppt/slides/slide7.xml><?xml version="1.0" encoding="utf-8"?>
+<p:sld xmlns:a="http://schemas.openxmlformats.org/drawingml/2006/main" xmlns:r="http://schemas.openxmlformats.org/officeDocument/2006/relationships" xmlns:p="http://schemas.openxmlformats.org/presentationml/2006/main">
+  <p:cSld>
+    <p:spTree>
+      <p:nvGrpSpPr>
+        <p:cNvPr id="1" name=""/>
+        <p:cNvGrpSpPr/>
+        <p:nvPr/>
+      </p:nvGrpSpPr>
+      <p:grpSpPr>
+        <a:xfrm>
+          <a:off x="0" y="0"/>
+          <a:ext cx="0" cy="0"/>
+          <a:chOff x="0" y="0"/>
+          <a:chExt cx="0" cy="0"/>
+        </a:xfrm>
+      </p:grpSpPr>
+      <p:sp>
+        <p:nvSpPr>
+          <p:cNvPr id="2" name="Title 1"/>
+          <p:cNvSpPr>
+            <a:spLocks noGrp="1"/>
+          </p:cNvSpPr>
+          <p:nvPr>
+            <p:ph type="title"/>
+          </p:nvPr>
+        </p:nvSpPr>
+        <p:spPr/>
+        <p:txBody>
+          <a:bodyPr/>
+          <a:lstStyle/>
+          <a:p>
+            <a:r>
+              <a:rPr lang="en-US" dirty="0" smtClean="0"/>
+              <a:t>Templates</a:t>
+            </a:r>
+            <a:endParaRPr lang="en-US" dirty="0"/>
+          </a:p>
+        </p:txBody>
+      </p:sp>
+      <p:sp>
+        <p:nvSpPr>
+          <p:cNvPr id="5" name="Rectangle 4"/>
+          <p:cNvSpPr/>
+          <p:nvPr/>
+        </p:nvSpPr>
+        <p:spPr>
+          <a:xfrm>
+            <a:off x="2026024" y="2392286"/>
+            <a:ext cx="10165976" cy="4247317"/>
+          </a:xfrm>
+          <a:prstGeom prst="rect">
+            <a:avLst/>
+          </a:prstGeom>
+        </p:spPr>
+        <p:txBody>
+          <a:bodyPr wrap="square">
+            <a:spAutoFit/>
+          </a:bodyPr>
+          <a:lstStyle/>
+          <a:p>
+            <a:pPr marL="342900" indent="-342900">
+              <a:buFont typeface="+mj-lt"/>
+              <a:buAutoNum type="arabicPeriod"/>
+            </a:pPr>
+            <a:r>
+              <a:rPr lang="en-US" dirty="0" smtClean="0">
+                <a:latin typeface="Menlo" charset="0"/>
+                <a:ea typeface="Menlo" charset="0"/>
+                <a:cs typeface="Menlo" charset="0"/>
+              </a:rPr>
+              <a:t>{% </a:t>
+            </a:r>
+            <a:r>
+              <a:rPr lang="en-US" dirty="0" smtClean="0">
+                <a:solidFill>
+                  <a:srgbClr val="E8BF6A"/>
+                </a:solidFill>
+                <a:latin typeface="Menlo" charset="0"/>
+                <a:ea typeface="Menlo" charset="0"/>
+                <a:cs typeface="Menlo" charset="0"/>
+              </a:rPr>
+              <a:t>if </a:t>
+            </a:r>
+            <a:r>
+              <a:rPr lang="en-US" dirty="0" smtClean="0">
+                <a:solidFill>
+                  <a:srgbClr val="BABABA"/>
+                </a:solidFill>
+                <a:latin typeface="Menlo" charset="0"/>
+                <a:ea typeface="Menlo" charset="0"/>
+                <a:cs typeface="Menlo" charset="0"/>
+              </a:rPr>
+              <a:t>a </a:t>
+            </a:r>
+            <a:r>
+              <a:rPr lang="en-US" dirty="0" smtClean="0">
+                <a:latin typeface="Menlo" charset="0"/>
+                <a:ea typeface="Menlo" charset="0"/>
+                <a:cs typeface="Menlo" charset="0"/>
+              </a:rPr>
+              <a:t>== </a:t>
+            </a:r>
+            <a:r>
+              <a:rPr lang="en-US" dirty="0" smtClean="0">
+                <a:solidFill>
+                  <a:srgbClr val="6897BB"/>
+                </a:solidFill>
+                <a:latin typeface="Menlo" charset="0"/>
+                <a:ea typeface="Menlo" charset="0"/>
+                <a:cs typeface="Menlo" charset="0"/>
+              </a:rPr>
+              <a:t>1 </a:t>
+            </a:r>
+            <a:r>
+              <a:rPr lang="en-US" dirty="0" smtClean="0">
+                <a:latin typeface="Menlo" charset="0"/>
+                <a:ea typeface="Menlo" charset="0"/>
+                <a:cs typeface="Menlo" charset="0"/>
+              </a:rPr>
+              <a:t>%}</a:t>
+            </a:r>
+            <a:br>
+              <a:rPr lang="en-US" dirty="0" smtClean="0">
+                <a:latin typeface="Menlo" charset="0"/>
+                <a:ea typeface="Menlo" charset="0"/>
+                <a:cs typeface="Menlo" charset="0"/>
+              </a:rPr>
+            </a:br>
+            <a:r>
+              <a:rPr lang="en-US" dirty="0" smtClean="0">
+                <a:latin typeface="Menlo" charset="0"/>
+                <a:ea typeface="Menlo" charset="0"/>
+                <a:cs typeface="Menlo" charset="0"/>
+              </a:rPr>
+              <a:t>{% </a:t>
+            </a:r>
+            <a:r>
+              <a:rPr lang="en-US" dirty="0" smtClean="0">
+                <a:solidFill>
+                  <a:srgbClr val="E8BF6A"/>
+                </a:solidFill>
+                <a:latin typeface="Menlo" charset="0"/>
+                <a:ea typeface="Menlo" charset="0"/>
+                <a:cs typeface="Menlo" charset="0"/>
+              </a:rPr>
+              <a:t>else </a:t>
+            </a:r>
+            <a:r>
+              <a:rPr lang="en-US" dirty="0" smtClean="0">
+                <a:latin typeface="Menlo" charset="0"/>
+                <a:ea typeface="Menlo" charset="0"/>
+                <a:cs typeface="Menlo" charset="0"/>
+              </a:rPr>
+              <a:t>%}</a:t>
+            </a:r>
+            <a:br>
+              <a:rPr lang="en-US" dirty="0" smtClean="0">
+                <a:latin typeface="Menlo" charset="0"/>
+                <a:ea typeface="Menlo" charset="0"/>
+                <a:cs typeface="Menlo" charset="0"/>
+              </a:rPr>
+            </a:br>
+            <a:r>
+              <a:rPr lang="en-US" dirty="0" smtClean="0">
+                <a:latin typeface="Menlo" charset="0"/>
+                <a:ea typeface="Menlo" charset="0"/>
+                <a:cs typeface="Menlo" charset="0"/>
+              </a:rPr>
+              <a:t>{% </a:t>
+            </a:r>
+            <a:r>
+              <a:rPr lang="en-US" dirty="0" err="1" smtClean="0">
+                <a:solidFill>
+                  <a:srgbClr val="E8BF6A"/>
+                </a:solidFill>
+                <a:latin typeface="Menlo" charset="0"/>
+                <a:ea typeface="Menlo" charset="0"/>
+                <a:cs typeface="Menlo" charset="0"/>
+              </a:rPr>
+              <a:t>endif</a:t>
+            </a:r>
+            <a:r>
+              <a:rPr lang="en-US" dirty="0" smtClean="0">
+                <a:solidFill>
+                  <a:srgbClr val="E8BF6A"/>
+                </a:solidFill>
+                <a:latin typeface="Menlo" charset="0"/>
+                <a:ea typeface="Menlo" charset="0"/>
+                <a:cs typeface="Menlo" charset="0"/>
+              </a:rPr>
+              <a:t> </a:t>
+            </a:r>
+            <a:r>
+              <a:rPr lang="en-US" dirty="0" smtClean="0">
+                <a:latin typeface="Menlo" charset="0"/>
+                <a:ea typeface="Menlo" charset="0"/>
+                <a:cs typeface="Menlo" charset="0"/>
+              </a:rPr>
+              <a:t>%}</a:t>
+            </a:r>
+          </a:p>
+          <a:p>
+            <a:pPr marL="342900" indent="-342900">
+              <a:buFont typeface="+mj-lt"/>
+              <a:buAutoNum type="arabicPeriod"/>
+            </a:pPr>
+            <a:r>
+              <a:rPr lang="en-US" dirty="0" smtClean="0">
+                <a:latin typeface="Menlo" charset="0"/>
+                <a:ea typeface="Menlo" charset="0"/>
+                <a:cs typeface="Menlo" charset="0"/>
+              </a:rPr>
+              <a:t>{% </a:t>
+            </a:r>
+            <a:r>
+              <a:rPr lang="en-US" dirty="0" smtClean="0">
+                <a:solidFill>
+                  <a:srgbClr val="E8BF6A"/>
+                </a:solidFill>
+                <a:latin typeface="Menlo" charset="0"/>
+                <a:ea typeface="Menlo" charset="0"/>
+                <a:cs typeface="Menlo" charset="0"/>
+              </a:rPr>
+              <a:t>for </a:t>
+            </a:r>
+            <a:r>
+              <a:rPr lang="en-US" dirty="0" smtClean="0">
+                <a:solidFill>
+                  <a:srgbClr val="BABABA"/>
+                </a:solidFill>
+                <a:latin typeface="Menlo" charset="0"/>
+                <a:ea typeface="Menlo" charset="0"/>
+                <a:cs typeface="Menlo" charset="0"/>
+              </a:rPr>
+              <a:t>p </a:t>
+            </a:r>
+            <a:r>
+              <a:rPr lang="en-US" dirty="0" smtClean="0">
+                <a:solidFill>
+                  <a:srgbClr val="CC7832"/>
+                </a:solidFill>
+                <a:latin typeface="Menlo" charset="0"/>
+                <a:ea typeface="Menlo" charset="0"/>
+                <a:cs typeface="Menlo" charset="0"/>
+              </a:rPr>
+              <a:t>in </a:t>
+            </a:r>
+            <a:r>
+              <a:rPr lang="en-US" dirty="0" err="1" smtClean="0">
+                <a:solidFill>
+                  <a:srgbClr val="BABABA"/>
+                </a:solidFill>
+                <a:latin typeface="Menlo" charset="0"/>
+                <a:ea typeface="Menlo" charset="0"/>
+                <a:cs typeface="Menlo" charset="0"/>
+              </a:rPr>
+              <a:t>player</a:t>
+            </a:r>
+            <a:r>
+              <a:rPr lang="en-US" dirty="0" err="1" smtClean="0">
+                <a:latin typeface="Menlo" charset="0"/>
+                <a:ea typeface="Menlo" charset="0"/>
+                <a:cs typeface="Menlo" charset="0"/>
+              </a:rPr>
+              <a:t>.</a:t>
+            </a:r>
+            <a:r>
+              <a:rPr lang="en-US" dirty="0" err="1" smtClean="0">
+                <a:solidFill>
+                  <a:srgbClr val="BABABA"/>
+                </a:solidFill>
+                <a:latin typeface="Menlo" charset="0"/>
+                <a:ea typeface="Menlo" charset="0"/>
+                <a:cs typeface="Menlo" charset="0"/>
+              </a:rPr>
+              <a:t>in_all_rounds</a:t>
+            </a:r>
+            <a:r>
+              <a:rPr lang="en-US" dirty="0" smtClean="0">
+                <a:solidFill>
+                  <a:srgbClr val="BABABA"/>
+                </a:solidFill>
+                <a:latin typeface="Menlo" charset="0"/>
+                <a:ea typeface="Menlo" charset="0"/>
+                <a:cs typeface="Menlo" charset="0"/>
+              </a:rPr>
+              <a:t> </a:t>
+            </a:r>
+            <a:r>
+              <a:rPr lang="en-US" dirty="0" smtClean="0">
+                <a:latin typeface="Menlo" charset="0"/>
+                <a:ea typeface="Menlo" charset="0"/>
+                <a:cs typeface="Menlo" charset="0"/>
+              </a:rPr>
+              <a:t>%}</a:t>
+            </a:r>
+            <a:br>
+              <a:rPr lang="en-US" dirty="0" smtClean="0">
+                <a:latin typeface="Menlo" charset="0"/>
+                <a:ea typeface="Menlo" charset="0"/>
+                <a:cs typeface="Menlo" charset="0"/>
+              </a:rPr>
+            </a:br>
+            <a:r>
+              <a:rPr lang="en-US" dirty="0" smtClean="0">
+                <a:latin typeface="Menlo" charset="0"/>
+                <a:ea typeface="Menlo" charset="0"/>
+                <a:cs typeface="Menlo" charset="0"/>
+              </a:rPr>
+              <a:t>    {{ </a:t>
+            </a:r>
+            <a:r>
+              <a:rPr lang="en-US" dirty="0" err="1" smtClean="0">
+                <a:solidFill>
+                  <a:srgbClr val="BABABA"/>
+                </a:solidFill>
+                <a:latin typeface="Menlo" charset="0"/>
+                <a:ea typeface="Menlo" charset="0"/>
+                <a:cs typeface="Menlo" charset="0"/>
+              </a:rPr>
+              <a:t>p</a:t>
+            </a:r>
+            <a:r>
+              <a:rPr lang="en-US" dirty="0" err="1" smtClean="0">
+                <a:latin typeface="Menlo" charset="0"/>
+                <a:ea typeface="Menlo" charset="0"/>
+                <a:cs typeface="Menlo" charset="0"/>
+              </a:rPr>
+              <a:t>.</a:t>
+            </a:r>
+            <a:r>
+              <a:rPr lang="en-US" dirty="0" err="1" smtClean="0">
+                <a:solidFill>
+                  <a:srgbClr val="BABABA"/>
+                </a:solidFill>
+                <a:latin typeface="Menlo" charset="0"/>
+                <a:ea typeface="Menlo" charset="0"/>
+                <a:cs typeface="Menlo" charset="0"/>
+              </a:rPr>
+              <a:t>contribution</a:t>
+            </a:r>
+            <a:r>
+              <a:rPr lang="en-US" dirty="0" smtClean="0">
+                <a:solidFill>
+                  <a:srgbClr val="BABABA"/>
+                </a:solidFill>
+                <a:latin typeface="Menlo" charset="0"/>
+                <a:ea typeface="Menlo" charset="0"/>
+                <a:cs typeface="Menlo" charset="0"/>
+              </a:rPr>
+              <a:t> </a:t>
+            </a:r>
+            <a:r>
+              <a:rPr lang="en-US" dirty="0" smtClean="0">
+                <a:latin typeface="Menlo" charset="0"/>
+                <a:ea typeface="Menlo" charset="0"/>
+                <a:cs typeface="Menlo" charset="0"/>
+              </a:rPr>
+              <a:t>}}</a:t>
+            </a:r>
+            <a:br>
+              <a:rPr lang="en-US" dirty="0" smtClean="0">
+                <a:latin typeface="Menlo" charset="0"/>
+                <a:ea typeface="Menlo" charset="0"/>
+                <a:cs typeface="Menlo" charset="0"/>
+              </a:rPr>
+            </a:br>
+            <a:r>
+              <a:rPr lang="en-US" dirty="0" smtClean="0">
+                <a:latin typeface="Menlo" charset="0"/>
+                <a:ea typeface="Menlo" charset="0"/>
+                <a:cs typeface="Menlo" charset="0"/>
+              </a:rPr>
+              <a:t>{% </a:t>
+            </a:r>
+            <a:r>
+              <a:rPr lang="en-US" dirty="0" err="1" smtClean="0">
+                <a:solidFill>
+                  <a:srgbClr val="E8BF6A"/>
+                </a:solidFill>
+                <a:latin typeface="Menlo" charset="0"/>
+                <a:ea typeface="Menlo" charset="0"/>
+                <a:cs typeface="Menlo" charset="0"/>
+              </a:rPr>
+              <a:t>endfor</a:t>
+            </a:r>
+            <a:r>
+              <a:rPr lang="en-US" dirty="0" smtClean="0">
+                <a:solidFill>
+                  <a:srgbClr val="E8BF6A"/>
+                </a:solidFill>
+                <a:latin typeface="Menlo" charset="0"/>
+                <a:ea typeface="Menlo" charset="0"/>
+                <a:cs typeface="Menlo" charset="0"/>
+              </a:rPr>
+              <a:t> </a:t>
+            </a:r>
+            <a:r>
+              <a:rPr lang="en-US" dirty="0" smtClean="0">
+                <a:latin typeface="Menlo" charset="0"/>
+                <a:ea typeface="Menlo" charset="0"/>
+                <a:cs typeface="Menlo" charset="0"/>
+              </a:rPr>
+              <a:t>%}</a:t>
+            </a:r>
+          </a:p>
+          <a:p>
+            <a:pPr marL="342900" indent="-342900">
+              <a:buFont typeface="+mj-lt"/>
+              <a:buAutoNum type="arabicPeriod"/>
+            </a:pPr>
+            <a:r>
+              <a:rPr lang="en-US" dirty="0" smtClean="0">
+                <a:latin typeface="Menlo" charset="0"/>
+                <a:ea typeface="Menlo" charset="0"/>
+                <a:cs typeface="Menlo" charset="0"/>
+              </a:rPr>
+              <a:t>{% </a:t>
+            </a:r>
+            <a:r>
+              <a:rPr lang="en-US" dirty="0" smtClean="0">
+                <a:solidFill>
+                  <a:srgbClr val="E8BF6A"/>
+                </a:solidFill>
+                <a:latin typeface="Menlo" charset="0"/>
+                <a:ea typeface="Menlo" charset="0"/>
+                <a:cs typeface="Menlo" charset="0"/>
+              </a:rPr>
+              <a:t>include </a:t>
+            </a:r>
+            <a:r>
+              <a:rPr lang="en-US" dirty="0" smtClean="0">
+                <a:solidFill>
+                  <a:srgbClr val="6A8759"/>
+                </a:solidFill>
+                <a:latin typeface="Menlo" charset="0"/>
+                <a:ea typeface="Menlo" charset="0"/>
+                <a:cs typeface="Menlo" charset="0"/>
+              </a:rPr>
+              <a:t>'</a:t>
+            </a:r>
+            <a:r>
+              <a:rPr lang="en-US" dirty="0" err="1" smtClean="0">
+                <a:solidFill>
+                  <a:srgbClr val="6A8759"/>
+                </a:solidFill>
+                <a:latin typeface="Menlo" charset="0"/>
+                <a:ea typeface="Menlo" charset="0"/>
+                <a:cs typeface="Menlo" charset="0"/>
+              </a:rPr>
+              <a:t>pgg</a:t>
+            </a:r>
+            <a:r>
+              <a:rPr lang="en-US" dirty="0" smtClean="0">
+                <a:solidFill>
+                  <a:srgbClr val="6A8759"/>
+                </a:solidFill>
+                <a:latin typeface="Menlo" charset="0"/>
+                <a:ea typeface="Menlo" charset="0"/>
+                <a:cs typeface="Menlo" charset="0"/>
+              </a:rPr>
+              <a:t>/includes/</a:t>
+            </a:r>
+            <a:r>
+              <a:rPr lang="en-US" dirty="0" err="1" smtClean="0">
+                <a:solidFill>
+                  <a:srgbClr val="6A8759"/>
+                </a:solidFill>
+                <a:latin typeface="Menlo" charset="0"/>
+                <a:ea typeface="Menlo" charset="0"/>
+                <a:cs typeface="Menlo" charset="0"/>
+              </a:rPr>
+              <a:t>instructions.html</a:t>
+            </a:r>
+            <a:r>
+              <a:rPr lang="en-US" dirty="0" smtClean="0">
+                <a:solidFill>
+                  <a:srgbClr val="6A8759"/>
+                </a:solidFill>
+                <a:latin typeface="Menlo" charset="0"/>
+                <a:ea typeface="Menlo" charset="0"/>
+                <a:cs typeface="Menlo" charset="0"/>
+              </a:rPr>
+              <a:t>' </a:t>
+            </a:r>
+            <a:r>
+              <a:rPr lang="en-US" dirty="0" smtClean="0">
+                <a:latin typeface="Menlo" charset="0"/>
+                <a:ea typeface="Menlo" charset="0"/>
+                <a:cs typeface="Menlo" charset="0"/>
+              </a:rPr>
+              <a:t>%}</a:t>
+            </a:r>
+          </a:p>
+          <a:p>
+            <a:pPr marL="342900" indent="-342900">
+              <a:buFont typeface="+mj-lt"/>
+              <a:buAutoNum type="arabicPeriod"/>
+            </a:pPr>
+            <a:r>
+              <a:rPr lang="en-US" dirty="0" smtClean="0">
+                <a:latin typeface="Menlo" charset="0"/>
+                <a:ea typeface="Menlo" charset="0"/>
+                <a:cs typeface="Menlo" charset="0"/>
+              </a:rPr>
+              <a:t>{% </a:t>
+            </a:r>
+            <a:r>
+              <a:rPr lang="en-US" dirty="0" err="1" smtClean="0">
+                <a:solidFill>
+                  <a:srgbClr val="E8BF6A"/>
+                </a:solidFill>
+                <a:latin typeface="Menlo" charset="0"/>
+                <a:ea typeface="Menlo" charset="0"/>
+                <a:cs typeface="Menlo" charset="0"/>
+              </a:rPr>
+              <a:t>formfield</a:t>
+            </a:r>
+            <a:r>
+              <a:rPr lang="en-US" dirty="0" smtClean="0">
+                <a:solidFill>
+                  <a:srgbClr val="E8BF6A"/>
+                </a:solidFill>
+                <a:latin typeface="Menlo" charset="0"/>
+                <a:ea typeface="Menlo" charset="0"/>
+                <a:cs typeface="Menlo" charset="0"/>
+              </a:rPr>
+              <a:t> </a:t>
+            </a:r>
+            <a:r>
+              <a:rPr lang="en-US" dirty="0" err="1" smtClean="0">
+                <a:solidFill>
+                  <a:srgbClr val="BABABA"/>
+                </a:solidFill>
+                <a:latin typeface="Menlo" charset="0"/>
+                <a:ea typeface="Menlo" charset="0"/>
+                <a:cs typeface="Menlo" charset="0"/>
+              </a:rPr>
+              <a:t>player</a:t>
+            </a:r>
+            <a:r>
+              <a:rPr lang="en-US" dirty="0" err="1" smtClean="0">
+                <a:latin typeface="Menlo" charset="0"/>
+                <a:ea typeface="Menlo" charset="0"/>
+                <a:cs typeface="Menlo" charset="0"/>
+              </a:rPr>
+              <a:t>.</a:t>
+            </a:r>
+            <a:r>
+              <a:rPr lang="en-US" dirty="0" err="1" smtClean="0">
+                <a:solidFill>
+                  <a:srgbClr val="BABABA"/>
+                </a:solidFill>
+                <a:latin typeface="Menlo" charset="0"/>
+                <a:ea typeface="Menlo" charset="0"/>
+                <a:cs typeface="Menlo" charset="0"/>
+              </a:rPr>
+              <a:t>contribution</a:t>
+            </a:r>
+            <a:r>
+              <a:rPr lang="en-US" dirty="0" smtClean="0">
+                <a:solidFill>
+                  <a:srgbClr val="BABABA"/>
+                </a:solidFill>
+                <a:latin typeface="Menlo" charset="0"/>
+                <a:ea typeface="Menlo" charset="0"/>
+                <a:cs typeface="Menlo" charset="0"/>
+              </a:rPr>
+              <a:t> label</a:t>
+            </a:r>
+            <a:r>
+              <a:rPr lang="en-US" dirty="0" smtClean="0">
+                <a:latin typeface="Menlo" charset="0"/>
+                <a:ea typeface="Menlo" charset="0"/>
+                <a:cs typeface="Menlo" charset="0"/>
+              </a:rPr>
+              <a:t>=</a:t>
+            </a:r>
+            <a:r>
+              <a:rPr lang="en-US" dirty="0" err="1" smtClean="0">
+                <a:solidFill>
+                  <a:srgbClr val="BABABA"/>
+                </a:solidFill>
+                <a:latin typeface="Menlo" charset="0"/>
+                <a:ea typeface="Menlo" charset="0"/>
+                <a:cs typeface="Menlo" charset="0"/>
+              </a:rPr>
+              <a:t>contribution_label</a:t>
+            </a:r>
+            <a:r>
+              <a:rPr lang="en-US" dirty="0" smtClean="0">
+                <a:solidFill>
+                  <a:srgbClr val="BABABA"/>
+                </a:solidFill>
+                <a:latin typeface="Menlo" charset="0"/>
+                <a:ea typeface="Menlo" charset="0"/>
+                <a:cs typeface="Menlo" charset="0"/>
+              </a:rPr>
+              <a:t> </a:t>
+            </a:r>
+            <a:r>
+              <a:rPr lang="en-US" dirty="0" smtClean="0">
+                <a:latin typeface="Menlo" charset="0"/>
+                <a:ea typeface="Menlo" charset="0"/>
+                <a:cs typeface="Menlo" charset="0"/>
+              </a:rPr>
+              <a:t>%}</a:t>
+            </a:r>
+          </a:p>
+          <a:p>
+            <a:pPr marL="342900" indent="-342900">
+              <a:buFont typeface="+mj-lt"/>
+              <a:buAutoNum type="arabicPeriod"/>
+            </a:pPr>
+            <a:r>
+              <a:rPr lang="en-US" dirty="0" smtClean="0">
+                <a:latin typeface="Menlo" charset="0"/>
+                <a:ea typeface="Menlo" charset="0"/>
+                <a:cs typeface="Menlo" charset="0"/>
+              </a:rPr>
+              <a:t>{{ </a:t>
+            </a:r>
+            <a:r>
+              <a:rPr lang="en-US" dirty="0" err="1" smtClean="0">
+                <a:solidFill>
+                  <a:srgbClr val="BABABA"/>
+                </a:solidFill>
+                <a:latin typeface="Menlo" charset="0"/>
+                <a:ea typeface="Menlo" charset="0"/>
+                <a:cs typeface="Menlo" charset="0"/>
+              </a:rPr>
+              <a:t>player</a:t>
+            </a:r>
+            <a:r>
+              <a:rPr lang="en-US" dirty="0" err="1" smtClean="0">
+                <a:latin typeface="Menlo" charset="0"/>
+                <a:ea typeface="Menlo" charset="0"/>
+                <a:cs typeface="Menlo" charset="0"/>
+              </a:rPr>
+              <a:t>.</a:t>
+            </a:r>
+            <a:r>
+              <a:rPr lang="en-US" dirty="0" err="1" smtClean="0">
+                <a:solidFill>
+                  <a:srgbClr val="BABABA"/>
+                </a:solidFill>
+                <a:latin typeface="Menlo" charset="0"/>
+                <a:ea typeface="Menlo" charset="0"/>
+                <a:cs typeface="Menlo" charset="0"/>
+              </a:rPr>
+              <a:t>get_role_desc</a:t>
+            </a:r>
+            <a:r>
+              <a:rPr lang="en-US" dirty="0" smtClean="0">
+                <a:solidFill>
+                  <a:srgbClr val="BABABA"/>
+                </a:solidFill>
+                <a:latin typeface="Menlo" charset="0"/>
+                <a:ea typeface="Menlo" charset="0"/>
+                <a:cs typeface="Menlo" charset="0"/>
+              </a:rPr>
+              <a:t> </a:t>
+            </a:r>
+            <a:r>
+              <a:rPr lang="en-US" dirty="0" smtClean="0">
+                <a:latin typeface="Menlo" charset="0"/>
+                <a:ea typeface="Menlo" charset="0"/>
+                <a:cs typeface="Menlo" charset="0"/>
+              </a:rPr>
+              <a:t>}}</a:t>
+            </a:r>
+          </a:p>
+          <a:p>
+            <a:pPr marL="342900" indent="-342900">
+              <a:buFont typeface="+mj-lt"/>
+              <a:buAutoNum type="arabicPeriod"/>
+            </a:pPr>
+            <a:r>
+              <a:rPr lang="en-US" dirty="0" smtClean="0">
+                <a:latin typeface="Menlo" charset="0"/>
+                <a:ea typeface="Menlo" charset="0"/>
+                <a:cs typeface="Menlo" charset="0"/>
+              </a:rPr>
+              <a:t>{{ </a:t>
+            </a:r>
+            <a:r>
+              <a:rPr lang="en-US" dirty="0" err="1" smtClean="0">
+                <a:solidFill>
+                  <a:srgbClr val="BABABA"/>
+                </a:solidFill>
+                <a:latin typeface="Menlo" charset="0"/>
+                <a:ea typeface="Menlo" charset="0"/>
+                <a:cs typeface="Menlo" charset="0"/>
+              </a:rPr>
+              <a:t>forloop</a:t>
+            </a:r>
+            <a:r>
+              <a:rPr lang="en-US" dirty="0" err="1" smtClean="0">
+                <a:latin typeface="Menlo" charset="0"/>
+                <a:ea typeface="Menlo" charset="0"/>
+                <a:cs typeface="Menlo" charset="0"/>
+              </a:rPr>
+              <a:t>.</a:t>
+            </a:r>
+            <a:r>
+              <a:rPr lang="en-US" dirty="0" err="1" smtClean="0">
+                <a:solidFill>
+                  <a:srgbClr val="BABABA"/>
+                </a:solidFill>
+                <a:latin typeface="Menlo" charset="0"/>
+                <a:ea typeface="Menlo" charset="0"/>
+                <a:cs typeface="Menlo" charset="0"/>
+              </a:rPr>
+              <a:t>counter</a:t>
+            </a:r>
+            <a:r>
+              <a:rPr lang="en-US" dirty="0" smtClean="0">
+                <a:solidFill>
+                  <a:srgbClr val="BABABA"/>
+                </a:solidFill>
+                <a:latin typeface="Menlo" charset="0"/>
+                <a:ea typeface="Menlo" charset="0"/>
+                <a:cs typeface="Menlo" charset="0"/>
+              </a:rPr>
+              <a:t> </a:t>
+            </a:r>
+            <a:r>
+              <a:rPr lang="en-US" dirty="0" smtClean="0">
+                <a:latin typeface="Menlo" charset="0"/>
+                <a:ea typeface="Menlo" charset="0"/>
+                <a:cs typeface="Menlo" charset="0"/>
+              </a:rPr>
+              <a:t>}}O</a:t>
+            </a:r>
+          </a:p>
+          <a:p>
+            <a:pPr marL="342900" indent="-342900">
+              <a:buFont typeface="+mj-lt"/>
+              <a:buAutoNum type="arabicPeriod"/>
+            </a:pPr>
+            <a:r>
+              <a:rPr lang="en-US" dirty="0">
+                <a:latin typeface="Menlo" charset="0"/>
+                <a:ea typeface="Menlo" charset="0"/>
+                <a:cs typeface="Menlo" charset="0"/>
+              </a:rPr>
+              <a:t>{% </a:t>
+            </a:r>
+            <a:r>
+              <a:rPr lang="en-US" dirty="0" err="1" smtClean="0">
+                <a:solidFill>
+                  <a:srgbClr val="E8BF6A"/>
+                </a:solidFill>
+                <a:latin typeface="Menlo" charset="0"/>
+                <a:ea typeface="Menlo" charset="0"/>
+                <a:cs typeface="Menlo" charset="0"/>
+              </a:rPr>
+              <a:t>next_button</a:t>
+            </a:r>
+            <a:r>
+              <a:rPr lang="en-US" dirty="0" smtClean="0">
+                <a:solidFill>
+                  <a:srgbClr val="E8BF6A"/>
+                </a:solidFill>
+                <a:latin typeface="Menlo" charset="0"/>
+                <a:ea typeface="Menlo" charset="0"/>
+                <a:cs typeface="Menlo" charset="0"/>
+              </a:rPr>
+              <a:t> </a:t>
+            </a:r>
+            <a:r>
+              <a:rPr lang="en-US" dirty="0" smtClean="0">
+                <a:latin typeface="Menlo" charset="0"/>
+                <a:ea typeface="Menlo" charset="0"/>
+                <a:cs typeface="Menlo" charset="0"/>
+              </a:rPr>
+              <a:t>%}</a:t>
+            </a:r>
+          </a:p>
+          <a:p>
+            <a:pPr marL="342900" indent="-342900">
+              <a:buFont typeface="+mj-lt"/>
+              <a:buAutoNum type="arabicPeriod"/>
+            </a:pPr>
+            <a:endParaRPr lang="en-US" dirty="0">
+              <a:latin typeface="Menlo" charset="0"/>
+              <a:ea typeface="Menlo" charset="0"/>
+              <a:cs typeface="Menlo" charset="0"/>
+            </a:endParaRPr>
+          </a:p>
+          <a:p>
+            <a:pPr marL="342900" indent="-342900">
+              <a:buFont typeface="+mj-lt"/>
+              <a:buAutoNum type="arabicPeriod"/>
+            </a:pPr>
+            <a:r>
+              <a:rPr lang="en-US" dirty="0" smtClean="0">
+                <a:latin typeface="Menlo" charset="0"/>
+                <a:ea typeface="Menlo" charset="0"/>
+                <a:cs typeface="Menlo" charset="0"/>
+              </a:rPr>
+              <a:t>..Other built-in or custom tags</a:t>
+            </a:r>
+            <a:endParaRPr lang="en-US" dirty="0">
+              <a:latin typeface="Menlo" charset="0"/>
+              <a:ea typeface="Menlo" charset="0"/>
+              <a:cs typeface="Menlo" charset="0"/>
+            </a:endParaRPr>
+          </a:p>
+          <a:p>
+            <a:pPr marL="342900" indent="-342900">
+              <a:buFont typeface="+mj-lt"/>
+              <a:buAutoNum type="arabicPeriod"/>
+            </a:pPr>
+            <a:endParaRPr lang="en-US" dirty="0" smtClean="0">
+              <a:latin typeface="Menlo" charset="0"/>
+              <a:ea typeface="Menlo" charset="0"/>
+              <a:cs typeface="Menlo" charset="0"/>
+            </a:endParaRPr>
+          </a:p>
+          <a:p>
+            <a:pPr marL="342900" indent="-342900">
+              <a:buFont typeface="+mj-lt"/>
+              <a:buAutoNum type="arabicPeriod"/>
+            </a:pPr>
+            <a:endParaRPr lang="en-US" dirty="0">
+              <a:latin typeface="Menlo" charset="0"/>
+              <a:ea typeface="Menlo" charset="0"/>
+              <a:cs typeface="Menlo" charset="0"/>
+            </a:endParaRPr>
+          </a:p>
+        </p:txBody>
+      </p:sp>
+    </p:spTree>
+    <p:extLst>
+      <p:ext uri="{BB962C8B-B14F-4D97-AF65-F5344CB8AC3E}">
+        <p14:creationId xmlns:p14="http://schemas.microsoft.com/office/powerpoint/2010/main" val="443231002"/>
+      </p:ext>
+    </p:extLst>
+  </p:cSld>
+  <p:clrMapOvr>
+    <a:masterClrMapping/>
+  </p:clrMapOvr>
+  <p:timing>
+    <p:tnLst>
+      <p:par>
+        <p:cTn id="1" dur="indefinite" restart="never" nodeType="tmRoot"/>
+      </p:par>
+    </p:tnLst>
+  </p:timing>
+</p:sld>
+</file>
+
+<file path=ppt/slides/slide8.xml><?xml version="1.0" encoding="utf-8"?>
+<p:sld xmlns:a="http://schemas.openxmlformats.org/drawingml/2006/main" xmlns:r="http://schemas.openxmlformats.org/officeDocument/2006/relationships" xmlns:p="http://schemas.openxmlformats.org/presentationml/2006/main">
+  <p:cSld>
+    <p:spTree>
+      <p:nvGrpSpPr>
+        <p:cNvPr id="1" name=""/>
+        <p:cNvGrpSpPr/>
+        <p:nvPr/>
+      </p:nvGrpSpPr>
+      <p:grpSpPr>
+        <a:xfrm>
+          <a:off x="0" y="0"/>
+          <a:ext cx="0" cy="0"/>
+          <a:chOff x="0" y="0"/>
+          <a:chExt cx="0" cy="0"/>
+        </a:xfrm>
+      </p:grpSpPr>
+      <p:sp>
+        <p:nvSpPr>
+          <p:cNvPr id="2" name="Title 1"/>
+          <p:cNvSpPr>
+            <a:spLocks noGrp="1"/>
+          </p:cNvSpPr>
+          <p:nvPr>
+            <p:ph type="title"/>
+          </p:nvPr>
+        </p:nvSpPr>
+        <p:spPr/>
+        <p:txBody>
+          <a:bodyPr/>
+          <a:lstStyle/>
+          <a:p>
+            <a:r>
+              <a:rPr lang="en-US" dirty="0" smtClean="0"/>
+              <a:t>Treatments</a:t>
+            </a:r>
+            <a:endParaRPr lang="en-US" dirty="0"/>
+          </a:p>
+        </p:txBody>
+      </p:sp>
+      <p:sp>
+        <p:nvSpPr>
+          <p:cNvPr id="4" name="Rectangle 3"/>
+          <p:cNvSpPr/>
+          <p:nvPr/>
+        </p:nvSpPr>
+        <p:spPr>
+          <a:xfrm>
+            <a:off x="1810871" y="2125158"/>
+            <a:ext cx="10506635" cy="3970318"/>
+          </a:xfrm>
+          <a:prstGeom prst="rect">
+            <a:avLst/>
+          </a:prstGeom>
+        </p:spPr>
+        <p:txBody>
+          <a:bodyPr wrap="square">
+            <a:spAutoFit/>
+          </a:bodyPr>
+          <a:lstStyle/>
+          <a:p>
+            <a:r>
+              <a:rPr lang="en-US" dirty="0">
+                <a:latin typeface="Menlo" charset="0"/>
+                <a:ea typeface="Menlo" charset="0"/>
+                <a:cs typeface="Menlo" charset="0"/>
+              </a:rPr>
+              <a:t>{</a:t>
+            </a:r>
+            <a:br>
+              <a:rPr lang="en-US" dirty="0">
+                <a:latin typeface="Menlo" charset="0"/>
+                <a:ea typeface="Menlo" charset="0"/>
+                <a:cs typeface="Menlo" charset="0"/>
+              </a:rPr>
+            </a:br>
+            <a:r>
+              <a:rPr lang="en-US" dirty="0">
+                <a:latin typeface="Menlo" charset="0"/>
+                <a:ea typeface="Menlo" charset="0"/>
+                <a:cs typeface="Menlo" charset="0"/>
+              </a:rPr>
+              <a:t>    </a:t>
+            </a:r>
+            <a:r>
+              <a:rPr lang="en-US" dirty="0">
+                <a:solidFill>
+                  <a:srgbClr val="6A8759"/>
+                </a:solidFill>
+                <a:latin typeface="Menlo" charset="0"/>
+                <a:ea typeface="Menlo" charset="0"/>
+                <a:cs typeface="Menlo" charset="0"/>
+              </a:rPr>
+              <a:t>'name'</a:t>
+            </a:r>
+            <a:r>
+              <a:rPr lang="en-US" dirty="0">
+                <a:latin typeface="Menlo" charset="0"/>
+                <a:ea typeface="Menlo" charset="0"/>
+                <a:cs typeface="Menlo" charset="0"/>
+              </a:rPr>
+              <a:t>: </a:t>
+            </a:r>
+            <a:r>
+              <a:rPr lang="en-US" dirty="0">
+                <a:solidFill>
+                  <a:srgbClr val="6A8759"/>
+                </a:solidFill>
+                <a:latin typeface="Menlo" charset="0"/>
+                <a:ea typeface="Menlo" charset="0"/>
+                <a:cs typeface="Menlo" charset="0"/>
+              </a:rPr>
+              <a:t>'</a:t>
+            </a:r>
+            <a:r>
+              <a:rPr lang="en-US" dirty="0" err="1">
+                <a:solidFill>
+                  <a:srgbClr val="6A8759"/>
+                </a:solidFill>
+                <a:latin typeface="Menlo" charset="0"/>
+                <a:ea typeface="Menlo" charset="0"/>
+                <a:cs typeface="Menlo" charset="0"/>
+              </a:rPr>
+              <a:t>pgg</a:t>
+            </a:r>
+            <a:r>
+              <a:rPr lang="en-US" dirty="0">
+                <a:solidFill>
+                  <a:srgbClr val="6A8759"/>
+                </a:solidFill>
+                <a:latin typeface="Menlo" charset="0"/>
+                <a:ea typeface="Menlo" charset="0"/>
+                <a:cs typeface="Menlo" charset="0"/>
+              </a:rPr>
+              <a:t>'</a:t>
+            </a:r>
+            <a:r>
+              <a:rPr lang="en-US" dirty="0">
+                <a:solidFill>
+                  <a:srgbClr val="CC7832"/>
+                </a:solidFill>
+                <a:latin typeface="Menlo" charset="0"/>
+                <a:ea typeface="Menlo" charset="0"/>
+                <a:cs typeface="Menlo" charset="0"/>
+              </a:rPr>
+              <a:t>,</a:t>
+            </a:r>
+            <a:br>
+              <a:rPr lang="en-US" dirty="0">
+                <a:solidFill>
+                  <a:srgbClr val="CC7832"/>
+                </a:solidFill>
+                <a:latin typeface="Menlo" charset="0"/>
+                <a:ea typeface="Menlo" charset="0"/>
+                <a:cs typeface="Menlo" charset="0"/>
+              </a:rPr>
+            </a:br>
+            <a:r>
+              <a:rPr lang="en-US" dirty="0">
+                <a:solidFill>
+                  <a:srgbClr val="CC7832"/>
+                </a:solidFill>
+                <a:latin typeface="Menlo" charset="0"/>
+                <a:ea typeface="Menlo" charset="0"/>
+                <a:cs typeface="Menlo" charset="0"/>
+              </a:rPr>
+              <a:t>    </a:t>
+            </a:r>
+            <a:r>
+              <a:rPr lang="en-US" dirty="0">
+                <a:solidFill>
+                  <a:srgbClr val="6A8759"/>
+                </a:solidFill>
+                <a:latin typeface="Menlo" charset="0"/>
+                <a:ea typeface="Menlo" charset="0"/>
+                <a:cs typeface="Menlo" charset="0"/>
+              </a:rPr>
+              <a:t>'</a:t>
+            </a:r>
+            <a:r>
+              <a:rPr lang="en-US" dirty="0" err="1">
+                <a:solidFill>
+                  <a:srgbClr val="6A8759"/>
+                </a:solidFill>
+                <a:latin typeface="Menlo" charset="0"/>
+                <a:ea typeface="Menlo" charset="0"/>
+                <a:cs typeface="Menlo" charset="0"/>
+              </a:rPr>
+              <a:t>display_name</a:t>
+            </a:r>
+            <a:r>
+              <a:rPr lang="en-US" dirty="0">
+                <a:solidFill>
+                  <a:srgbClr val="6A8759"/>
+                </a:solidFill>
+                <a:latin typeface="Menlo" charset="0"/>
+                <a:ea typeface="Menlo" charset="0"/>
+                <a:cs typeface="Menlo" charset="0"/>
+              </a:rPr>
+              <a:t>'</a:t>
+            </a:r>
+            <a:r>
+              <a:rPr lang="en-US" dirty="0">
+                <a:latin typeface="Menlo" charset="0"/>
+                <a:ea typeface="Menlo" charset="0"/>
+                <a:cs typeface="Menlo" charset="0"/>
+              </a:rPr>
+              <a:t>: </a:t>
+            </a:r>
+            <a:r>
+              <a:rPr lang="en-US" dirty="0">
+                <a:solidFill>
+                  <a:srgbClr val="6A8759"/>
+                </a:solidFill>
+                <a:latin typeface="Menlo" charset="0"/>
+                <a:ea typeface="Menlo" charset="0"/>
+                <a:cs typeface="Menlo" charset="0"/>
+              </a:rPr>
+              <a:t>"Public goods - fixed endowment"</a:t>
+            </a:r>
+            <a:r>
+              <a:rPr lang="en-US" dirty="0">
+                <a:solidFill>
+                  <a:srgbClr val="CC7832"/>
+                </a:solidFill>
+                <a:latin typeface="Menlo" charset="0"/>
+                <a:ea typeface="Menlo" charset="0"/>
+                <a:cs typeface="Menlo" charset="0"/>
+              </a:rPr>
+              <a:t>,</a:t>
+            </a:r>
+            <a:br>
+              <a:rPr lang="en-US" dirty="0">
+                <a:solidFill>
+                  <a:srgbClr val="CC7832"/>
+                </a:solidFill>
+                <a:latin typeface="Menlo" charset="0"/>
+                <a:ea typeface="Menlo" charset="0"/>
+                <a:cs typeface="Menlo" charset="0"/>
+              </a:rPr>
+            </a:br>
+            <a:r>
+              <a:rPr lang="en-US" dirty="0">
+                <a:solidFill>
+                  <a:srgbClr val="CC7832"/>
+                </a:solidFill>
+                <a:latin typeface="Menlo" charset="0"/>
+                <a:ea typeface="Menlo" charset="0"/>
+                <a:cs typeface="Menlo" charset="0"/>
+              </a:rPr>
+              <a:t>    </a:t>
+            </a:r>
+            <a:r>
+              <a:rPr lang="en-US" dirty="0">
+                <a:solidFill>
+                  <a:srgbClr val="6A8759"/>
+                </a:solidFill>
+                <a:latin typeface="Menlo" charset="0"/>
+                <a:ea typeface="Menlo" charset="0"/>
+                <a:cs typeface="Menlo" charset="0"/>
+              </a:rPr>
+              <a:t>'</a:t>
+            </a:r>
+            <a:r>
+              <a:rPr lang="en-US" dirty="0" err="1">
+                <a:solidFill>
+                  <a:srgbClr val="6A8759"/>
+                </a:solidFill>
+                <a:latin typeface="Menlo" charset="0"/>
+                <a:ea typeface="Menlo" charset="0"/>
+                <a:cs typeface="Menlo" charset="0"/>
+              </a:rPr>
+              <a:t>num_demo_participants</a:t>
+            </a:r>
+            <a:r>
+              <a:rPr lang="en-US" dirty="0">
+                <a:solidFill>
+                  <a:srgbClr val="6A8759"/>
+                </a:solidFill>
+                <a:latin typeface="Menlo" charset="0"/>
+                <a:ea typeface="Menlo" charset="0"/>
+                <a:cs typeface="Menlo" charset="0"/>
+              </a:rPr>
+              <a:t>'</a:t>
+            </a:r>
+            <a:r>
+              <a:rPr lang="en-US" dirty="0">
+                <a:latin typeface="Menlo" charset="0"/>
+                <a:ea typeface="Menlo" charset="0"/>
+                <a:cs typeface="Menlo" charset="0"/>
+              </a:rPr>
+              <a:t>: </a:t>
+            </a:r>
+            <a:r>
+              <a:rPr lang="en-US" dirty="0">
+                <a:solidFill>
+                  <a:srgbClr val="6897BB"/>
+                </a:solidFill>
+                <a:latin typeface="Menlo" charset="0"/>
+                <a:ea typeface="Menlo" charset="0"/>
+                <a:cs typeface="Menlo" charset="0"/>
+              </a:rPr>
+              <a:t>3</a:t>
+            </a:r>
+            <a:r>
+              <a:rPr lang="en-US" dirty="0">
+                <a:solidFill>
+                  <a:srgbClr val="CC7832"/>
+                </a:solidFill>
+                <a:latin typeface="Menlo" charset="0"/>
+                <a:ea typeface="Menlo" charset="0"/>
+                <a:cs typeface="Menlo" charset="0"/>
+              </a:rPr>
+              <a:t>,</a:t>
+            </a:r>
+            <a:br>
+              <a:rPr lang="en-US" dirty="0">
+                <a:solidFill>
+                  <a:srgbClr val="CC7832"/>
+                </a:solidFill>
+                <a:latin typeface="Menlo" charset="0"/>
+                <a:ea typeface="Menlo" charset="0"/>
+                <a:cs typeface="Menlo" charset="0"/>
+              </a:rPr>
+            </a:br>
+            <a:r>
+              <a:rPr lang="en-US" dirty="0">
+                <a:solidFill>
+                  <a:srgbClr val="CC7832"/>
+                </a:solidFill>
+                <a:latin typeface="Menlo" charset="0"/>
+                <a:ea typeface="Menlo" charset="0"/>
+                <a:cs typeface="Menlo" charset="0"/>
+              </a:rPr>
+              <a:t>    </a:t>
+            </a:r>
+            <a:r>
+              <a:rPr lang="en-US" dirty="0">
+                <a:solidFill>
+                  <a:srgbClr val="6A8759"/>
+                </a:solidFill>
+                <a:latin typeface="Menlo" charset="0"/>
+                <a:ea typeface="Menlo" charset="0"/>
+                <a:cs typeface="Menlo" charset="0"/>
+              </a:rPr>
+              <a:t>'</a:t>
+            </a:r>
+            <a:r>
+              <a:rPr lang="en-US" dirty="0" err="1">
+                <a:solidFill>
+                  <a:srgbClr val="6A8759"/>
+                </a:solidFill>
+                <a:latin typeface="Menlo" charset="0"/>
+                <a:ea typeface="Menlo" charset="0"/>
+                <a:cs typeface="Menlo" charset="0"/>
+              </a:rPr>
+              <a:t>app_sequence</a:t>
+            </a:r>
+            <a:r>
+              <a:rPr lang="en-US" dirty="0">
+                <a:solidFill>
+                  <a:srgbClr val="6A8759"/>
+                </a:solidFill>
+                <a:latin typeface="Menlo" charset="0"/>
+                <a:ea typeface="Menlo" charset="0"/>
+                <a:cs typeface="Menlo" charset="0"/>
+              </a:rPr>
+              <a:t>'</a:t>
+            </a:r>
+            <a:r>
+              <a:rPr lang="en-US" dirty="0">
+                <a:latin typeface="Menlo" charset="0"/>
+                <a:ea typeface="Menlo" charset="0"/>
+                <a:cs typeface="Menlo" charset="0"/>
+              </a:rPr>
+              <a:t>: [</a:t>
+            </a:r>
+            <a:r>
+              <a:rPr lang="en-US" dirty="0">
+                <a:solidFill>
+                  <a:srgbClr val="6A8759"/>
+                </a:solidFill>
+                <a:latin typeface="Menlo" charset="0"/>
+                <a:ea typeface="Menlo" charset="0"/>
+                <a:cs typeface="Menlo" charset="0"/>
+              </a:rPr>
+              <a:t>'</a:t>
+            </a:r>
+            <a:r>
+              <a:rPr lang="en-US" dirty="0" err="1">
+                <a:solidFill>
+                  <a:srgbClr val="6A8759"/>
+                </a:solidFill>
+                <a:latin typeface="Menlo" charset="0"/>
+                <a:ea typeface="Menlo" charset="0"/>
+                <a:cs typeface="Menlo" charset="0"/>
+              </a:rPr>
+              <a:t>pgg</a:t>
+            </a:r>
+            <a:r>
+              <a:rPr lang="en-US" dirty="0">
+                <a:solidFill>
+                  <a:srgbClr val="6A8759"/>
+                </a:solidFill>
+                <a:latin typeface="Menlo" charset="0"/>
+                <a:ea typeface="Menlo" charset="0"/>
+                <a:cs typeface="Menlo" charset="0"/>
+              </a:rPr>
+              <a:t>'</a:t>
+            </a:r>
+            <a:r>
+              <a:rPr lang="en-US" dirty="0">
+                <a:latin typeface="Menlo" charset="0"/>
+                <a:ea typeface="Menlo" charset="0"/>
+                <a:cs typeface="Menlo" charset="0"/>
+              </a:rPr>
+              <a:t>]</a:t>
+            </a:r>
+            <a:r>
+              <a:rPr lang="en-US" dirty="0">
+                <a:solidFill>
+                  <a:srgbClr val="CC7832"/>
+                </a:solidFill>
+                <a:latin typeface="Menlo" charset="0"/>
+                <a:ea typeface="Menlo" charset="0"/>
+                <a:cs typeface="Menlo" charset="0"/>
+              </a:rPr>
+              <a:t>,</a:t>
+            </a:r>
+            <a:br>
+              <a:rPr lang="en-US" dirty="0">
+                <a:solidFill>
+                  <a:srgbClr val="CC7832"/>
+                </a:solidFill>
+                <a:latin typeface="Menlo" charset="0"/>
+                <a:ea typeface="Menlo" charset="0"/>
+                <a:cs typeface="Menlo" charset="0"/>
+              </a:rPr>
+            </a:br>
+            <a:r>
+              <a:rPr lang="en-US" dirty="0">
+                <a:solidFill>
+                  <a:srgbClr val="CC7832"/>
+                </a:solidFill>
+                <a:latin typeface="Menlo" charset="0"/>
+                <a:ea typeface="Menlo" charset="0"/>
+                <a:cs typeface="Menlo" charset="0"/>
+              </a:rPr>
+              <a:t>    </a:t>
+            </a:r>
+            <a:r>
+              <a:rPr lang="en-US" dirty="0">
+                <a:solidFill>
+                  <a:srgbClr val="6A8759"/>
+                </a:solidFill>
+                <a:latin typeface="Menlo" charset="0"/>
+                <a:ea typeface="Menlo" charset="0"/>
+                <a:cs typeface="Menlo" charset="0"/>
+              </a:rPr>
+              <a:t>'</a:t>
+            </a:r>
+            <a:r>
+              <a:rPr lang="en-US" dirty="0" err="1">
+                <a:solidFill>
+                  <a:srgbClr val="6A8759"/>
+                </a:solidFill>
+                <a:latin typeface="Menlo" charset="0"/>
+                <a:ea typeface="Menlo" charset="0"/>
+                <a:cs typeface="Menlo" charset="0"/>
+              </a:rPr>
+              <a:t>hetero_endowment</a:t>
+            </a:r>
+            <a:r>
+              <a:rPr lang="en-US" dirty="0">
+                <a:solidFill>
+                  <a:srgbClr val="6A8759"/>
+                </a:solidFill>
+                <a:latin typeface="Menlo" charset="0"/>
+                <a:ea typeface="Menlo" charset="0"/>
+                <a:cs typeface="Menlo" charset="0"/>
+              </a:rPr>
+              <a:t>'</a:t>
+            </a:r>
+            <a:r>
+              <a:rPr lang="en-US" dirty="0">
+                <a:latin typeface="Menlo" charset="0"/>
+                <a:ea typeface="Menlo" charset="0"/>
+                <a:cs typeface="Menlo" charset="0"/>
+              </a:rPr>
+              <a:t>: </a:t>
+            </a:r>
+            <a:r>
+              <a:rPr lang="en-US" dirty="0">
+                <a:solidFill>
+                  <a:srgbClr val="CC7832"/>
+                </a:solidFill>
+                <a:latin typeface="Menlo" charset="0"/>
+                <a:ea typeface="Menlo" charset="0"/>
+                <a:cs typeface="Menlo" charset="0"/>
+              </a:rPr>
+              <a:t>False,</a:t>
+            </a:r>
+            <a:br>
+              <a:rPr lang="en-US" dirty="0">
+                <a:solidFill>
+                  <a:srgbClr val="CC7832"/>
+                </a:solidFill>
+                <a:latin typeface="Menlo" charset="0"/>
+                <a:ea typeface="Menlo" charset="0"/>
+                <a:cs typeface="Menlo" charset="0"/>
+              </a:rPr>
+            </a:br>
+            <a:r>
+              <a:rPr lang="en-US" dirty="0">
+                <a:latin typeface="Menlo" charset="0"/>
+                <a:ea typeface="Menlo" charset="0"/>
+                <a:cs typeface="Menlo" charset="0"/>
+              </a:rPr>
+              <a:t>}</a:t>
+            </a:r>
+            <a:r>
+              <a:rPr lang="en-US" dirty="0">
+                <a:solidFill>
+                  <a:srgbClr val="CC7832"/>
+                </a:solidFill>
+                <a:latin typeface="Menlo" charset="0"/>
+                <a:ea typeface="Menlo" charset="0"/>
+                <a:cs typeface="Menlo" charset="0"/>
+              </a:rPr>
+              <a:t>,</a:t>
+            </a:r>
+            <a:br>
+              <a:rPr lang="en-US" dirty="0">
+                <a:solidFill>
+                  <a:srgbClr val="CC7832"/>
+                </a:solidFill>
+                <a:latin typeface="Menlo" charset="0"/>
+                <a:ea typeface="Menlo" charset="0"/>
+                <a:cs typeface="Menlo" charset="0"/>
+              </a:rPr>
+            </a:br>
+            <a:r>
+              <a:rPr lang="en-US" dirty="0">
+                <a:latin typeface="Menlo" charset="0"/>
+                <a:ea typeface="Menlo" charset="0"/>
+                <a:cs typeface="Menlo" charset="0"/>
+              </a:rPr>
+              <a:t>{</a:t>
+            </a:r>
+            <a:br>
+              <a:rPr lang="en-US" dirty="0">
+                <a:latin typeface="Menlo" charset="0"/>
+                <a:ea typeface="Menlo" charset="0"/>
+                <a:cs typeface="Menlo" charset="0"/>
+              </a:rPr>
+            </a:br>
+            <a:r>
+              <a:rPr lang="en-US" dirty="0">
+                <a:latin typeface="Menlo" charset="0"/>
+                <a:ea typeface="Menlo" charset="0"/>
+                <a:cs typeface="Menlo" charset="0"/>
+              </a:rPr>
+              <a:t>    </a:t>
+            </a:r>
+            <a:r>
+              <a:rPr lang="en-US" dirty="0">
+                <a:solidFill>
+                  <a:srgbClr val="6A8759"/>
+                </a:solidFill>
+                <a:latin typeface="Menlo" charset="0"/>
+                <a:ea typeface="Menlo" charset="0"/>
+                <a:cs typeface="Menlo" charset="0"/>
+              </a:rPr>
+              <a:t>'name'</a:t>
+            </a:r>
+            <a:r>
+              <a:rPr lang="en-US" dirty="0">
+                <a:latin typeface="Menlo" charset="0"/>
+                <a:ea typeface="Menlo" charset="0"/>
+                <a:cs typeface="Menlo" charset="0"/>
+              </a:rPr>
+              <a:t>: </a:t>
+            </a:r>
+            <a:r>
+              <a:rPr lang="en-US" dirty="0">
+                <a:solidFill>
+                  <a:srgbClr val="6A8759"/>
+                </a:solidFill>
+                <a:latin typeface="Menlo" charset="0"/>
+                <a:ea typeface="Menlo" charset="0"/>
+                <a:cs typeface="Menlo" charset="0"/>
+              </a:rPr>
+              <a:t>'</a:t>
+            </a:r>
+            <a:r>
+              <a:rPr lang="en-US" dirty="0" err="1">
+                <a:solidFill>
+                  <a:srgbClr val="6A8759"/>
+                </a:solidFill>
+                <a:latin typeface="Menlo" charset="0"/>
+                <a:ea typeface="Menlo" charset="0"/>
+                <a:cs typeface="Menlo" charset="0"/>
+              </a:rPr>
+              <a:t>pgghetero</a:t>
+            </a:r>
+            <a:r>
+              <a:rPr lang="en-US" dirty="0">
+                <a:solidFill>
+                  <a:srgbClr val="6A8759"/>
+                </a:solidFill>
+                <a:latin typeface="Menlo" charset="0"/>
+                <a:ea typeface="Menlo" charset="0"/>
+                <a:cs typeface="Menlo" charset="0"/>
+              </a:rPr>
+              <a:t>'</a:t>
+            </a:r>
+            <a:r>
+              <a:rPr lang="en-US" dirty="0">
+                <a:solidFill>
+                  <a:srgbClr val="CC7832"/>
+                </a:solidFill>
+                <a:latin typeface="Menlo" charset="0"/>
+                <a:ea typeface="Menlo" charset="0"/>
+                <a:cs typeface="Menlo" charset="0"/>
+              </a:rPr>
+              <a:t>,</a:t>
+            </a:r>
+            <a:br>
+              <a:rPr lang="en-US" dirty="0">
+                <a:solidFill>
+                  <a:srgbClr val="CC7832"/>
+                </a:solidFill>
+                <a:latin typeface="Menlo" charset="0"/>
+                <a:ea typeface="Menlo" charset="0"/>
+                <a:cs typeface="Menlo" charset="0"/>
+              </a:rPr>
+            </a:br>
+            <a:r>
+              <a:rPr lang="en-US" dirty="0">
+                <a:solidFill>
+                  <a:srgbClr val="CC7832"/>
+                </a:solidFill>
+                <a:latin typeface="Menlo" charset="0"/>
+                <a:ea typeface="Menlo" charset="0"/>
+                <a:cs typeface="Menlo" charset="0"/>
+              </a:rPr>
+              <a:t>    </a:t>
+            </a:r>
+            <a:r>
+              <a:rPr lang="en-US" dirty="0">
+                <a:solidFill>
+                  <a:srgbClr val="6A8759"/>
+                </a:solidFill>
+                <a:latin typeface="Menlo" charset="0"/>
+                <a:ea typeface="Menlo" charset="0"/>
+                <a:cs typeface="Menlo" charset="0"/>
+              </a:rPr>
+              <a:t>'</a:t>
+            </a:r>
+            <a:r>
+              <a:rPr lang="en-US" dirty="0" err="1">
+                <a:solidFill>
+                  <a:srgbClr val="6A8759"/>
+                </a:solidFill>
+                <a:latin typeface="Menlo" charset="0"/>
+                <a:ea typeface="Menlo" charset="0"/>
+                <a:cs typeface="Menlo" charset="0"/>
+              </a:rPr>
+              <a:t>display_name</a:t>
+            </a:r>
+            <a:r>
+              <a:rPr lang="en-US" dirty="0">
+                <a:solidFill>
+                  <a:srgbClr val="6A8759"/>
+                </a:solidFill>
+                <a:latin typeface="Menlo" charset="0"/>
+                <a:ea typeface="Menlo" charset="0"/>
+                <a:cs typeface="Menlo" charset="0"/>
+              </a:rPr>
+              <a:t>'</a:t>
+            </a:r>
+            <a:r>
+              <a:rPr lang="en-US" dirty="0">
+                <a:latin typeface="Menlo" charset="0"/>
+                <a:ea typeface="Menlo" charset="0"/>
+                <a:cs typeface="Menlo" charset="0"/>
+              </a:rPr>
+              <a:t>: </a:t>
+            </a:r>
+            <a:r>
+              <a:rPr lang="en-US" dirty="0">
+                <a:solidFill>
+                  <a:srgbClr val="6A8759"/>
+                </a:solidFill>
+                <a:latin typeface="Menlo" charset="0"/>
+                <a:ea typeface="Menlo" charset="0"/>
+                <a:cs typeface="Menlo" charset="0"/>
+              </a:rPr>
+              <a:t>"Public goods - random endowment"</a:t>
+            </a:r>
+            <a:r>
+              <a:rPr lang="en-US" dirty="0">
+                <a:solidFill>
+                  <a:srgbClr val="CC7832"/>
+                </a:solidFill>
+                <a:latin typeface="Menlo" charset="0"/>
+                <a:ea typeface="Menlo" charset="0"/>
+                <a:cs typeface="Menlo" charset="0"/>
+              </a:rPr>
+              <a:t>,</a:t>
+            </a:r>
+            <a:br>
+              <a:rPr lang="en-US" dirty="0">
+                <a:solidFill>
+                  <a:srgbClr val="CC7832"/>
+                </a:solidFill>
+                <a:latin typeface="Menlo" charset="0"/>
+                <a:ea typeface="Menlo" charset="0"/>
+                <a:cs typeface="Menlo" charset="0"/>
+              </a:rPr>
+            </a:br>
+            <a:r>
+              <a:rPr lang="en-US" dirty="0">
+                <a:solidFill>
+                  <a:srgbClr val="CC7832"/>
+                </a:solidFill>
+                <a:latin typeface="Menlo" charset="0"/>
+                <a:ea typeface="Menlo" charset="0"/>
+                <a:cs typeface="Menlo" charset="0"/>
+              </a:rPr>
+              <a:t>    </a:t>
+            </a:r>
+            <a:r>
+              <a:rPr lang="en-US" dirty="0">
+                <a:solidFill>
+                  <a:srgbClr val="6A8759"/>
+                </a:solidFill>
+                <a:latin typeface="Menlo" charset="0"/>
+                <a:ea typeface="Menlo" charset="0"/>
+                <a:cs typeface="Menlo" charset="0"/>
+              </a:rPr>
+              <a:t>'</a:t>
+            </a:r>
+            <a:r>
+              <a:rPr lang="en-US" dirty="0" err="1">
+                <a:solidFill>
+                  <a:srgbClr val="6A8759"/>
+                </a:solidFill>
+                <a:latin typeface="Menlo" charset="0"/>
+                <a:ea typeface="Menlo" charset="0"/>
+                <a:cs typeface="Menlo" charset="0"/>
+              </a:rPr>
+              <a:t>num_demo_participants</a:t>
+            </a:r>
+            <a:r>
+              <a:rPr lang="en-US" dirty="0">
+                <a:solidFill>
+                  <a:srgbClr val="6A8759"/>
+                </a:solidFill>
+                <a:latin typeface="Menlo" charset="0"/>
+                <a:ea typeface="Menlo" charset="0"/>
+                <a:cs typeface="Menlo" charset="0"/>
+              </a:rPr>
+              <a:t>'</a:t>
+            </a:r>
+            <a:r>
+              <a:rPr lang="en-US" dirty="0">
+                <a:latin typeface="Menlo" charset="0"/>
+                <a:ea typeface="Menlo" charset="0"/>
+                <a:cs typeface="Menlo" charset="0"/>
+              </a:rPr>
+              <a:t>: </a:t>
+            </a:r>
+            <a:r>
+              <a:rPr lang="en-US" dirty="0">
+                <a:solidFill>
+                  <a:srgbClr val="6897BB"/>
+                </a:solidFill>
+                <a:latin typeface="Menlo" charset="0"/>
+                <a:ea typeface="Menlo" charset="0"/>
+                <a:cs typeface="Menlo" charset="0"/>
+              </a:rPr>
+              <a:t>3</a:t>
+            </a:r>
+            <a:r>
+              <a:rPr lang="en-US" dirty="0">
+                <a:solidFill>
+                  <a:srgbClr val="CC7832"/>
+                </a:solidFill>
+                <a:latin typeface="Menlo" charset="0"/>
+                <a:ea typeface="Menlo" charset="0"/>
+                <a:cs typeface="Menlo" charset="0"/>
+              </a:rPr>
+              <a:t>,</a:t>
+            </a:r>
+            <a:br>
+              <a:rPr lang="en-US" dirty="0">
+                <a:solidFill>
+                  <a:srgbClr val="CC7832"/>
+                </a:solidFill>
+                <a:latin typeface="Menlo" charset="0"/>
+                <a:ea typeface="Menlo" charset="0"/>
+                <a:cs typeface="Menlo" charset="0"/>
+              </a:rPr>
+            </a:br>
+            <a:r>
+              <a:rPr lang="en-US" dirty="0">
+                <a:solidFill>
+                  <a:srgbClr val="CC7832"/>
+                </a:solidFill>
+                <a:latin typeface="Menlo" charset="0"/>
+                <a:ea typeface="Menlo" charset="0"/>
+                <a:cs typeface="Menlo" charset="0"/>
+              </a:rPr>
+              <a:t>    </a:t>
+            </a:r>
+            <a:r>
+              <a:rPr lang="en-US" dirty="0">
+                <a:solidFill>
+                  <a:srgbClr val="6A8759"/>
+                </a:solidFill>
+                <a:latin typeface="Menlo" charset="0"/>
+                <a:ea typeface="Menlo" charset="0"/>
+                <a:cs typeface="Menlo" charset="0"/>
+              </a:rPr>
+              <a:t>'</a:t>
+            </a:r>
+            <a:r>
+              <a:rPr lang="en-US" dirty="0" err="1">
+                <a:solidFill>
+                  <a:srgbClr val="6A8759"/>
+                </a:solidFill>
+                <a:latin typeface="Menlo" charset="0"/>
+                <a:ea typeface="Menlo" charset="0"/>
+                <a:cs typeface="Menlo" charset="0"/>
+              </a:rPr>
+              <a:t>app_sequence</a:t>
+            </a:r>
+            <a:r>
+              <a:rPr lang="en-US" dirty="0">
+                <a:solidFill>
+                  <a:srgbClr val="6A8759"/>
+                </a:solidFill>
+                <a:latin typeface="Menlo" charset="0"/>
+                <a:ea typeface="Menlo" charset="0"/>
+                <a:cs typeface="Menlo" charset="0"/>
+              </a:rPr>
+              <a:t>'</a:t>
+            </a:r>
+            <a:r>
+              <a:rPr lang="en-US" dirty="0">
+                <a:latin typeface="Menlo" charset="0"/>
+                <a:ea typeface="Menlo" charset="0"/>
+                <a:cs typeface="Menlo" charset="0"/>
+              </a:rPr>
+              <a:t>: [</a:t>
+            </a:r>
+            <a:r>
+              <a:rPr lang="en-US" dirty="0">
+                <a:solidFill>
+                  <a:srgbClr val="6A8759"/>
+                </a:solidFill>
+                <a:latin typeface="Menlo" charset="0"/>
+                <a:ea typeface="Menlo" charset="0"/>
+                <a:cs typeface="Menlo" charset="0"/>
+              </a:rPr>
+              <a:t>'</a:t>
+            </a:r>
+            <a:r>
+              <a:rPr lang="en-US" dirty="0" err="1">
+                <a:solidFill>
+                  <a:srgbClr val="6A8759"/>
+                </a:solidFill>
+                <a:latin typeface="Menlo" charset="0"/>
+                <a:ea typeface="Menlo" charset="0"/>
+                <a:cs typeface="Menlo" charset="0"/>
+              </a:rPr>
+              <a:t>pgg</a:t>
+            </a:r>
+            <a:r>
+              <a:rPr lang="en-US" dirty="0">
+                <a:solidFill>
+                  <a:srgbClr val="6A8759"/>
+                </a:solidFill>
+                <a:latin typeface="Menlo" charset="0"/>
+                <a:ea typeface="Menlo" charset="0"/>
+                <a:cs typeface="Menlo" charset="0"/>
+              </a:rPr>
+              <a:t>'</a:t>
+            </a:r>
+            <a:r>
+              <a:rPr lang="en-US" dirty="0">
+                <a:latin typeface="Menlo" charset="0"/>
+                <a:ea typeface="Menlo" charset="0"/>
+                <a:cs typeface="Menlo" charset="0"/>
+              </a:rPr>
+              <a:t>]</a:t>
+            </a:r>
+            <a:r>
+              <a:rPr lang="en-US" dirty="0">
+                <a:solidFill>
+                  <a:srgbClr val="CC7832"/>
+                </a:solidFill>
+                <a:latin typeface="Menlo" charset="0"/>
+                <a:ea typeface="Menlo" charset="0"/>
+                <a:cs typeface="Menlo" charset="0"/>
+              </a:rPr>
+              <a:t>,</a:t>
+            </a:r>
+            <a:br>
+              <a:rPr lang="en-US" dirty="0">
+                <a:solidFill>
+                  <a:srgbClr val="CC7832"/>
+                </a:solidFill>
+                <a:latin typeface="Menlo" charset="0"/>
+                <a:ea typeface="Menlo" charset="0"/>
+                <a:cs typeface="Menlo" charset="0"/>
+              </a:rPr>
+            </a:br>
+            <a:r>
+              <a:rPr lang="en-US" dirty="0">
+                <a:solidFill>
+                  <a:srgbClr val="CC7832"/>
+                </a:solidFill>
+                <a:latin typeface="Menlo" charset="0"/>
+                <a:ea typeface="Menlo" charset="0"/>
+                <a:cs typeface="Menlo" charset="0"/>
+              </a:rPr>
+              <a:t>    </a:t>
+            </a:r>
+            <a:r>
+              <a:rPr lang="en-US" dirty="0">
+                <a:solidFill>
+                  <a:srgbClr val="6A8759"/>
+                </a:solidFill>
+                <a:latin typeface="Menlo" charset="0"/>
+                <a:ea typeface="Menlo" charset="0"/>
+                <a:cs typeface="Menlo" charset="0"/>
+              </a:rPr>
+              <a:t>'</a:t>
+            </a:r>
+            <a:r>
+              <a:rPr lang="en-US" dirty="0" err="1">
+                <a:solidFill>
+                  <a:srgbClr val="6A8759"/>
+                </a:solidFill>
+                <a:latin typeface="Menlo" charset="0"/>
+                <a:ea typeface="Menlo" charset="0"/>
+                <a:cs typeface="Menlo" charset="0"/>
+              </a:rPr>
+              <a:t>hetero_endowment</a:t>
+            </a:r>
+            <a:r>
+              <a:rPr lang="en-US" dirty="0">
+                <a:solidFill>
+                  <a:srgbClr val="6A8759"/>
+                </a:solidFill>
+                <a:latin typeface="Menlo" charset="0"/>
+                <a:ea typeface="Menlo" charset="0"/>
+                <a:cs typeface="Menlo" charset="0"/>
+              </a:rPr>
+              <a:t>'</a:t>
+            </a:r>
+            <a:r>
+              <a:rPr lang="en-US" dirty="0">
+                <a:latin typeface="Menlo" charset="0"/>
+                <a:ea typeface="Menlo" charset="0"/>
+                <a:cs typeface="Menlo" charset="0"/>
+              </a:rPr>
+              <a:t>: </a:t>
+            </a:r>
+            <a:r>
+              <a:rPr lang="en-US" dirty="0">
+                <a:solidFill>
+                  <a:srgbClr val="CC7832"/>
+                </a:solidFill>
+                <a:latin typeface="Menlo" charset="0"/>
+                <a:ea typeface="Menlo" charset="0"/>
+                <a:cs typeface="Menlo" charset="0"/>
+              </a:rPr>
+              <a:t>True,</a:t>
+            </a:r>
+            <a:br>
+              <a:rPr lang="en-US" dirty="0">
+                <a:solidFill>
+                  <a:srgbClr val="CC7832"/>
+                </a:solidFill>
+                <a:latin typeface="Menlo" charset="0"/>
+                <a:ea typeface="Menlo" charset="0"/>
+                <a:cs typeface="Menlo" charset="0"/>
+              </a:rPr>
+            </a:br>
+            <a:r>
+              <a:rPr lang="en-US" dirty="0">
+                <a:latin typeface="Menlo" charset="0"/>
+                <a:ea typeface="Menlo" charset="0"/>
+                <a:cs typeface="Menlo" charset="0"/>
+              </a:rPr>
+              <a:t>}</a:t>
+            </a:r>
+            <a:r>
+              <a:rPr lang="en-US" dirty="0">
+                <a:solidFill>
+                  <a:srgbClr val="CC7832"/>
+                </a:solidFill>
+                <a:latin typeface="Menlo" charset="0"/>
+                <a:ea typeface="Menlo" charset="0"/>
+                <a:cs typeface="Menlo" charset="0"/>
+              </a:rPr>
+              <a:t>,</a:t>
+            </a:r>
+            <a:endParaRPr lang="en-US" dirty="0">
+              <a:latin typeface="Menlo" charset="0"/>
+              <a:ea typeface="Menlo" charset="0"/>
+              <a:cs typeface="Menlo" charset="0"/>
+            </a:endParaRPr>
+          </a:p>
+        </p:txBody>
+      </p:sp>
+    </p:spTree>
+    <p:extLst>
+      <p:ext uri="{BB962C8B-B14F-4D97-AF65-F5344CB8AC3E}">
+        <p14:creationId xmlns:p14="http://schemas.microsoft.com/office/powerpoint/2010/main" val="1886827519"/>
+      </p:ext>
+    </p:extLst>
+  </p:cSld>
+  <p:clrMapOvr>
+    <a:masterClrMapping/>
+  </p:clrMapOvr>
+  <p:timing>
+    <p:tnLst>
+      <p:par>
+        <p:cTn id="1" dur="indefinite" restart="never" nodeType="tmRoot"/>
+      </p:par>
+    </p:tnLst>
+  </p:timing>
+</p:sld>
+</file>
+
+<file path=ppt/slides/slide9.xml><?xml version="1.0" encoding="utf-8"?>
+<p:sld xmlns:a="http://schemas.openxmlformats.org/drawingml/2006/main" xmlns:r="http://schemas.openxmlformats.org/officeDocument/2006/relationships" xmlns:p="http://schemas.openxmlformats.org/presentationml/2006/main">
+  <p:cSld>
+    <p:spTree>
+      <p:nvGrpSpPr>
+        <p:cNvPr id="1" name=""/>
+        <p:cNvGrpSpPr/>
+        <p:nvPr/>
+      </p:nvGrpSpPr>
+      <p:grpSpPr>
+        <a:xfrm>
+          <a:off x="0" y="0"/>
+          <a:ext cx="0" cy="0"/>
+          <a:chOff x="0" y="0"/>
+          <a:chExt cx="0" cy="0"/>
+        </a:xfrm>
+      </p:grpSpPr>
+      <p:sp>
+        <p:nvSpPr>
+          <p:cNvPr id="2" name="Title 1"/>
+          <p:cNvSpPr>
+            <a:spLocks noGrp="1"/>
+          </p:cNvSpPr>
+          <p:nvPr>
+            <p:ph type="title"/>
+          </p:nvPr>
+        </p:nvSpPr>
+        <p:spPr/>
+        <p:txBody>
+          <a:bodyPr/>
+          <a:lstStyle/>
+          <a:p>
+            <a:r>
+              <a:rPr lang="en-US" dirty="0" smtClean="0"/>
+              <a:t>Treatments</a:t>
+            </a:r>
+            <a:endParaRPr lang="en-US" dirty="0"/>
+          </a:p>
+        </p:txBody>
+      </p:sp>
+      <p:sp>
+        <p:nvSpPr>
+          <p:cNvPr id="3" name="Rectangle 2"/>
+          <p:cNvSpPr/>
+          <p:nvPr/>
+        </p:nvSpPr>
+        <p:spPr>
+          <a:xfrm>
+            <a:off x="753035" y="1690689"/>
+            <a:ext cx="14146306" cy="3970318"/>
+          </a:xfrm>
+          <a:prstGeom prst="rect">
+            <a:avLst/>
+          </a:prstGeom>
+        </p:spPr>
+        <p:txBody>
+          <a:bodyPr wrap="square">
+            <a:spAutoFit/>
+          </a:bodyPr>
+          <a:lstStyle/>
+          <a:p>
+            <a:r>
+              <a:rPr lang="en-US" dirty="0">
+                <a:latin typeface="Menlo" charset="0"/>
+                <a:ea typeface="Menlo" charset="0"/>
+                <a:cs typeface="Menlo" charset="0"/>
+              </a:rPr>
+              <a:t/>
+            </a:r>
+            <a:br>
+              <a:rPr lang="en-US" dirty="0">
+                <a:latin typeface="Menlo" charset="0"/>
+                <a:ea typeface="Menlo" charset="0"/>
+                <a:cs typeface="Menlo" charset="0"/>
+              </a:rPr>
+            </a:br>
+            <a:r>
+              <a:rPr lang="en-US" dirty="0">
+                <a:latin typeface="Menlo" charset="0"/>
+                <a:ea typeface="Menlo" charset="0"/>
+                <a:cs typeface="Menlo" charset="0"/>
+              </a:rPr>
+              <a:t/>
+            </a:r>
+            <a:br>
+              <a:rPr lang="en-US" dirty="0">
+                <a:latin typeface="Menlo" charset="0"/>
+                <a:ea typeface="Menlo" charset="0"/>
+                <a:cs typeface="Menlo" charset="0"/>
+              </a:rPr>
+            </a:br>
+            <a:r>
+              <a:rPr lang="en-US" dirty="0">
+                <a:solidFill>
+                  <a:srgbClr val="CC7832"/>
+                </a:solidFill>
+                <a:latin typeface="Menlo" charset="0"/>
+                <a:ea typeface="Menlo" charset="0"/>
+                <a:cs typeface="Menlo" charset="0"/>
+              </a:rPr>
+              <a:t>class </a:t>
+            </a:r>
+            <a:r>
+              <a:rPr lang="en-US" dirty="0" err="1">
+                <a:latin typeface="Menlo" charset="0"/>
+                <a:ea typeface="Menlo" charset="0"/>
+                <a:cs typeface="Menlo" charset="0"/>
+              </a:rPr>
+              <a:t>Subsession</a:t>
+            </a:r>
+            <a:r>
+              <a:rPr lang="en-US" dirty="0">
+                <a:latin typeface="Menlo" charset="0"/>
+                <a:ea typeface="Menlo" charset="0"/>
+                <a:cs typeface="Menlo" charset="0"/>
+              </a:rPr>
+              <a:t>(</a:t>
+            </a:r>
+            <a:r>
+              <a:rPr lang="en-US" dirty="0" err="1">
+                <a:latin typeface="Menlo" charset="0"/>
+                <a:ea typeface="Menlo" charset="0"/>
+                <a:cs typeface="Menlo" charset="0"/>
+              </a:rPr>
+              <a:t>BaseSubsession</a:t>
+            </a:r>
+            <a:r>
+              <a:rPr lang="en-US" dirty="0">
+                <a:latin typeface="Menlo" charset="0"/>
+                <a:ea typeface="Menlo" charset="0"/>
+                <a:cs typeface="Menlo" charset="0"/>
+              </a:rPr>
+              <a:t>):</a:t>
+            </a:r>
+            <a:br>
+              <a:rPr lang="en-US" dirty="0">
+                <a:latin typeface="Menlo" charset="0"/>
+                <a:ea typeface="Menlo" charset="0"/>
+                <a:cs typeface="Menlo" charset="0"/>
+              </a:rPr>
+            </a:br>
+            <a:r>
+              <a:rPr lang="en-US" dirty="0">
+                <a:latin typeface="Menlo" charset="0"/>
+                <a:ea typeface="Menlo" charset="0"/>
+                <a:cs typeface="Menlo" charset="0"/>
+              </a:rPr>
+              <a:t>    </a:t>
+            </a:r>
+            <a:r>
+              <a:rPr lang="en-US" dirty="0" err="1">
+                <a:solidFill>
+                  <a:srgbClr val="CC7832"/>
+                </a:solidFill>
+                <a:latin typeface="Menlo" charset="0"/>
+                <a:ea typeface="Menlo" charset="0"/>
+                <a:cs typeface="Menlo" charset="0"/>
+              </a:rPr>
+              <a:t>def</a:t>
+            </a:r>
+            <a:r>
+              <a:rPr lang="en-US" dirty="0">
+                <a:solidFill>
+                  <a:srgbClr val="CC7832"/>
+                </a:solidFill>
+                <a:latin typeface="Menlo" charset="0"/>
+                <a:ea typeface="Menlo" charset="0"/>
+                <a:cs typeface="Menlo" charset="0"/>
+              </a:rPr>
+              <a:t> </a:t>
+            </a:r>
+            <a:r>
+              <a:rPr lang="en-US" dirty="0" err="1">
+                <a:solidFill>
+                  <a:srgbClr val="FFC66D"/>
+                </a:solidFill>
+                <a:latin typeface="Menlo" charset="0"/>
+                <a:ea typeface="Menlo" charset="0"/>
+                <a:cs typeface="Menlo" charset="0"/>
+              </a:rPr>
+              <a:t>creating_session</a:t>
+            </a:r>
+            <a:r>
+              <a:rPr lang="en-US" dirty="0">
+                <a:latin typeface="Menlo" charset="0"/>
+                <a:ea typeface="Menlo" charset="0"/>
+                <a:cs typeface="Menlo" charset="0"/>
+              </a:rPr>
+              <a:t>(</a:t>
+            </a:r>
+            <a:r>
+              <a:rPr lang="en-US" dirty="0">
+                <a:solidFill>
+                  <a:srgbClr val="94558D"/>
+                </a:solidFill>
+                <a:latin typeface="Menlo" charset="0"/>
+                <a:ea typeface="Menlo" charset="0"/>
+                <a:cs typeface="Menlo" charset="0"/>
+              </a:rPr>
+              <a:t>self</a:t>
+            </a:r>
+            <a:r>
+              <a:rPr lang="en-US" dirty="0">
+                <a:latin typeface="Menlo" charset="0"/>
+                <a:ea typeface="Menlo" charset="0"/>
+                <a:cs typeface="Menlo" charset="0"/>
+              </a:rPr>
+              <a:t>):</a:t>
+            </a:r>
+            <a:br>
+              <a:rPr lang="en-US" dirty="0">
+                <a:latin typeface="Menlo" charset="0"/>
+                <a:ea typeface="Menlo" charset="0"/>
+                <a:cs typeface="Menlo" charset="0"/>
+              </a:rPr>
+            </a:br>
+            <a:r>
+              <a:rPr lang="en-US" dirty="0">
+                <a:latin typeface="Menlo" charset="0"/>
+                <a:ea typeface="Menlo" charset="0"/>
+                <a:cs typeface="Menlo" charset="0"/>
+              </a:rPr>
+              <a:t>        </a:t>
+            </a:r>
+            <a:r>
+              <a:rPr lang="en-US" dirty="0" err="1">
+                <a:latin typeface="Menlo" charset="0"/>
+                <a:ea typeface="Menlo" charset="0"/>
+                <a:cs typeface="Menlo" charset="0"/>
+              </a:rPr>
+              <a:t>hetero_endowment</a:t>
+            </a:r>
+            <a:r>
+              <a:rPr lang="en-US" dirty="0">
+                <a:latin typeface="Menlo" charset="0"/>
+                <a:ea typeface="Menlo" charset="0"/>
+                <a:cs typeface="Menlo" charset="0"/>
+              </a:rPr>
+              <a:t> = </a:t>
+            </a:r>
+            <a:r>
+              <a:rPr lang="en-US" dirty="0" err="1">
+                <a:solidFill>
+                  <a:srgbClr val="94558D"/>
+                </a:solidFill>
+                <a:latin typeface="Menlo" charset="0"/>
+                <a:ea typeface="Menlo" charset="0"/>
+                <a:cs typeface="Menlo" charset="0"/>
+              </a:rPr>
+              <a:t>self</a:t>
+            </a:r>
+            <a:r>
+              <a:rPr lang="en-US" dirty="0" err="1">
+                <a:latin typeface="Menlo" charset="0"/>
+                <a:ea typeface="Menlo" charset="0"/>
+                <a:cs typeface="Menlo" charset="0"/>
+              </a:rPr>
+              <a:t>.session.config</a:t>
+            </a:r>
+            <a:r>
+              <a:rPr lang="en-US" dirty="0">
+                <a:latin typeface="Menlo" charset="0"/>
+                <a:ea typeface="Menlo" charset="0"/>
+                <a:cs typeface="Menlo" charset="0"/>
+              </a:rPr>
+              <a:t>[</a:t>
+            </a:r>
+            <a:r>
+              <a:rPr lang="en-US" dirty="0">
+                <a:solidFill>
+                  <a:srgbClr val="6A8759"/>
+                </a:solidFill>
+                <a:latin typeface="Menlo" charset="0"/>
+                <a:ea typeface="Menlo" charset="0"/>
+                <a:cs typeface="Menlo" charset="0"/>
+              </a:rPr>
+              <a:t>'</a:t>
+            </a:r>
+            <a:r>
+              <a:rPr lang="en-US" dirty="0" err="1">
+                <a:solidFill>
+                  <a:srgbClr val="6A8759"/>
+                </a:solidFill>
+                <a:latin typeface="Menlo" charset="0"/>
+                <a:ea typeface="Menlo" charset="0"/>
+                <a:cs typeface="Menlo" charset="0"/>
+              </a:rPr>
+              <a:t>hetero_endowment</a:t>
+            </a:r>
+            <a:r>
+              <a:rPr lang="en-US" dirty="0">
+                <a:solidFill>
+                  <a:srgbClr val="6A8759"/>
+                </a:solidFill>
+                <a:latin typeface="Menlo" charset="0"/>
+                <a:ea typeface="Menlo" charset="0"/>
+                <a:cs typeface="Menlo" charset="0"/>
+              </a:rPr>
+              <a:t>'</a:t>
+            </a:r>
+            <a:r>
+              <a:rPr lang="en-US" dirty="0">
+                <a:latin typeface="Menlo" charset="0"/>
+                <a:ea typeface="Menlo" charset="0"/>
+                <a:cs typeface="Menlo" charset="0"/>
+              </a:rPr>
+              <a:t>]</a:t>
+            </a:r>
+            <a:br>
+              <a:rPr lang="en-US" dirty="0">
+                <a:latin typeface="Menlo" charset="0"/>
+                <a:ea typeface="Menlo" charset="0"/>
+                <a:cs typeface="Menlo" charset="0"/>
+              </a:rPr>
+            </a:br>
+            <a:r>
+              <a:rPr lang="en-US" dirty="0">
+                <a:latin typeface="Menlo" charset="0"/>
+                <a:ea typeface="Menlo" charset="0"/>
+                <a:cs typeface="Menlo" charset="0"/>
+              </a:rPr>
+              <a:t>        </a:t>
+            </a:r>
+            <a:r>
+              <a:rPr lang="en-US" dirty="0">
+                <a:solidFill>
+                  <a:srgbClr val="CC7832"/>
+                </a:solidFill>
+                <a:latin typeface="Menlo" charset="0"/>
+                <a:ea typeface="Menlo" charset="0"/>
+                <a:cs typeface="Menlo" charset="0"/>
+              </a:rPr>
+              <a:t>for </a:t>
+            </a:r>
+            <a:r>
+              <a:rPr lang="en-US" dirty="0">
+                <a:latin typeface="Menlo" charset="0"/>
+                <a:ea typeface="Menlo" charset="0"/>
+                <a:cs typeface="Menlo" charset="0"/>
+              </a:rPr>
+              <a:t>p </a:t>
+            </a:r>
+            <a:r>
+              <a:rPr lang="en-US" dirty="0">
+                <a:solidFill>
+                  <a:srgbClr val="CC7832"/>
+                </a:solidFill>
+                <a:latin typeface="Menlo" charset="0"/>
+                <a:ea typeface="Menlo" charset="0"/>
+                <a:cs typeface="Menlo" charset="0"/>
+              </a:rPr>
+              <a:t>in </a:t>
+            </a:r>
+            <a:r>
+              <a:rPr lang="en-US" dirty="0" err="1">
+                <a:solidFill>
+                  <a:srgbClr val="94558D"/>
+                </a:solidFill>
+                <a:latin typeface="Menlo" charset="0"/>
+                <a:ea typeface="Menlo" charset="0"/>
+                <a:cs typeface="Menlo" charset="0"/>
+              </a:rPr>
+              <a:t>self</a:t>
+            </a:r>
+            <a:r>
+              <a:rPr lang="en-US" dirty="0" err="1">
+                <a:latin typeface="Menlo" charset="0"/>
+                <a:ea typeface="Menlo" charset="0"/>
+                <a:cs typeface="Menlo" charset="0"/>
+              </a:rPr>
+              <a:t>.get_players</a:t>
+            </a:r>
+            <a:r>
+              <a:rPr lang="en-US" dirty="0">
+                <a:latin typeface="Menlo" charset="0"/>
+                <a:ea typeface="Menlo" charset="0"/>
+                <a:cs typeface="Menlo" charset="0"/>
+              </a:rPr>
+              <a:t>():</a:t>
+            </a:r>
+            <a:br>
+              <a:rPr lang="en-US" dirty="0">
+                <a:latin typeface="Menlo" charset="0"/>
+                <a:ea typeface="Menlo" charset="0"/>
+                <a:cs typeface="Menlo" charset="0"/>
+              </a:rPr>
+            </a:br>
+            <a:r>
+              <a:rPr lang="en-US" dirty="0">
+                <a:latin typeface="Menlo" charset="0"/>
+                <a:ea typeface="Menlo" charset="0"/>
+                <a:cs typeface="Menlo" charset="0"/>
+              </a:rPr>
+              <a:t>            </a:t>
+            </a:r>
+            <a:r>
+              <a:rPr lang="en-US" dirty="0">
+                <a:solidFill>
+                  <a:srgbClr val="CC7832"/>
+                </a:solidFill>
+                <a:latin typeface="Menlo" charset="0"/>
+                <a:ea typeface="Menlo" charset="0"/>
+                <a:cs typeface="Menlo" charset="0"/>
+              </a:rPr>
+              <a:t>if </a:t>
+            </a:r>
+            <a:r>
+              <a:rPr lang="en-US" dirty="0" err="1">
+                <a:latin typeface="Menlo" charset="0"/>
+                <a:ea typeface="Menlo" charset="0"/>
+                <a:cs typeface="Menlo" charset="0"/>
+              </a:rPr>
+              <a:t>hetero_endowment</a:t>
+            </a:r>
+            <a:r>
+              <a:rPr lang="en-US" dirty="0">
+                <a:latin typeface="Menlo" charset="0"/>
+                <a:ea typeface="Menlo" charset="0"/>
+                <a:cs typeface="Menlo" charset="0"/>
+              </a:rPr>
+              <a:t>:</a:t>
+            </a:r>
+            <a:br>
+              <a:rPr lang="en-US" dirty="0">
+                <a:latin typeface="Menlo" charset="0"/>
+                <a:ea typeface="Menlo" charset="0"/>
+                <a:cs typeface="Menlo" charset="0"/>
+              </a:rPr>
+            </a:br>
+            <a:r>
+              <a:rPr lang="en-US" dirty="0">
+                <a:latin typeface="Menlo" charset="0"/>
+                <a:ea typeface="Menlo" charset="0"/>
+                <a:cs typeface="Menlo" charset="0"/>
+              </a:rPr>
+              <a:t>                </a:t>
+            </a:r>
+            <a:r>
+              <a:rPr lang="en-US" dirty="0">
+                <a:solidFill>
+                  <a:srgbClr val="CC7832"/>
+                </a:solidFill>
+                <a:latin typeface="Menlo" charset="0"/>
+                <a:ea typeface="Menlo" charset="0"/>
+                <a:cs typeface="Menlo" charset="0"/>
+              </a:rPr>
+              <a:t>if </a:t>
+            </a:r>
+            <a:r>
+              <a:rPr lang="en-US" dirty="0" err="1">
+                <a:solidFill>
+                  <a:srgbClr val="94558D"/>
+                </a:solidFill>
+                <a:latin typeface="Menlo" charset="0"/>
+                <a:ea typeface="Menlo" charset="0"/>
+                <a:cs typeface="Menlo" charset="0"/>
+              </a:rPr>
+              <a:t>self</a:t>
+            </a:r>
+            <a:r>
+              <a:rPr lang="en-US" dirty="0" err="1">
+                <a:latin typeface="Menlo" charset="0"/>
+                <a:ea typeface="Menlo" charset="0"/>
+                <a:cs typeface="Menlo" charset="0"/>
+              </a:rPr>
+              <a:t>.round_number</a:t>
+            </a:r>
+            <a:r>
+              <a:rPr lang="en-US" dirty="0">
+                <a:latin typeface="Menlo" charset="0"/>
+                <a:ea typeface="Menlo" charset="0"/>
+                <a:cs typeface="Menlo" charset="0"/>
+              </a:rPr>
+              <a:t> == </a:t>
+            </a:r>
+            <a:r>
+              <a:rPr lang="en-US" dirty="0">
+                <a:solidFill>
+                  <a:srgbClr val="6897BB"/>
+                </a:solidFill>
+                <a:latin typeface="Menlo" charset="0"/>
+                <a:ea typeface="Menlo" charset="0"/>
+                <a:cs typeface="Menlo" charset="0"/>
+              </a:rPr>
+              <a:t>1</a:t>
+            </a:r>
+            <a:r>
+              <a:rPr lang="en-US" dirty="0">
+                <a:latin typeface="Menlo" charset="0"/>
+                <a:ea typeface="Menlo" charset="0"/>
+                <a:cs typeface="Menlo" charset="0"/>
+              </a:rPr>
+              <a:t>:</a:t>
+            </a:r>
+            <a:br>
+              <a:rPr lang="en-US" dirty="0">
+                <a:latin typeface="Menlo" charset="0"/>
+                <a:ea typeface="Menlo" charset="0"/>
+                <a:cs typeface="Menlo" charset="0"/>
+              </a:rPr>
+            </a:br>
+            <a:r>
+              <a:rPr lang="en-US" dirty="0">
+                <a:latin typeface="Menlo" charset="0"/>
+                <a:ea typeface="Menlo" charset="0"/>
+                <a:cs typeface="Menlo" charset="0"/>
+              </a:rPr>
+              <a:t>                    </a:t>
+            </a:r>
+            <a:r>
+              <a:rPr lang="en-US" dirty="0" err="1">
+                <a:latin typeface="Menlo" charset="0"/>
+                <a:ea typeface="Menlo" charset="0"/>
+                <a:cs typeface="Menlo" charset="0"/>
+              </a:rPr>
+              <a:t>p.endowment</a:t>
+            </a:r>
+            <a:r>
+              <a:rPr lang="en-US" dirty="0">
+                <a:latin typeface="Menlo" charset="0"/>
+                <a:ea typeface="Menlo" charset="0"/>
+                <a:cs typeface="Menlo" charset="0"/>
+              </a:rPr>
+              <a:t> = </a:t>
+            </a:r>
+            <a:r>
+              <a:rPr lang="en-US" dirty="0" err="1">
+                <a:latin typeface="Menlo" charset="0"/>
+                <a:ea typeface="Menlo" charset="0"/>
+                <a:cs typeface="Menlo" charset="0"/>
+              </a:rPr>
+              <a:t>random.randint</a:t>
+            </a:r>
+            <a:r>
+              <a:rPr lang="en-US" dirty="0">
+                <a:latin typeface="Menlo" charset="0"/>
+                <a:ea typeface="Menlo" charset="0"/>
+                <a:cs typeface="Menlo" charset="0"/>
+              </a:rPr>
+              <a:t>(</a:t>
+            </a:r>
+            <a:r>
+              <a:rPr lang="en-US" dirty="0" err="1">
+                <a:latin typeface="Menlo" charset="0"/>
+                <a:ea typeface="Menlo" charset="0"/>
+                <a:cs typeface="Menlo" charset="0"/>
+              </a:rPr>
+              <a:t>Constants.lb</a:t>
+            </a:r>
+            <a:r>
+              <a:rPr lang="en-US" dirty="0">
+                <a:solidFill>
+                  <a:srgbClr val="CC7832"/>
+                </a:solidFill>
+                <a:latin typeface="Menlo" charset="0"/>
+                <a:ea typeface="Menlo" charset="0"/>
+                <a:cs typeface="Menlo" charset="0"/>
+              </a:rPr>
+              <a:t>, </a:t>
+            </a:r>
+            <a:r>
+              <a:rPr lang="en-US" dirty="0" err="1">
+                <a:latin typeface="Menlo" charset="0"/>
+                <a:ea typeface="Menlo" charset="0"/>
+                <a:cs typeface="Menlo" charset="0"/>
+              </a:rPr>
+              <a:t>Constants.ub</a:t>
+            </a:r>
+            <a:r>
+              <a:rPr lang="en-US" dirty="0">
+                <a:latin typeface="Menlo" charset="0"/>
+                <a:ea typeface="Menlo" charset="0"/>
+                <a:cs typeface="Menlo" charset="0"/>
+              </a:rPr>
+              <a:t>)</a:t>
+            </a:r>
+            <a:br>
+              <a:rPr lang="en-US" dirty="0">
+                <a:latin typeface="Menlo" charset="0"/>
+                <a:ea typeface="Menlo" charset="0"/>
+                <a:cs typeface="Menlo" charset="0"/>
+              </a:rPr>
+            </a:br>
+            <a:r>
+              <a:rPr lang="en-US" dirty="0">
+                <a:latin typeface="Menlo" charset="0"/>
+                <a:ea typeface="Menlo" charset="0"/>
+                <a:cs typeface="Menlo" charset="0"/>
+              </a:rPr>
+              <a:t>                </a:t>
+            </a:r>
+            <a:r>
+              <a:rPr lang="en-US" dirty="0">
+                <a:solidFill>
+                  <a:srgbClr val="CC7832"/>
+                </a:solidFill>
+                <a:latin typeface="Menlo" charset="0"/>
+                <a:ea typeface="Menlo" charset="0"/>
+                <a:cs typeface="Menlo" charset="0"/>
+              </a:rPr>
+              <a:t>else</a:t>
+            </a:r>
+            <a:r>
+              <a:rPr lang="en-US" dirty="0">
+                <a:latin typeface="Menlo" charset="0"/>
+                <a:ea typeface="Menlo" charset="0"/>
+                <a:cs typeface="Menlo" charset="0"/>
+              </a:rPr>
+              <a:t>:</a:t>
+            </a:r>
+            <a:br>
+              <a:rPr lang="en-US" dirty="0">
+                <a:latin typeface="Menlo" charset="0"/>
+                <a:ea typeface="Menlo" charset="0"/>
+                <a:cs typeface="Menlo" charset="0"/>
+              </a:rPr>
+            </a:br>
+            <a:r>
+              <a:rPr lang="en-US" dirty="0">
+                <a:latin typeface="Menlo" charset="0"/>
+                <a:ea typeface="Menlo" charset="0"/>
+                <a:cs typeface="Menlo" charset="0"/>
+              </a:rPr>
+              <a:t>                    </a:t>
+            </a:r>
+            <a:r>
+              <a:rPr lang="en-US" dirty="0" err="1">
+                <a:latin typeface="Menlo" charset="0"/>
+                <a:ea typeface="Menlo" charset="0"/>
+                <a:cs typeface="Menlo" charset="0"/>
+              </a:rPr>
+              <a:t>p.endowment</a:t>
+            </a:r>
+            <a:r>
+              <a:rPr lang="en-US" dirty="0">
+                <a:latin typeface="Menlo" charset="0"/>
+                <a:ea typeface="Menlo" charset="0"/>
+                <a:cs typeface="Menlo" charset="0"/>
+              </a:rPr>
+              <a:t> = </a:t>
+            </a:r>
+            <a:r>
+              <a:rPr lang="en-US" dirty="0" err="1">
+                <a:latin typeface="Menlo" charset="0"/>
+                <a:ea typeface="Menlo" charset="0"/>
+                <a:cs typeface="Menlo" charset="0"/>
+              </a:rPr>
+              <a:t>p.in_round</a:t>
+            </a:r>
+            <a:r>
+              <a:rPr lang="en-US" dirty="0">
+                <a:latin typeface="Menlo" charset="0"/>
+                <a:ea typeface="Menlo" charset="0"/>
+                <a:cs typeface="Menlo" charset="0"/>
+              </a:rPr>
+              <a:t>(</a:t>
+            </a:r>
+            <a:r>
+              <a:rPr lang="en-US" dirty="0">
+                <a:solidFill>
+                  <a:srgbClr val="6897BB"/>
+                </a:solidFill>
+                <a:latin typeface="Menlo" charset="0"/>
+                <a:ea typeface="Menlo" charset="0"/>
+                <a:cs typeface="Menlo" charset="0"/>
+              </a:rPr>
+              <a:t>1</a:t>
+            </a:r>
+            <a:r>
+              <a:rPr lang="en-US" dirty="0">
+                <a:latin typeface="Menlo" charset="0"/>
+                <a:ea typeface="Menlo" charset="0"/>
+                <a:cs typeface="Menlo" charset="0"/>
+              </a:rPr>
+              <a:t>).endowment</a:t>
+            </a:r>
+            <a:br>
+              <a:rPr lang="en-US" dirty="0">
+                <a:latin typeface="Menlo" charset="0"/>
+                <a:ea typeface="Menlo" charset="0"/>
+                <a:cs typeface="Menlo" charset="0"/>
+              </a:rPr>
+            </a:br>
+            <a:r>
+              <a:rPr lang="en-US" dirty="0">
+                <a:latin typeface="Menlo" charset="0"/>
+                <a:ea typeface="Menlo" charset="0"/>
+                <a:cs typeface="Menlo" charset="0"/>
+              </a:rPr>
+              <a:t>            </a:t>
+            </a:r>
+            <a:r>
+              <a:rPr lang="en-US" dirty="0">
+                <a:solidFill>
+                  <a:srgbClr val="CC7832"/>
+                </a:solidFill>
+                <a:latin typeface="Menlo" charset="0"/>
+                <a:ea typeface="Menlo" charset="0"/>
+                <a:cs typeface="Menlo" charset="0"/>
+              </a:rPr>
+              <a:t>else</a:t>
+            </a:r>
+            <a:r>
+              <a:rPr lang="en-US" dirty="0">
+                <a:latin typeface="Menlo" charset="0"/>
+                <a:ea typeface="Menlo" charset="0"/>
+                <a:cs typeface="Menlo" charset="0"/>
+              </a:rPr>
+              <a:t>:</a:t>
+            </a:r>
+            <a:br>
+              <a:rPr lang="en-US" dirty="0">
+                <a:latin typeface="Menlo" charset="0"/>
+                <a:ea typeface="Menlo" charset="0"/>
+                <a:cs typeface="Menlo" charset="0"/>
+              </a:rPr>
+            </a:br>
+            <a:r>
+              <a:rPr lang="en-US" dirty="0">
+                <a:latin typeface="Menlo" charset="0"/>
+                <a:ea typeface="Menlo" charset="0"/>
+                <a:cs typeface="Menlo" charset="0"/>
+              </a:rPr>
+              <a:t>                </a:t>
+            </a:r>
+            <a:r>
+              <a:rPr lang="en-US" dirty="0" err="1">
+                <a:latin typeface="Menlo" charset="0"/>
+                <a:ea typeface="Menlo" charset="0"/>
+                <a:cs typeface="Menlo" charset="0"/>
+              </a:rPr>
+              <a:t>p.endowment</a:t>
+            </a:r>
+            <a:r>
+              <a:rPr lang="en-US" dirty="0">
+                <a:latin typeface="Menlo" charset="0"/>
+                <a:ea typeface="Menlo" charset="0"/>
+                <a:cs typeface="Menlo" charset="0"/>
+              </a:rPr>
+              <a:t> = </a:t>
+            </a:r>
+            <a:r>
+              <a:rPr lang="en-US" dirty="0" err="1">
+                <a:latin typeface="Menlo" charset="0"/>
+                <a:ea typeface="Menlo" charset="0"/>
+                <a:cs typeface="Menlo" charset="0"/>
+              </a:rPr>
+              <a:t>Constants.endowment</a:t>
+            </a:r>
+            <a:r>
+              <a:rPr lang="en-US" dirty="0">
+                <a:latin typeface="Menlo" charset="0"/>
+                <a:ea typeface="Menlo" charset="0"/>
+                <a:cs typeface="Menlo" charset="0"/>
+              </a:rPr>
+              <a:t/>
+            </a:r>
+            <a:br>
+              <a:rPr lang="en-US" dirty="0">
+                <a:latin typeface="Menlo" charset="0"/>
+                <a:ea typeface="Menlo" charset="0"/>
+                <a:cs typeface="Menlo" charset="0"/>
+              </a:rPr>
+            </a:br>
+            <a:endParaRPr lang="en-US" dirty="0">
+              <a:latin typeface="Menlo" charset="0"/>
+              <a:ea typeface="Menlo" charset="0"/>
+              <a:cs typeface="Menlo" charset="0"/>
+            </a:endParaRPr>
+          </a:p>
+        </p:txBody>
+      </p:sp>
+    </p:spTree>
+    <p:extLst>
+      <p:ext uri="{BB962C8B-B14F-4D97-AF65-F5344CB8AC3E}">
+        <p14:creationId xmlns:p14="http://schemas.microsoft.com/office/powerpoint/2010/main" val="508612544"/>
       </p:ext>
     </p:extLst>
   </p:cSld>

--- a/presentations/frankfurt_july_2019 day3.pptx
+++ b/presentations/frankfurt_july_2019 day3.pptx
@@ -5,7 +5,7 @@
     <p:sldMasterId id="2147483648" r:id="rId1"/>
   </p:sldMasterIdLst>
   <p:notesMasterIdLst>
-    <p:notesMasterId r:id="rId12"/>
+    <p:notesMasterId r:id="rId15"/>
   </p:notesMasterIdLst>
   <p:sldIdLst>
     <p:sldId id="354" r:id="rId2"/>
@@ -15,9 +15,12 @@
     <p:sldId id="386" r:id="rId6"/>
     <p:sldId id="387" r:id="rId7"/>
     <p:sldId id="391" r:id="rId8"/>
-    <p:sldId id="388" r:id="rId9"/>
-    <p:sldId id="389" r:id="rId10"/>
-    <p:sldId id="390" r:id="rId11"/>
+    <p:sldId id="392" r:id="rId9"/>
+    <p:sldId id="393" r:id="rId10"/>
+    <p:sldId id="388" r:id="rId11"/>
+    <p:sldId id="389" r:id="rId12"/>
+    <p:sldId id="390" r:id="rId13"/>
+    <p:sldId id="394" r:id="rId14"/>
   </p:sldIdLst>
   <p:sldSz cx="12192000" cy="6858000"/>
   <p:notesSz cx="6858000" cy="9144000"/>
@@ -4194,6 +4197,1837 @@
         </p:nvSpPr>
         <p:spPr>
           <a:xfrm>
+            <a:off x="1810871" y="2125158"/>
+            <a:ext cx="10506635" cy="3970318"/>
+          </a:xfrm>
+          <a:prstGeom prst="rect">
+            <a:avLst/>
+          </a:prstGeom>
+        </p:spPr>
+        <p:txBody>
+          <a:bodyPr wrap="square">
+            <a:spAutoFit/>
+          </a:bodyPr>
+          <a:lstStyle/>
+          <a:p>
+            <a:r>
+              <a:rPr lang="en-US" dirty="0">
+                <a:latin typeface="Menlo" charset="0"/>
+                <a:ea typeface="Menlo" charset="0"/>
+                <a:cs typeface="Menlo" charset="0"/>
+              </a:rPr>
+              <a:t>{</a:t>
+            </a:r>
+            <a:br>
+              <a:rPr lang="en-US" dirty="0">
+                <a:latin typeface="Menlo" charset="0"/>
+                <a:ea typeface="Menlo" charset="0"/>
+                <a:cs typeface="Menlo" charset="0"/>
+              </a:rPr>
+            </a:br>
+            <a:r>
+              <a:rPr lang="en-US" dirty="0">
+                <a:latin typeface="Menlo" charset="0"/>
+                <a:ea typeface="Menlo" charset="0"/>
+                <a:cs typeface="Menlo" charset="0"/>
+              </a:rPr>
+              <a:t>    </a:t>
+            </a:r>
+            <a:r>
+              <a:rPr lang="en-US" dirty="0">
+                <a:solidFill>
+                  <a:srgbClr val="6A8759"/>
+                </a:solidFill>
+                <a:latin typeface="Menlo" charset="0"/>
+                <a:ea typeface="Menlo" charset="0"/>
+                <a:cs typeface="Menlo" charset="0"/>
+              </a:rPr>
+              <a:t>'name'</a:t>
+            </a:r>
+            <a:r>
+              <a:rPr lang="en-US" dirty="0">
+                <a:latin typeface="Menlo" charset="0"/>
+                <a:ea typeface="Menlo" charset="0"/>
+                <a:cs typeface="Menlo" charset="0"/>
+              </a:rPr>
+              <a:t>: </a:t>
+            </a:r>
+            <a:r>
+              <a:rPr lang="en-US" dirty="0">
+                <a:solidFill>
+                  <a:srgbClr val="6A8759"/>
+                </a:solidFill>
+                <a:latin typeface="Menlo" charset="0"/>
+                <a:ea typeface="Menlo" charset="0"/>
+                <a:cs typeface="Menlo" charset="0"/>
+              </a:rPr>
+              <a:t>'</a:t>
+            </a:r>
+            <a:r>
+              <a:rPr lang="en-US" dirty="0" err="1">
+                <a:solidFill>
+                  <a:srgbClr val="6A8759"/>
+                </a:solidFill>
+                <a:latin typeface="Menlo" charset="0"/>
+                <a:ea typeface="Menlo" charset="0"/>
+                <a:cs typeface="Menlo" charset="0"/>
+              </a:rPr>
+              <a:t>pgg</a:t>
+            </a:r>
+            <a:r>
+              <a:rPr lang="en-US" dirty="0">
+                <a:solidFill>
+                  <a:srgbClr val="6A8759"/>
+                </a:solidFill>
+                <a:latin typeface="Menlo" charset="0"/>
+                <a:ea typeface="Menlo" charset="0"/>
+                <a:cs typeface="Menlo" charset="0"/>
+              </a:rPr>
+              <a:t>'</a:t>
+            </a:r>
+            <a:r>
+              <a:rPr lang="en-US" dirty="0">
+                <a:solidFill>
+                  <a:srgbClr val="CC7832"/>
+                </a:solidFill>
+                <a:latin typeface="Menlo" charset="0"/>
+                <a:ea typeface="Menlo" charset="0"/>
+                <a:cs typeface="Menlo" charset="0"/>
+              </a:rPr>
+              <a:t>,</a:t>
+            </a:r>
+            <a:br>
+              <a:rPr lang="en-US" dirty="0">
+                <a:solidFill>
+                  <a:srgbClr val="CC7832"/>
+                </a:solidFill>
+                <a:latin typeface="Menlo" charset="0"/>
+                <a:ea typeface="Menlo" charset="0"/>
+                <a:cs typeface="Menlo" charset="0"/>
+              </a:rPr>
+            </a:br>
+            <a:r>
+              <a:rPr lang="en-US" dirty="0">
+                <a:solidFill>
+                  <a:srgbClr val="CC7832"/>
+                </a:solidFill>
+                <a:latin typeface="Menlo" charset="0"/>
+                <a:ea typeface="Menlo" charset="0"/>
+                <a:cs typeface="Menlo" charset="0"/>
+              </a:rPr>
+              <a:t>    </a:t>
+            </a:r>
+            <a:r>
+              <a:rPr lang="en-US" dirty="0">
+                <a:solidFill>
+                  <a:srgbClr val="6A8759"/>
+                </a:solidFill>
+                <a:latin typeface="Menlo" charset="0"/>
+                <a:ea typeface="Menlo" charset="0"/>
+                <a:cs typeface="Menlo" charset="0"/>
+              </a:rPr>
+              <a:t>'</a:t>
+            </a:r>
+            <a:r>
+              <a:rPr lang="en-US" dirty="0" err="1">
+                <a:solidFill>
+                  <a:srgbClr val="6A8759"/>
+                </a:solidFill>
+                <a:latin typeface="Menlo" charset="0"/>
+                <a:ea typeface="Menlo" charset="0"/>
+                <a:cs typeface="Menlo" charset="0"/>
+              </a:rPr>
+              <a:t>display_name</a:t>
+            </a:r>
+            <a:r>
+              <a:rPr lang="en-US" dirty="0">
+                <a:solidFill>
+                  <a:srgbClr val="6A8759"/>
+                </a:solidFill>
+                <a:latin typeface="Menlo" charset="0"/>
+                <a:ea typeface="Menlo" charset="0"/>
+                <a:cs typeface="Menlo" charset="0"/>
+              </a:rPr>
+              <a:t>'</a:t>
+            </a:r>
+            <a:r>
+              <a:rPr lang="en-US" dirty="0">
+                <a:latin typeface="Menlo" charset="0"/>
+                <a:ea typeface="Menlo" charset="0"/>
+                <a:cs typeface="Menlo" charset="0"/>
+              </a:rPr>
+              <a:t>: </a:t>
+            </a:r>
+            <a:r>
+              <a:rPr lang="en-US" dirty="0">
+                <a:solidFill>
+                  <a:srgbClr val="6A8759"/>
+                </a:solidFill>
+                <a:latin typeface="Menlo" charset="0"/>
+                <a:ea typeface="Menlo" charset="0"/>
+                <a:cs typeface="Menlo" charset="0"/>
+              </a:rPr>
+              <a:t>"Public goods - fixed endowment"</a:t>
+            </a:r>
+            <a:r>
+              <a:rPr lang="en-US" dirty="0">
+                <a:solidFill>
+                  <a:srgbClr val="CC7832"/>
+                </a:solidFill>
+                <a:latin typeface="Menlo" charset="0"/>
+                <a:ea typeface="Menlo" charset="0"/>
+                <a:cs typeface="Menlo" charset="0"/>
+              </a:rPr>
+              <a:t>,</a:t>
+            </a:r>
+            <a:br>
+              <a:rPr lang="en-US" dirty="0">
+                <a:solidFill>
+                  <a:srgbClr val="CC7832"/>
+                </a:solidFill>
+                <a:latin typeface="Menlo" charset="0"/>
+                <a:ea typeface="Menlo" charset="0"/>
+                <a:cs typeface="Menlo" charset="0"/>
+              </a:rPr>
+            </a:br>
+            <a:r>
+              <a:rPr lang="en-US" dirty="0">
+                <a:solidFill>
+                  <a:srgbClr val="CC7832"/>
+                </a:solidFill>
+                <a:latin typeface="Menlo" charset="0"/>
+                <a:ea typeface="Menlo" charset="0"/>
+                <a:cs typeface="Menlo" charset="0"/>
+              </a:rPr>
+              <a:t>    </a:t>
+            </a:r>
+            <a:r>
+              <a:rPr lang="en-US" dirty="0">
+                <a:solidFill>
+                  <a:srgbClr val="6A8759"/>
+                </a:solidFill>
+                <a:latin typeface="Menlo" charset="0"/>
+                <a:ea typeface="Menlo" charset="0"/>
+                <a:cs typeface="Menlo" charset="0"/>
+              </a:rPr>
+              <a:t>'</a:t>
+            </a:r>
+            <a:r>
+              <a:rPr lang="en-US" dirty="0" err="1">
+                <a:solidFill>
+                  <a:srgbClr val="6A8759"/>
+                </a:solidFill>
+                <a:latin typeface="Menlo" charset="0"/>
+                <a:ea typeface="Menlo" charset="0"/>
+                <a:cs typeface="Menlo" charset="0"/>
+              </a:rPr>
+              <a:t>num_demo_participants</a:t>
+            </a:r>
+            <a:r>
+              <a:rPr lang="en-US" dirty="0">
+                <a:solidFill>
+                  <a:srgbClr val="6A8759"/>
+                </a:solidFill>
+                <a:latin typeface="Menlo" charset="0"/>
+                <a:ea typeface="Menlo" charset="0"/>
+                <a:cs typeface="Menlo" charset="0"/>
+              </a:rPr>
+              <a:t>'</a:t>
+            </a:r>
+            <a:r>
+              <a:rPr lang="en-US" dirty="0">
+                <a:latin typeface="Menlo" charset="0"/>
+                <a:ea typeface="Menlo" charset="0"/>
+                <a:cs typeface="Menlo" charset="0"/>
+              </a:rPr>
+              <a:t>: </a:t>
+            </a:r>
+            <a:r>
+              <a:rPr lang="en-US" dirty="0">
+                <a:solidFill>
+                  <a:srgbClr val="6897BB"/>
+                </a:solidFill>
+                <a:latin typeface="Menlo" charset="0"/>
+                <a:ea typeface="Menlo" charset="0"/>
+                <a:cs typeface="Menlo" charset="0"/>
+              </a:rPr>
+              <a:t>3</a:t>
+            </a:r>
+            <a:r>
+              <a:rPr lang="en-US" dirty="0">
+                <a:solidFill>
+                  <a:srgbClr val="CC7832"/>
+                </a:solidFill>
+                <a:latin typeface="Menlo" charset="0"/>
+                <a:ea typeface="Menlo" charset="0"/>
+                <a:cs typeface="Menlo" charset="0"/>
+              </a:rPr>
+              <a:t>,</a:t>
+            </a:r>
+            <a:br>
+              <a:rPr lang="en-US" dirty="0">
+                <a:solidFill>
+                  <a:srgbClr val="CC7832"/>
+                </a:solidFill>
+                <a:latin typeface="Menlo" charset="0"/>
+                <a:ea typeface="Menlo" charset="0"/>
+                <a:cs typeface="Menlo" charset="0"/>
+              </a:rPr>
+            </a:br>
+            <a:r>
+              <a:rPr lang="en-US" dirty="0">
+                <a:solidFill>
+                  <a:srgbClr val="CC7832"/>
+                </a:solidFill>
+                <a:latin typeface="Menlo" charset="0"/>
+                <a:ea typeface="Menlo" charset="0"/>
+                <a:cs typeface="Menlo" charset="0"/>
+              </a:rPr>
+              <a:t>    </a:t>
+            </a:r>
+            <a:r>
+              <a:rPr lang="en-US" dirty="0">
+                <a:solidFill>
+                  <a:srgbClr val="6A8759"/>
+                </a:solidFill>
+                <a:latin typeface="Menlo" charset="0"/>
+                <a:ea typeface="Menlo" charset="0"/>
+                <a:cs typeface="Menlo" charset="0"/>
+              </a:rPr>
+              <a:t>'</a:t>
+            </a:r>
+            <a:r>
+              <a:rPr lang="en-US" dirty="0" err="1">
+                <a:solidFill>
+                  <a:srgbClr val="6A8759"/>
+                </a:solidFill>
+                <a:latin typeface="Menlo" charset="0"/>
+                <a:ea typeface="Menlo" charset="0"/>
+                <a:cs typeface="Menlo" charset="0"/>
+              </a:rPr>
+              <a:t>app_sequence</a:t>
+            </a:r>
+            <a:r>
+              <a:rPr lang="en-US" dirty="0">
+                <a:solidFill>
+                  <a:srgbClr val="6A8759"/>
+                </a:solidFill>
+                <a:latin typeface="Menlo" charset="0"/>
+                <a:ea typeface="Menlo" charset="0"/>
+                <a:cs typeface="Menlo" charset="0"/>
+              </a:rPr>
+              <a:t>'</a:t>
+            </a:r>
+            <a:r>
+              <a:rPr lang="en-US" dirty="0">
+                <a:latin typeface="Menlo" charset="0"/>
+                <a:ea typeface="Menlo" charset="0"/>
+                <a:cs typeface="Menlo" charset="0"/>
+              </a:rPr>
+              <a:t>: [</a:t>
+            </a:r>
+            <a:r>
+              <a:rPr lang="en-US" dirty="0">
+                <a:solidFill>
+                  <a:srgbClr val="6A8759"/>
+                </a:solidFill>
+                <a:latin typeface="Menlo" charset="0"/>
+                <a:ea typeface="Menlo" charset="0"/>
+                <a:cs typeface="Menlo" charset="0"/>
+              </a:rPr>
+              <a:t>'</a:t>
+            </a:r>
+            <a:r>
+              <a:rPr lang="en-US" dirty="0" err="1">
+                <a:solidFill>
+                  <a:srgbClr val="6A8759"/>
+                </a:solidFill>
+                <a:latin typeface="Menlo" charset="0"/>
+                <a:ea typeface="Menlo" charset="0"/>
+                <a:cs typeface="Menlo" charset="0"/>
+              </a:rPr>
+              <a:t>pgg</a:t>
+            </a:r>
+            <a:r>
+              <a:rPr lang="en-US" dirty="0">
+                <a:solidFill>
+                  <a:srgbClr val="6A8759"/>
+                </a:solidFill>
+                <a:latin typeface="Menlo" charset="0"/>
+                <a:ea typeface="Menlo" charset="0"/>
+                <a:cs typeface="Menlo" charset="0"/>
+              </a:rPr>
+              <a:t>'</a:t>
+            </a:r>
+            <a:r>
+              <a:rPr lang="en-US" dirty="0">
+                <a:latin typeface="Menlo" charset="0"/>
+                <a:ea typeface="Menlo" charset="0"/>
+                <a:cs typeface="Menlo" charset="0"/>
+              </a:rPr>
+              <a:t>]</a:t>
+            </a:r>
+            <a:r>
+              <a:rPr lang="en-US" dirty="0">
+                <a:solidFill>
+                  <a:srgbClr val="CC7832"/>
+                </a:solidFill>
+                <a:latin typeface="Menlo" charset="0"/>
+                <a:ea typeface="Menlo" charset="0"/>
+                <a:cs typeface="Menlo" charset="0"/>
+              </a:rPr>
+              <a:t>,</a:t>
+            </a:r>
+            <a:br>
+              <a:rPr lang="en-US" dirty="0">
+                <a:solidFill>
+                  <a:srgbClr val="CC7832"/>
+                </a:solidFill>
+                <a:latin typeface="Menlo" charset="0"/>
+                <a:ea typeface="Menlo" charset="0"/>
+                <a:cs typeface="Menlo" charset="0"/>
+              </a:rPr>
+            </a:br>
+            <a:r>
+              <a:rPr lang="en-US" dirty="0">
+                <a:solidFill>
+                  <a:srgbClr val="CC7832"/>
+                </a:solidFill>
+                <a:latin typeface="Menlo" charset="0"/>
+                <a:ea typeface="Menlo" charset="0"/>
+                <a:cs typeface="Menlo" charset="0"/>
+              </a:rPr>
+              <a:t>    </a:t>
+            </a:r>
+            <a:r>
+              <a:rPr lang="en-US" dirty="0">
+                <a:solidFill>
+                  <a:srgbClr val="6A8759"/>
+                </a:solidFill>
+                <a:latin typeface="Menlo" charset="0"/>
+                <a:ea typeface="Menlo" charset="0"/>
+                <a:cs typeface="Menlo" charset="0"/>
+              </a:rPr>
+              <a:t>'</a:t>
+            </a:r>
+            <a:r>
+              <a:rPr lang="en-US" dirty="0" err="1">
+                <a:solidFill>
+                  <a:srgbClr val="6A8759"/>
+                </a:solidFill>
+                <a:latin typeface="Menlo" charset="0"/>
+                <a:ea typeface="Menlo" charset="0"/>
+                <a:cs typeface="Menlo" charset="0"/>
+              </a:rPr>
+              <a:t>hetero_endowment</a:t>
+            </a:r>
+            <a:r>
+              <a:rPr lang="en-US" dirty="0">
+                <a:solidFill>
+                  <a:srgbClr val="6A8759"/>
+                </a:solidFill>
+                <a:latin typeface="Menlo" charset="0"/>
+                <a:ea typeface="Menlo" charset="0"/>
+                <a:cs typeface="Menlo" charset="0"/>
+              </a:rPr>
+              <a:t>'</a:t>
+            </a:r>
+            <a:r>
+              <a:rPr lang="en-US" dirty="0">
+                <a:latin typeface="Menlo" charset="0"/>
+                <a:ea typeface="Menlo" charset="0"/>
+                <a:cs typeface="Menlo" charset="0"/>
+              </a:rPr>
+              <a:t>: </a:t>
+            </a:r>
+            <a:r>
+              <a:rPr lang="en-US" dirty="0">
+                <a:solidFill>
+                  <a:srgbClr val="CC7832"/>
+                </a:solidFill>
+                <a:latin typeface="Menlo" charset="0"/>
+                <a:ea typeface="Menlo" charset="0"/>
+                <a:cs typeface="Menlo" charset="0"/>
+              </a:rPr>
+              <a:t>False,</a:t>
+            </a:r>
+            <a:br>
+              <a:rPr lang="en-US" dirty="0">
+                <a:solidFill>
+                  <a:srgbClr val="CC7832"/>
+                </a:solidFill>
+                <a:latin typeface="Menlo" charset="0"/>
+                <a:ea typeface="Menlo" charset="0"/>
+                <a:cs typeface="Menlo" charset="0"/>
+              </a:rPr>
+            </a:br>
+            <a:r>
+              <a:rPr lang="en-US" dirty="0">
+                <a:latin typeface="Menlo" charset="0"/>
+                <a:ea typeface="Menlo" charset="0"/>
+                <a:cs typeface="Menlo" charset="0"/>
+              </a:rPr>
+              <a:t>}</a:t>
+            </a:r>
+            <a:r>
+              <a:rPr lang="en-US" dirty="0">
+                <a:solidFill>
+                  <a:srgbClr val="CC7832"/>
+                </a:solidFill>
+                <a:latin typeface="Menlo" charset="0"/>
+                <a:ea typeface="Menlo" charset="0"/>
+                <a:cs typeface="Menlo" charset="0"/>
+              </a:rPr>
+              <a:t>,</a:t>
+            </a:r>
+            <a:br>
+              <a:rPr lang="en-US" dirty="0">
+                <a:solidFill>
+                  <a:srgbClr val="CC7832"/>
+                </a:solidFill>
+                <a:latin typeface="Menlo" charset="0"/>
+                <a:ea typeface="Menlo" charset="0"/>
+                <a:cs typeface="Menlo" charset="0"/>
+              </a:rPr>
+            </a:br>
+            <a:r>
+              <a:rPr lang="en-US" dirty="0">
+                <a:latin typeface="Menlo" charset="0"/>
+                <a:ea typeface="Menlo" charset="0"/>
+                <a:cs typeface="Menlo" charset="0"/>
+              </a:rPr>
+              <a:t>{</a:t>
+            </a:r>
+            <a:br>
+              <a:rPr lang="en-US" dirty="0">
+                <a:latin typeface="Menlo" charset="0"/>
+                <a:ea typeface="Menlo" charset="0"/>
+                <a:cs typeface="Menlo" charset="0"/>
+              </a:rPr>
+            </a:br>
+            <a:r>
+              <a:rPr lang="en-US" dirty="0">
+                <a:latin typeface="Menlo" charset="0"/>
+                <a:ea typeface="Menlo" charset="0"/>
+                <a:cs typeface="Menlo" charset="0"/>
+              </a:rPr>
+              <a:t>    </a:t>
+            </a:r>
+            <a:r>
+              <a:rPr lang="en-US" dirty="0">
+                <a:solidFill>
+                  <a:srgbClr val="6A8759"/>
+                </a:solidFill>
+                <a:latin typeface="Menlo" charset="0"/>
+                <a:ea typeface="Menlo" charset="0"/>
+                <a:cs typeface="Menlo" charset="0"/>
+              </a:rPr>
+              <a:t>'name'</a:t>
+            </a:r>
+            <a:r>
+              <a:rPr lang="en-US" dirty="0">
+                <a:latin typeface="Menlo" charset="0"/>
+                <a:ea typeface="Menlo" charset="0"/>
+                <a:cs typeface="Menlo" charset="0"/>
+              </a:rPr>
+              <a:t>: </a:t>
+            </a:r>
+            <a:r>
+              <a:rPr lang="en-US" dirty="0">
+                <a:solidFill>
+                  <a:srgbClr val="6A8759"/>
+                </a:solidFill>
+                <a:latin typeface="Menlo" charset="0"/>
+                <a:ea typeface="Menlo" charset="0"/>
+                <a:cs typeface="Menlo" charset="0"/>
+              </a:rPr>
+              <a:t>'</a:t>
+            </a:r>
+            <a:r>
+              <a:rPr lang="en-US" dirty="0" err="1">
+                <a:solidFill>
+                  <a:srgbClr val="6A8759"/>
+                </a:solidFill>
+                <a:latin typeface="Menlo" charset="0"/>
+                <a:ea typeface="Menlo" charset="0"/>
+                <a:cs typeface="Menlo" charset="0"/>
+              </a:rPr>
+              <a:t>pgghetero</a:t>
+            </a:r>
+            <a:r>
+              <a:rPr lang="en-US" dirty="0">
+                <a:solidFill>
+                  <a:srgbClr val="6A8759"/>
+                </a:solidFill>
+                <a:latin typeface="Menlo" charset="0"/>
+                <a:ea typeface="Menlo" charset="0"/>
+                <a:cs typeface="Menlo" charset="0"/>
+              </a:rPr>
+              <a:t>'</a:t>
+            </a:r>
+            <a:r>
+              <a:rPr lang="en-US" dirty="0">
+                <a:solidFill>
+                  <a:srgbClr val="CC7832"/>
+                </a:solidFill>
+                <a:latin typeface="Menlo" charset="0"/>
+                <a:ea typeface="Menlo" charset="0"/>
+                <a:cs typeface="Menlo" charset="0"/>
+              </a:rPr>
+              <a:t>,</a:t>
+            </a:r>
+            <a:br>
+              <a:rPr lang="en-US" dirty="0">
+                <a:solidFill>
+                  <a:srgbClr val="CC7832"/>
+                </a:solidFill>
+                <a:latin typeface="Menlo" charset="0"/>
+                <a:ea typeface="Menlo" charset="0"/>
+                <a:cs typeface="Menlo" charset="0"/>
+              </a:rPr>
+            </a:br>
+            <a:r>
+              <a:rPr lang="en-US" dirty="0">
+                <a:solidFill>
+                  <a:srgbClr val="CC7832"/>
+                </a:solidFill>
+                <a:latin typeface="Menlo" charset="0"/>
+                <a:ea typeface="Menlo" charset="0"/>
+                <a:cs typeface="Menlo" charset="0"/>
+              </a:rPr>
+              <a:t>    </a:t>
+            </a:r>
+            <a:r>
+              <a:rPr lang="en-US" dirty="0">
+                <a:solidFill>
+                  <a:srgbClr val="6A8759"/>
+                </a:solidFill>
+                <a:latin typeface="Menlo" charset="0"/>
+                <a:ea typeface="Menlo" charset="0"/>
+                <a:cs typeface="Menlo" charset="0"/>
+              </a:rPr>
+              <a:t>'</a:t>
+            </a:r>
+            <a:r>
+              <a:rPr lang="en-US" dirty="0" err="1">
+                <a:solidFill>
+                  <a:srgbClr val="6A8759"/>
+                </a:solidFill>
+                <a:latin typeface="Menlo" charset="0"/>
+                <a:ea typeface="Menlo" charset="0"/>
+                <a:cs typeface="Menlo" charset="0"/>
+              </a:rPr>
+              <a:t>display_name</a:t>
+            </a:r>
+            <a:r>
+              <a:rPr lang="en-US" dirty="0">
+                <a:solidFill>
+                  <a:srgbClr val="6A8759"/>
+                </a:solidFill>
+                <a:latin typeface="Menlo" charset="0"/>
+                <a:ea typeface="Menlo" charset="0"/>
+                <a:cs typeface="Menlo" charset="0"/>
+              </a:rPr>
+              <a:t>'</a:t>
+            </a:r>
+            <a:r>
+              <a:rPr lang="en-US" dirty="0">
+                <a:latin typeface="Menlo" charset="0"/>
+                <a:ea typeface="Menlo" charset="0"/>
+                <a:cs typeface="Menlo" charset="0"/>
+              </a:rPr>
+              <a:t>: </a:t>
+            </a:r>
+            <a:r>
+              <a:rPr lang="en-US" dirty="0">
+                <a:solidFill>
+                  <a:srgbClr val="6A8759"/>
+                </a:solidFill>
+                <a:latin typeface="Menlo" charset="0"/>
+                <a:ea typeface="Menlo" charset="0"/>
+                <a:cs typeface="Menlo" charset="0"/>
+              </a:rPr>
+              <a:t>"Public goods - random endowment"</a:t>
+            </a:r>
+            <a:r>
+              <a:rPr lang="en-US" dirty="0">
+                <a:solidFill>
+                  <a:srgbClr val="CC7832"/>
+                </a:solidFill>
+                <a:latin typeface="Menlo" charset="0"/>
+                <a:ea typeface="Menlo" charset="0"/>
+                <a:cs typeface="Menlo" charset="0"/>
+              </a:rPr>
+              <a:t>,</a:t>
+            </a:r>
+            <a:br>
+              <a:rPr lang="en-US" dirty="0">
+                <a:solidFill>
+                  <a:srgbClr val="CC7832"/>
+                </a:solidFill>
+                <a:latin typeface="Menlo" charset="0"/>
+                <a:ea typeface="Menlo" charset="0"/>
+                <a:cs typeface="Menlo" charset="0"/>
+              </a:rPr>
+            </a:br>
+            <a:r>
+              <a:rPr lang="en-US" dirty="0">
+                <a:solidFill>
+                  <a:srgbClr val="CC7832"/>
+                </a:solidFill>
+                <a:latin typeface="Menlo" charset="0"/>
+                <a:ea typeface="Menlo" charset="0"/>
+                <a:cs typeface="Menlo" charset="0"/>
+              </a:rPr>
+              <a:t>    </a:t>
+            </a:r>
+            <a:r>
+              <a:rPr lang="en-US" dirty="0">
+                <a:solidFill>
+                  <a:srgbClr val="6A8759"/>
+                </a:solidFill>
+                <a:latin typeface="Menlo" charset="0"/>
+                <a:ea typeface="Menlo" charset="0"/>
+                <a:cs typeface="Menlo" charset="0"/>
+              </a:rPr>
+              <a:t>'</a:t>
+            </a:r>
+            <a:r>
+              <a:rPr lang="en-US" dirty="0" err="1">
+                <a:solidFill>
+                  <a:srgbClr val="6A8759"/>
+                </a:solidFill>
+                <a:latin typeface="Menlo" charset="0"/>
+                <a:ea typeface="Menlo" charset="0"/>
+                <a:cs typeface="Menlo" charset="0"/>
+              </a:rPr>
+              <a:t>num_demo_participants</a:t>
+            </a:r>
+            <a:r>
+              <a:rPr lang="en-US" dirty="0">
+                <a:solidFill>
+                  <a:srgbClr val="6A8759"/>
+                </a:solidFill>
+                <a:latin typeface="Menlo" charset="0"/>
+                <a:ea typeface="Menlo" charset="0"/>
+                <a:cs typeface="Menlo" charset="0"/>
+              </a:rPr>
+              <a:t>'</a:t>
+            </a:r>
+            <a:r>
+              <a:rPr lang="en-US" dirty="0">
+                <a:latin typeface="Menlo" charset="0"/>
+                <a:ea typeface="Menlo" charset="0"/>
+                <a:cs typeface="Menlo" charset="0"/>
+              </a:rPr>
+              <a:t>: </a:t>
+            </a:r>
+            <a:r>
+              <a:rPr lang="en-US" dirty="0">
+                <a:solidFill>
+                  <a:srgbClr val="6897BB"/>
+                </a:solidFill>
+                <a:latin typeface="Menlo" charset="0"/>
+                <a:ea typeface="Menlo" charset="0"/>
+                <a:cs typeface="Menlo" charset="0"/>
+              </a:rPr>
+              <a:t>3</a:t>
+            </a:r>
+            <a:r>
+              <a:rPr lang="en-US" dirty="0">
+                <a:solidFill>
+                  <a:srgbClr val="CC7832"/>
+                </a:solidFill>
+                <a:latin typeface="Menlo" charset="0"/>
+                <a:ea typeface="Menlo" charset="0"/>
+                <a:cs typeface="Menlo" charset="0"/>
+              </a:rPr>
+              <a:t>,</a:t>
+            </a:r>
+            <a:br>
+              <a:rPr lang="en-US" dirty="0">
+                <a:solidFill>
+                  <a:srgbClr val="CC7832"/>
+                </a:solidFill>
+                <a:latin typeface="Menlo" charset="0"/>
+                <a:ea typeface="Menlo" charset="0"/>
+                <a:cs typeface="Menlo" charset="0"/>
+              </a:rPr>
+            </a:br>
+            <a:r>
+              <a:rPr lang="en-US" dirty="0">
+                <a:solidFill>
+                  <a:srgbClr val="CC7832"/>
+                </a:solidFill>
+                <a:latin typeface="Menlo" charset="0"/>
+                <a:ea typeface="Menlo" charset="0"/>
+                <a:cs typeface="Menlo" charset="0"/>
+              </a:rPr>
+              <a:t>    </a:t>
+            </a:r>
+            <a:r>
+              <a:rPr lang="en-US" dirty="0">
+                <a:solidFill>
+                  <a:srgbClr val="6A8759"/>
+                </a:solidFill>
+                <a:latin typeface="Menlo" charset="0"/>
+                <a:ea typeface="Menlo" charset="0"/>
+                <a:cs typeface="Menlo" charset="0"/>
+              </a:rPr>
+              <a:t>'</a:t>
+            </a:r>
+            <a:r>
+              <a:rPr lang="en-US" dirty="0" err="1">
+                <a:solidFill>
+                  <a:srgbClr val="6A8759"/>
+                </a:solidFill>
+                <a:latin typeface="Menlo" charset="0"/>
+                <a:ea typeface="Menlo" charset="0"/>
+                <a:cs typeface="Menlo" charset="0"/>
+              </a:rPr>
+              <a:t>app_sequence</a:t>
+            </a:r>
+            <a:r>
+              <a:rPr lang="en-US" dirty="0">
+                <a:solidFill>
+                  <a:srgbClr val="6A8759"/>
+                </a:solidFill>
+                <a:latin typeface="Menlo" charset="0"/>
+                <a:ea typeface="Menlo" charset="0"/>
+                <a:cs typeface="Menlo" charset="0"/>
+              </a:rPr>
+              <a:t>'</a:t>
+            </a:r>
+            <a:r>
+              <a:rPr lang="en-US" dirty="0">
+                <a:latin typeface="Menlo" charset="0"/>
+                <a:ea typeface="Menlo" charset="0"/>
+                <a:cs typeface="Menlo" charset="0"/>
+              </a:rPr>
+              <a:t>: [</a:t>
+            </a:r>
+            <a:r>
+              <a:rPr lang="en-US" dirty="0">
+                <a:solidFill>
+                  <a:srgbClr val="6A8759"/>
+                </a:solidFill>
+                <a:latin typeface="Menlo" charset="0"/>
+                <a:ea typeface="Menlo" charset="0"/>
+                <a:cs typeface="Menlo" charset="0"/>
+              </a:rPr>
+              <a:t>'</a:t>
+            </a:r>
+            <a:r>
+              <a:rPr lang="en-US" dirty="0" err="1">
+                <a:solidFill>
+                  <a:srgbClr val="6A8759"/>
+                </a:solidFill>
+                <a:latin typeface="Menlo" charset="0"/>
+                <a:ea typeface="Menlo" charset="0"/>
+                <a:cs typeface="Menlo" charset="0"/>
+              </a:rPr>
+              <a:t>pgg</a:t>
+            </a:r>
+            <a:r>
+              <a:rPr lang="en-US" dirty="0">
+                <a:solidFill>
+                  <a:srgbClr val="6A8759"/>
+                </a:solidFill>
+                <a:latin typeface="Menlo" charset="0"/>
+                <a:ea typeface="Menlo" charset="0"/>
+                <a:cs typeface="Menlo" charset="0"/>
+              </a:rPr>
+              <a:t>'</a:t>
+            </a:r>
+            <a:r>
+              <a:rPr lang="en-US" dirty="0">
+                <a:latin typeface="Menlo" charset="0"/>
+                <a:ea typeface="Menlo" charset="0"/>
+                <a:cs typeface="Menlo" charset="0"/>
+              </a:rPr>
+              <a:t>]</a:t>
+            </a:r>
+            <a:r>
+              <a:rPr lang="en-US" dirty="0">
+                <a:solidFill>
+                  <a:srgbClr val="CC7832"/>
+                </a:solidFill>
+                <a:latin typeface="Menlo" charset="0"/>
+                <a:ea typeface="Menlo" charset="0"/>
+                <a:cs typeface="Menlo" charset="0"/>
+              </a:rPr>
+              <a:t>,</a:t>
+            </a:r>
+            <a:br>
+              <a:rPr lang="en-US" dirty="0">
+                <a:solidFill>
+                  <a:srgbClr val="CC7832"/>
+                </a:solidFill>
+                <a:latin typeface="Menlo" charset="0"/>
+                <a:ea typeface="Menlo" charset="0"/>
+                <a:cs typeface="Menlo" charset="0"/>
+              </a:rPr>
+            </a:br>
+            <a:r>
+              <a:rPr lang="en-US" dirty="0">
+                <a:solidFill>
+                  <a:srgbClr val="CC7832"/>
+                </a:solidFill>
+                <a:latin typeface="Menlo" charset="0"/>
+                <a:ea typeface="Menlo" charset="0"/>
+                <a:cs typeface="Menlo" charset="0"/>
+              </a:rPr>
+              <a:t>    </a:t>
+            </a:r>
+            <a:r>
+              <a:rPr lang="en-US" dirty="0">
+                <a:solidFill>
+                  <a:srgbClr val="6A8759"/>
+                </a:solidFill>
+                <a:latin typeface="Menlo" charset="0"/>
+                <a:ea typeface="Menlo" charset="0"/>
+                <a:cs typeface="Menlo" charset="0"/>
+              </a:rPr>
+              <a:t>'</a:t>
+            </a:r>
+            <a:r>
+              <a:rPr lang="en-US" dirty="0" err="1">
+                <a:solidFill>
+                  <a:srgbClr val="6A8759"/>
+                </a:solidFill>
+                <a:latin typeface="Menlo" charset="0"/>
+                <a:ea typeface="Menlo" charset="0"/>
+                <a:cs typeface="Menlo" charset="0"/>
+              </a:rPr>
+              <a:t>hetero_endowment</a:t>
+            </a:r>
+            <a:r>
+              <a:rPr lang="en-US" dirty="0">
+                <a:solidFill>
+                  <a:srgbClr val="6A8759"/>
+                </a:solidFill>
+                <a:latin typeface="Menlo" charset="0"/>
+                <a:ea typeface="Menlo" charset="0"/>
+                <a:cs typeface="Menlo" charset="0"/>
+              </a:rPr>
+              <a:t>'</a:t>
+            </a:r>
+            <a:r>
+              <a:rPr lang="en-US" dirty="0">
+                <a:latin typeface="Menlo" charset="0"/>
+                <a:ea typeface="Menlo" charset="0"/>
+                <a:cs typeface="Menlo" charset="0"/>
+              </a:rPr>
+              <a:t>: </a:t>
+            </a:r>
+            <a:r>
+              <a:rPr lang="en-US" dirty="0">
+                <a:solidFill>
+                  <a:srgbClr val="CC7832"/>
+                </a:solidFill>
+                <a:latin typeface="Menlo" charset="0"/>
+                <a:ea typeface="Menlo" charset="0"/>
+                <a:cs typeface="Menlo" charset="0"/>
+              </a:rPr>
+              <a:t>True,</a:t>
+            </a:r>
+            <a:br>
+              <a:rPr lang="en-US" dirty="0">
+                <a:solidFill>
+                  <a:srgbClr val="CC7832"/>
+                </a:solidFill>
+                <a:latin typeface="Menlo" charset="0"/>
+                <a:ea typeface="Menlo" charset="0"/>
+                <a:cs typeface="Menlo" charset="0"/>
+              </a:rPr>
+            </a:br>
+            <a:r>
+              <a:rPr lang="en-US" dirty="0">
+                <a:latin typeface="Menlo" charset="0"/>
+                <a:ea typeface="Menlo" charset="0"/>
+                <a:cs typeface="Menlo" charset="0"/>
+              </a:rPr>
+              <a:t>}</a:t>
+            </a:r>
+            <a:r>
+              <a:rPr lang="en-US" dirty="0">
+                <a:solidFill>
+                  <a:srgbClr val="CC7832"/>
+                </a:solidFill>
+                <a:latin typeface="Menlo" charset="0"/>
+                <a:ea typeface="Menlo" charset="0"/>
+                <a:cs typeface="Menlo" charset="0"/>
+              </a:rPr>
+              <a:t>,</a:t>
+            </a:r>
+            <a:endParaRPr lang="en-US" dirty="0">
+              <a:latin typeface="Menlo" charset="0"/>
+              <a:ea typeface="Menlo" charset="0"/>
+              <a:cs typeface="Menlo" charset="0"/>
+            </a:endParaRPr>
+          </a:p>
+        </p:txBody>
+      </p:sp>
+    </p:spTree>
+    <p:extLst>
+      <p:ext uri="{BB962C8B-B14F-4D97-AF65-F5344CB8AC3E}">
+        <p14:creationId xmlns:p14="http://schemas.microsoft.com/office/powerpoint/2010/main" val="1886827519"/>
+      </p:ext>
+    </p:extLst>
+  </p:cSld>
+  <p:clrMapOvr>
+    <a:masterClrMapping/>
+  </p:clrMapOvr>
+  <p:timing>
+    <p:tnLst>
+      <p:par>
+        <p:cTn id="1" dur="indefinite" restart="never" nodeType="tmRoot"/>
+      </p:par>
+    </p:tnLst>
+  </p:timing>
+</p:sld>
+</file>
+
+<file path=ppt/slides/slide11.xml><?xml version="1.0" encoding="utf-8"?>
+<p:sld xmlns:a="http://schemas.openxmlformats.org/drawingml/2006/main" xmlns:r="http://schemas.openxmlformats.org/officeDocument/2006/relationships" xmlns:p="http://schemas.openxmlformats.org/presentationml/2006/main">
+  <p:cSld>
+    <p:spTree>
+      <p:nvGrpSpPr>
+        <p:cNvPr id="1" name=""/>
+        <p:cNvGrpSpPr/>
+        <p:nvPr/>
+      </p:nvGrpSpPr>
+      <p:grpSpPr>
+        <a:xfrm>
+          <a:off x="0" y="0"/>
+          <a:ext cx="0" cy="0"/>
+          <a:chOff x="0" y="0"/>
+          <a:chExt cx="0" cy="0"/>
+        </a:xfrm>
+      </p:grpSpPr>
+      <p:sp>
+        <p:nvSpPr>
+          <p:cNvPr id="2" name="Title 1"/>
+          <p:cNvSpPr>
+            <a:spLocks noGrp="1"/>
+          </p:cNvSpPr>
+          <p:nvPr>
+            <p:ph type="title"/>
+          </p:nvPr>
+        </p:nvSpPr>
+        <p:spPr/>
+        <p:txBody>
+          <a:bodyPr/>
+          <a:lstStyle/>
+          <a:p>
+            <a:r>
+              <a:rPr lang="en-US" dirty="0" smtClean="0"/>
+              <a:t>Treatments</a:t>
+            </a:r>
+            <a:endParaRPr lang="en-US" dirty="0"/>
+          </a:p>
+        </p:txBody>
+      </p:sp>
+      <p:sp>
+        <p:nvSpPr>
+          <p:cNvPr id="3" name="Rectangle 2"/>
+          <p:cNvSpPr/>
+          <p:nvPr/>
+        </p:nvSpPr>
+        <p:spPr>
+          <a:xfrm>
+            <a:off x="753035" y="1690689"/>
+            <a:ext cx="14146306" cy="3970318"/>
+          </a:xfrm>
+          <a:prstGeom prst="rect">
+            <a:avLst/>
+          </a:prstGeom>
+        </p:spPr>
+        <p:txBody>
+          <a:bodyPr wrap="square">
+            <a:spAutoFit/>
+          </a:bodyPr>
+          <a:lstStyle/>
+          <a:p>
+            <a:r>
+              <a:rPr lang="en-US" dirty="0">
+                <a:latin typeface="Menlo" charset="0"/>
+                <a:ea typeface="Menlo" charset="0"/>
+                <a:cs typeface="Menlo" charset="0"/>
+              </a:rPr>
+              <a:t/>
+            </a:r>
+            <a:br>
+              <a:rPr lang="en-US" dirty="0">
+                <a:latin typeface="Menlo" charset="0"/>
+                <a:ea typeface="Menlo" charset="0"/>
+                <a:cs typeface="Menlo" charset="0"/>
+              </a:rPr>
+            </a:br>
+            <a:r>
+              <a:rPr lang="en-US" dirty="0">
+                <a:latin typeface="Menlo" charset="0"/>
+                <a:ea typeface="Menlo" charset="0"/>
+                <a:cs typeface="Menlo" charset="0"/>
+              </a:rPr>
+              <a:t/>
+            </a:r>
+            <a:br>
+              <a:rPr lang="en-US" dirty="0">
+                <a:latin typeface="Menlo" charset="0"/>
+                <a:ea typeface="Menlo" charset="0"/>
+                <a:cs typeface="Menlo" charset="0"/>
+              </a:rPr>
+            </a:br>
+            <a:r>
+              <a:rPr lang="en-US" dirty="0">
+                <a:solidFill>
+                  <a:srgbClr val="CC7832"/>
+                </a:solidFill>
+                <a:latin typeface="Menlo" charset="0"/>
+                <a:ea typeface="Menlo" charset="0"/>
+                <a:cs typeface="Menlo" charset="0"/>
+              </a:rPr>
+              <a:t>class </a:t>
+            </a:r>
+            <a:r>
+              <a:rPr lang="en-US" dirty="0" err="1">
+                <a:latin typeface="Menlo" charset="0"/>
+                <a:ea typeface="Menlo" charset="0"/>
+                <a:cs typeface="Menlo" charset="0"/>
+              </a:rPr>
+              <a:t>Subsession</a:t>
+            </a:r>
+            <a:r>
+              <a:rPr lang="en-US" dirty="0">
+                <a:latin typeface="Menlo" charset="0"/>
+                <a:ea typeface="Menlo" charset="0"/>
+                <a:cs typeface="Menlo" charset="0"/>
+              </a:rPr>
+              <a:t>(</a:t>
+            </a:r>
+            <a:r>
+              <a:rPr lang="en-US" dirty="0" err="1">
+                <a:latin typeface="Menlo" charset="0"/>
+                <a:ea typeface="Menlo" charset="0"/>
+                <a:cs typeface="Menlo" charset="0"/>
+              </a:rPr>
+              <a:t>BaseSubsession</a:t>
+            </a:r>
+            <a:r>
+              <a:rPr lang="en-US" dirty="0">
+                <a:latin typeface="Menlo" charset="0"/>
+                <a:ea typeface="Menlo" charset="0"/>
+                <a:cs typeface="Menlo" charset="0"/>
+              </a:rPr>
+              <a:t>):</a:t>
+            </a:r>
+            <a:br>
+              <a:rPr lang="en-US" dirty="0">
+                <a:latin typeface="Menlo" charset="0"/>
+                <a:ea typeface="Menlo" charset="0"/>
+                <a:cs typeface="Menlo" charset="0"/>
+              </a:rPr>
+            </a:br>
+            <a:r>
+              <a:rPr lang="en-US" dirty="0">
+                <a:latin typeface="Menlo" charset="0"/>
+                <a:ea typeface="Menlo" charset="0"/>
+                <a:cs typeface="Menlo" charset="0"/>
+              </a:rPr>
+              <a:t>    </a:t>
+            </a:r>
+            <a:r>
+              <a:rPr lang="en-US" dirty="0" err="1">
+                <a:solidFill>
+                  <a:srgbClr val="CC7832"/>
+                </a:solidFill>
+                <a:latin typeface="Menlo" charset="0"/>
+                <a:ea typeface="Menlo" charset="0"/>
+                <a:cs typeface="Menlo" charset="0"/>
+              </a:rPr>
+              <a:t>def</a:t>
+            </a:r>
+            <a:r>
+              <a:rPr lang="en-US" dirty="0">
+                <a:solidFill>
+                  <a:srgbClr val="CC7832"/>
+                </a:solidFill>
+                <a:latin typeface="Menlo" charset="0"/>
+                <a:ea typeface="Menlo" charset="0"/>
+                <a:cs typeface="Menlo" charset="0"/>
+              </a:rPr>
+              <a:t> </a:t>
+            </a:r>
+            <a:r>
+              <a:rPr lang="en-US" dirty="0" err="1">
+                <a:solidFill>
+                  <a:srgbClr val="FFC66D"/>
+                </a:solidFill>
+                <a:latin typeface="Menlo" charset="0"/>
+                <a:ea typeface="Menlo" charset="0"/>
+                <a:cs typeface="Menlo" charset="0"/>
+              </a:rPr>
+              <a:t>creating_session</a:t>
+            </a:r>
+            <a:r>
+              <a:rPr lang="en-US" dirty="0">
+                <a:latin typeface="Menlo" charset="0"/>
+                <a:ea typeface="Menlo" charset="0"/>
+                <a:cs typeface="Menlo" charset="0"/>
+              </a:rPr>
+              <a:t>(</a:t>
+            </a:r>
+            <a:r>
+              <a:rPr lang="en-US" dirty="0">
+                <a:solidFill>
+                  <a:srgbClr val="94558D"/>
+                </a:solidFill>
+                <a:latin typeface="Menlo" charset="0"/>
+                <a:ea typeface="Menlo" charset="0"/>
+                <a:cs typeface="Menlo" charset="0"/>
+              </a:rPr>
+              <a:t>self</a:t>
+            </a:r>
+            <a:r>
+              <a:rPr lang="en-US" dirty="0">
+                <a:latin typeface="Menlo" charset="0"/>
+                <a:ea typeface="Menlo" charset="0"/>
+                <a:cs typeface="Menlo" charset="0"/>
+              </a:rPr>
+              <a:t>):</a:t>
+            </a:r>
+            <a:br>
+              <a:rPr lang="en-US" dirty="0">
+                <a:latin typeface="Menlo" charset="0"/>
+                <a:ea typeface="Menlo" charset="0"/>
+                <a:cs typeface="Menlo" charset="0"/>
+              </a:rPr>
+            </a:br>
+            <a:r>
+              <a:rPr lang="en-US" dirty="0">
+                <a:latin typeface="Menlo" charset="0"/>
+                <a:ea typeface="Menlo" charset="0"/>
+                <a:cs typeface="Menlo" charset="0"/>
+              </a:rPr>
+              <a:t>        </a:t>
+            </a:r>
+            <a:r>
+              <a:rPr lang="en-US" dirty="0" err="1">
+                <a:latin typeface="Menlo" charset="0"/>
+                <a:ea typeface="Menlo" charset="0"/>
+                <a:cs typeface="Menlo" charset="0"/>
+              </a:rPr>
+              <a:t>hetero_endowment</a:t>
+            </a:r>
+            <a:r>
+              <a:rPr lang="en-US" dirty="0">
+                <a:latin typeface="Menlo" charset="0"/>
+                <a:ea typeface="Menlo" charset="0"/>
+                <a:cs typeface="Menlo" charset="0"/>
+              </a:rPr>
+              <a:t> = </a:t>
+            </a:r>
+            <a:r>
+              <a:rPr lang="en-US" dirty="0" err="1">
+                <a:solidFill>
+                  <a:srgbClr val="94558D"/>
+                </a:solidFill>
+                <a:latin typeface="Menlo" charset="0"/>
+                <a:ea typeface="Menlo" charset="0"/>
+                <a:cs typeface="Menlo" charset="0"/>
+              </a:rPr>
+              <a:t>self</a:t>
+            </a:r>
+            <a:r>
+              <a:rPr lang="en-US" dirty="0" err="1">
+                <a:latin typeface="Menlo" charset="0"/>
+                <a:ea typeface="Menlo" charset="0"/>
+                <a:cs typeface="Menlo" charset="0"/>
+              </a:rPr>
+              <a:t>.session.config</a:t>
+            </a:r>
+            <a:r>
+              <a:rPr lang="en-US" dirty="0">
+                <a:latin typeface="Menlo" charset="0"/>
+                <a:ea typeface="Menlo" charset="0"/>
+                <a:cs typeface="Menlo" charset="0"/>
+              </a:rPr>
+              <a:t>[</a:t>
+            </a:r>
+            <a:r>
+              <a:rPr lang="en-US" dirty="0">
+                <a:solidFill>
+                  <a:srgbClr val="6A8759"/>
+                </a:solidFill>
+                <a:latin typeface="Menlo" charset="0"/>
+                <a:ea typeface="Menlo" charset="0"/>
+                <a:cs typeface="Menlo" charset="0"/>
+              </a:rPr>
+              <a:t>'</a:t>
+            </a:r>
+            <a:r>
+              <a:rPr lang="en-US" dirty="0" err="1">
+                <a:solidFill>
+                  <a:srgbClr val="6A8759"/>
+                </a:solidFill>
+                <a:latin typeface="Menlo" charset="0"/>
+                <a:ea typeface="Menlo" charset="0"/>
+                <a:cs typeface="Menlo" charset="0"/>
+              </a:rPr>
+              <a:t>hetero_endowment</a:t>
+            </a:r>
+            <a:r>
+              <a:rPr lang="en-US" dirty="0">
+                <a:solidFill>
+                  <a:srgbClr val="6A8759"/>
+                </a:solidFill>
+                <a:latin typeface="Menlo" charset="0"/>
+                <a:ea typeface="Menlo" charset="0"/>
+                <a:cs typeface="Menlo" charset="0"/>
+              </a:rPr>
+              <a:t>'</a:t>
+            </a:r>
+            <a:r>
+              <a:rPr lang="en-US" dirty="0">
+                <a:latin typeface="Menlo" charset="0"/>
+                <a:ea typeface="Menlo" charset="0"/>
+                <a:cs typeface="Menlo" charset="0"/>
+              </a:rPr>
+              <a:t>]</a:t>
+            </a:r>
+            <a:br>
+              <a:rPr lang="en-US" dirty="0">
+                <a:latin typeface="Menlo" charset="0"/>
+                <a:ea typeface="Menlo" charset="0"/>
+                <a:cs typeface="Menlo" charset="0"/>
+              </a:rPr>
+            </a:br>
+            <a:r>
+              <a:rPr lang="en-US" dirty="0">
+                <a:latin typeface="Menlo" charset="0"/>
+                <a:ea typeface="Menlo" charset="0"/>
+                <a:cs typeface="Menlo" charset="0"/>
+              </a:rPr>
+              <a:t>        </a:t>
+            </a:r>
+            <a:r>
+              <a:rPr lang="en-US" dirty="0">
+                <a:solidFill>
+                  <a:srgbClr val="CC7832"/>
+                </a:solidFill>
+                <a:latin typeface="Menlo" charset="0"/>
+                <a:ea typeface="Menlo" charset="0"/>
+                <a:cs typeface="Menlo" charset="0"/>
+              </a:rPr>
+              <a:t>for </a:t>
+            </a:r>
+            <a:r>
+              <a:rPr lang="en-US" dirty="0">
+                <a:latin typeface="Menlo" charset="0"/>
+                <a:ea typeface="Menlo" charset="0"/>
+                <a:cs typeface="Menlo" charset="0"/>
+              </a:rPr>
+              <a:t>p </a:t>
+            </a:r>
+            <a:r>
+              <a:rPr lang="en-US" dirty="0">
+                <a:solidFill>
+                  <a:srgbClr val="CC7832"/>
+                </a:solidFill>
+                <a:latin typeface="Menlo" charset="0"/>
+                <a:ea typeface="Menlo" charset="0"/>
+                <a:cs typeface="Menlo" charset="0"/>
+              </a:rPr>
+              <a:t>in </a:t>
+            </a:r>
+            <a:r>
+              <a:rPr lang="en-US" dirty="0" err="1">
+                <a:solidFill>
+                  <a:srgbClr val="94558D"/>
+                </a:solidFill>
+                <a:latin typeface="Menlo" charset="0"/>
+                <a:ea typeface="Menlo" charset="0"/>
+                <a:cs typeface="Menlo" charset="0"/>
+              </a:rPr>
+              <a:t>self</a:t>
+            </a:r>
+            <a:r>
+              <a:rPr lang="en-US" dirty="0" err="1">
+                <a:latin typeface="Menlo" charset="0"/>
+                <a:ea typeface="Menlo" charset="0"/>
+                <a:cs typeface="Menlo" charset="0"/>
+              </a:rPr>
+              <a:t>.get_players</a:t>
+            </a:r>
+            <a:r>
+              <a:rPr lang="en-US" dirty="0">
+                <a:latin typeface="Menlo" charset="0"/>
+                <a:ea typeface="Menlo" charset="0"/>
+                <a:cs typeface="Menlo" charset="0"/>
+              </a:rPr>
+              <a:t>():</a:t>
+            </a:r>
+            <a:br>
+              <a:rPr lang="en-US" dirty="0">
+                <a:latin typeface="Menlo" charset="0"/>
+                <a:ea typeface="Menlo" charset="0"/>
+                <a:cs typeface="Menlo" charset="0"/>
+              </a:rPr>
+            </a:br>
+            <a:r>
+              <a:rPr lang="en-US" dirty="0">
+                <a:latin typeface="Menlo" charset="0"/>
+                <a:ea typeface="Menlo" charset="0"/>
+                <a:cs typeface="Menlo" charset="0"/>
+              </a:rPr>
+              <a:t>            </a:t>
+            </a:r>
+            <a:r>
+              <a:rPr lang="en-US" dirty="0">
+                <a:solidFill>
+                  <a:srgbClr val="CC7832"/>
+                </a:solidFill>
+                <a:latin typeface="Menlo" charset="0"/>
+                <a:ea typeface="Menlo" charset="0"/>
+                <a:cs typeface="Menlo" charset="0"/>
+              </a:rPr>
+              <a:t>if </a:t>
+            </a:r>
+            <a:r>
+              <a:rPr lang="en-US" dirty="0" err="1">
+                <a:latin typeface="Menlo" charset="0"/>
+                <a:ea typeface="Menlo" charset="0"/>
+                <a:cs typeface="Menlo" charset="0"/>
+              </a:rPr>
+              <a:t>hetero_endowment</a:t>
+            </a:r>
+            <a:r>
+              <a:rPr lang="en-US" dirty="0">
+                <a:latin typeface="Menlo" charset="0"/>
+                <a:ea typeface="Menlo" charset="0"/>
+                <a:cs typeface="Menlo" charset="0"/>
+              </a:rPr>
+              <a:t>:</a:t>
+            </a:r>
+            <a:br>
+              <a:rPr lang="en-US" dirty="0">
+                <a:latin typeface="Menlo" charset="0"/>
+                <a:ea typeface="Menlo" charset="0"/>
+                <a:cs typeface="Menlo" charset="0"/>
+              </a:rPr>
+            </a:br>
+            <a:r>
+              <a:rPr lang="en-US" dirty="0">
+                <a:latin typeface="Menlo" charset="0"/>
+                <a:ea typeface="Menlo" charset="0"/>
+                <a:cs typeface="Menlo" charset="0"/>
+              </a:rPr>
+              <a:t>                </a:t>
+            </a:r>
+            <a:r>
+              <a:rPr lang="en-US" dirty="0">
+                <a:solidFill>
+                  <a:srgbClr val="CC7832"/>
+                </a:solidFill>
+                <a:latin typeface="Menlo" charset="0"/>
+                <a:ea typeface="Menlo" charset="0"/>
+                <a:cs typeface="Menlo" charset="0"/>
+              </a:rPr>
+              <a:t>if </a:t>
+            </a:r>
+            <a:r>
+              <a:rPr lang="en-US" dirty="0" err="1">
+                <a:solidFill>
+                  <a:srgbClr val="94558D"/>
+                </a:solidFill>
+                <a:latin typeface="Menlo" charset="0"/>
+                <a:ea typeface="Menlo" charset="0"/>
+                <a:cs typeface="Menlo" charset="0"/>
+              </a:rPr>
+              <a:t>self</a:t>
+            </a:r>
+            <a:r>
+              <a:rPr lang="en-US" dirty="0" err="1">
+                <a:latin typeface="Menlo" charset="0"/>
+                <a:ea typeface="Menlo" charset="0"/>
+                <a:cs typeface="Menlo" charset="0"/>
+              </a:rPr>
+              <a:t>.round_number</a:t>
+            </a:r>
+            <a:r>
+              <a:rPr lang="en-US" dirty="0">
+                <a:latin typeface="Menlo" charset="0"/>
+                <a:ea typeface="Menlo" charset="0"/>
+                <a:cs typeface="Menlo" charset="0"/>
+              </a:rPr>
+              <a:t> == </a:t>
+            </a:r>
+            <a:r>
+              <a:rPr lang="en-US" dirty="0">
+                <a:solidFill>
+                  <a:srgbClr val="6897BB"/>
+                </a:solidFill>
+                <a:latin typeface="Menlo" charset="0"/>
+                <a:ea typeface="Menlo" charset="0"/>
+                <a:cs typeface="Menlo" charset="0"/>
+              </a:rPr>
+              <a:t>1</a:t>
+            </a:r>
+            <a:r>
+              <a:rPr lang="en-US" dirty="0">
+                <a:latin typeface="Menlo" charset="0"/>
+                <a:ea typeface="Menlo" charset="0"/>
+                <a:cs typeface="Menlo" charset="0"/>
+              </a:rPr>
+              <a:t>:</a:t>
+            </a:r>
+            <a:br>
+              <a:rPr lang="en-US" dirty="0">
+                <a:latin typeface="Menlo" charset="0"/>
+                <a:ea typeface="Menlo" charset="0"/>
+                <a:cs typeface="Menlo" charset="0"/>
+              </a:rPr>
+            </a:br>
+            <a:r>
+              <a:rPr lang="en-US" dirty="0">
+                <a:latin typeface="Menlo" charset="0"/>
+                <a:ea typeface="Menlo" charset="0"/>
+                <a:cs typeface="Menlo" charset="0"/>
+              </a:rPr>
+              <a:t>                    </a:t>
+            </a:r>
+            <a:r>
+              <a:rPr lang="en-US" dirty="0" err="1">
+                <a:latin typeface="Menlo" charset="0"/>
+                <a:ea typeface="Menlo" charset="0"/>
+                <a:cs typeface="Menlo" charset="0"/>
+              </a:rPr>
+              <a:t>p.endowment</a:t>
+            </a:r>
+            <a:r>
+              <a:rPr lang="en-US" dirty="0">
+                <a:latin typeface="Menlo" charset="0"/>
+                <a:ea typeface="Menlo" charset="0"/>
+                <a:cs typeface="Menlo" charset="0"/>
+              </a:rPr>
+              <a:t> = </a:t>
+            </a:r>
+            <a:r>
+              <a:rPr lang="en-US" dirty="0" err="1">
+                <a:latin typeface="Menlo" charset="0"/>
+                <a:ea typeface="Menlo" charset="0"/>
+                <a:cs typeface="Menlo" charset="0"/>
+              </a:rPr>
+              <a:t>random.randint</a:t>
+            </a:r>
+            <a:r>
+              <a:rPr lang="en-US" dirty="0">
+                <a:latin typeface="Menlo" charset="0"/>
+                <a:ea typeface="Menlo" charset="0"/>
+                <a:cs typeface="Menlo" charset="0"/>
+              </a:rPr>
+              <a:t>(</a:t>
+            </a:r>
+            <a:r>
+              <a:rPr lang="en-US" dirty="0" err="1">
+                <a:latin typeface="Menlo" charset="0"/>
+                <a:ea typeface="Menlo" charset="0"/>
+                <a:cs typeface="Menlo" charset="0"/>
+              </a:rPr>
+              <a:t>Constants.lb</a:t>
+            </a:r>
+            <a:r>
+              <a:rPr lang="en-US" dirty="0">
+                <a:solidFill>
+                  <a:srgbClr val="CC7832"/>
+                </a:solidFill>
+                <a:latin typeface="Menlo" charset="0"/>
+                <a:ea typeface="Menlo" charset="0"/>
+                <a:cs typeface="Menlo" charset="0"/>
+              </a:rPr>
+              <a:t>, </a:t>
+            </a:r>
+            <a:r>
+              <a:rPr lang="en-US" dirty="0" err="1">
+                <a:latin typeface="Menlo" charset="0"/>
+                <a:ea typeface="Menlo" charset="0"/>
+                <a:cs typeface="Menlo" charset="0"/>
+              </a:rPr>
+              <a:t>Constants.ub</a:t>
+            </a:r>
+            <a:r>
+              <a:rPr lang="en-US" dirty="0">
+                <a:latin typeface="Menlo" charset="0"/>
+                <a:ea typeface="Menlo" charset="0"/>
+                <a:cs typeface="Menlo" charset="0"/>
+              </a:rPr>
+              <a:t>)</a:t>
+            </a:r>
+            <a:br>
+              <a:rPr lang="en-US" dirty="0">
+                <a:latin typeface="Menlo" charset="0"/>
+                <a:ea typeface="Menlo" charset="0"/>
+                <a:cs typeface="Menlo" charset="0"/>
+              </a:rPr>
+            </a:br>
+            <a:r>
+              <a:rPr lang="en-US" dirty="0">
+                <a:latin typeface="Menlo" charset="0"/>
+                <a:ea typeface="Menlo" charset="0"/>
+                <a:cs typeface="Menlo" charset="0"/>
+              </a:rPr>
+              <a:t>                </a:t>
+            </a:r>
+            <a:r>
+              <a:rPr lang="en-US" dirty="0">
+                <a:solidFill>
+                  <a:srgbClr val="CC7832"/>
+                </a:solidFill>
+                <a:latin typeface="Menlo" charset="0"/>
+                <a:ea typeface="Menlo" charset="0"/>
+                <a:cs typeface="Menlo" charset="0"/>
+              </a:rPr>
+              <a:t>else</a:t>
+            </a:r>
+            <a:r>
+              <a:rPr lang="en-US" dirty="0">
+                <a:latin typeface="Menlo" charset="0"/>
+                <a:ea typeface="Menlo" charset="0"/>
+                <a:cs typeface="Menlo" charset="0"/>
+              </a:rPr>
+              <a:t>:</a:t>
+            </a:r>
+            <a:br>
+              <a:rPr lang="en-US" dirty="0">
+                <a:latin typeface="Menlo" charset="0"/>
+                <a:ea typeface="Menlo" charset="0"/>
+                <a:cs typeface="Menlo" charset="0"/>
+              </a:rPr>
+            </a:br>
+            <a:r>
+              <a:rPr lang="en-US" dirty="0">
+                <a:latin typeface="Menlo" charset="0"/>
+                <a:ea typeface="Menlo" charset="0"/>
+                <a:cs typeface="Menlo" charset="0"/>
+              </a:rPr>
+              <a:t>                    </a:t>
+            </a:r>
+            <a:r>
+              <a:rPr lang="en-US" dirty="0" err="1">
+                <a:latin typeface="Menlo" charset="0"/>
+                <a:ea typeface="Menlo" charset="0"/>
+                <a:cs typeface="Menlo" charset="0"/>
+              </a:rPr>
+              <a:t>p.endowment</a:t>
+            </a:r>
+            <a:r>
+              <a:rPr lang="en-US" dirty="0">
+                <a:latin typeface="Menlo" charset="0"/>
+                <a:ea typeface="Menlo" charset="0"/>
+                <a:cs typeface="Menlo" charset="0"/>
+              </a:rPr>
+              <a:t> = </a:t>
+            </a:r>
+            <a:r>
+              <a:rPr lang="en-US" dirty="0" err="1">
+                <a:latin typeface="Menlo" charset="0"/>
+                <a:ea typeface="Menlo" charset="0"/>
+                <a:cs typeface="Menlo" charset="0"/>
+              </a:rPr>
+              <a:t>p.in_round</a:t>
+            </a:r>
+            <a:r>
+              <a:rPr lang="en-US" dirty="0">
+                <a:latin typeface="Menlo" charset="0"/>
+                <a:ea typeface="Menlo" charset="0"/>
+                <a:cs typeface="Menlo" charset="0"/>
+              </a:rPr>
+              <a:t>(</a:t>
+            </a:r>
+            <a:r>
+              <a:rPr lang="en-US" dirty="0">
+                <a:solidFill>
+                  <a:srgbClr val="6897BB"/>
+                </a:solidFill>
+                <a:latin typeface="Menlo" charset="0"/>
+                <a:ea typeface="Menlo" charset="0"/>
+                <a:cs typeface="Menlo" charset="0"/>
+              </a:rPr>
+              <a:t>1</a:t>
+            </a:r>
+            <a:r>
+              <a:rPr lang="en-US" dirty="0">
+                <a:latin typeface="Menlo" charset="0"/>
+                <a:ea typeface="Menlo" charset="0"/>
+                <a:cs typeface="Menlo" charset="0"/>
+              </a:rPr>
+              <a:t>).endowment</a:t>
+            </a:r>
+            <a:br>
+              <a:rPr lang="en-US" dirty="0">
+                <a:latin typeface="Menlo" charset="0"/>
+                <a:ea typeface="Menlo" charset="0"/>
+                <a:cs typeface="Menlo" charset="0"/>
+              </a:rPr>
+            </a:br>
+            <a:r>
+              <a:rPr lang="en-US" dirty="0">
+                <a:latin typeface="Menlo" charset="0"/>
+                <a:ea typeface="Menlo" charset="0"/>
+                <a:cs typeface="Menlo" charset="0"/>
+              </a:rPr>
+              <a:t>            </a:t>
+            </a:r>
+            <a:r>
+              <a:rPr lang="en-US" dirty="0">
+                <a:solidFill>
+                  <a:srgbClr val="CC7832"/>
+                </a:solidFill>
+                <a:latin typeface="Menlo" charset="0"/>
+                <a:ea typeface="Menlo" charset="0"/>
+                <a:cs typeface="Menlo" charset="0"/>
+              </a:rPr>
+              <a:t>else</a:t>
+            </a:r>
+            <a:r>
+              <a:rPr lang="en-US" dirty="0">
+                <a:latin typeface="Menlo" charset="0"/>
+                <a:ea typeface="Menlo" charset="0"/>
+                <a:cs typeface="Menlo" charset="0"/>
+              </a:rPr>
+              <a:t>:</a:t>
+            </a:r>
+            <a:br>
+              <a:rPr lang="en-US" dirty="0">
+                <a:latin typeface="Menlo" charset="0"/>
+                <a:ea typeface="Menlo" charset="0"/>
+                <a:cs typeface="Menlo" charset="0"/>
+              </a:rPr>
+            </a:br>
+            <a:r>
+              <a:rPr lang="en-US" dirty="0">
+                <a:latin typeface="Menlo" charset="0"/>
+                <a:ea typeface="Menlo" charset="0"/>
+                <a:cs typeface="Menlo" charset="0"/>
+              </a:rPr>
+              <a:t>                </a:t>
+            </a:r>
+            <a:r>
+              <a:rPr lang="en-US" dirty="0" err="1">
+                <a:latin typeface="Menlo" charset="0"/>
+                <a:ea typeface="Menlo" charset="0"/>
+                <a:cs typeface="Menlo" charset="0"/>
+              </a:rPr>
+              <a:t>p.endowment</a:t>
+            </a:r>
+            <a:r>
+              <a:rPr lang="en-US" dirty="0">
+                <a:latin typeface="Menlo" charset="0"/>
+                <a:ea typeface="Menlo" charset="0"/>
+                <a:cs typeface="Menlo" charset="0"/>
+              </a:rPr>
+              <a:t> = </a:t>
+            </a:r>
+            <a:r>
+              <a:rPr lang="en-US" dirty="0" err="1">
+                <a:latin typeface="Menlo" charset="0"/>
+                <a:ea typeface="Menlo" charset="0"/>
+                <a:cs typeface="Menlo" charset="0"/>
+              </a:rPr>
+              <a:t>Constants.endowment</a:t>
+            </a:r>
+            <a:r>
+              <a:rPr lang="en-US" dirty="0">
+                <a:latin typeface="Menlo" charset="0"/>
+                <a:ea typeface="Menlo" charset="0"/>
+                <a:cs typeface="Menlo" charset="0"/>
+              </a:rPr>
+              <a:t/>
+            </a:r>
+            <a:br>
+              <a:rPr lang="en-US" dirty="0">
+                <a:latin typeface="Menlo" charset="0"/>
+                <a:ea typeface="Menlo" charset="0"/>
+                <a:cs typeface="Menlo" charset="0"/>
+              </a:rPr>
+            </a:br>
+            <a:endParaRPr lang="en-US" dirty="0">
+              <a:latin typeface="Menlo" charset="0"/>
+              <a:ea typeface="Menlo" charset="0"/>
+              <a:cs typeface="Menlo" charset="0"/>
+            </a:endParaRPr>
+          </a:p>
+        </p:txBody>
+      </p:sp>
+    </p:spTree>
+    <p:extLst>
+      <p:ext uri="{BB962C8B-B14F-4D97-AF65-F5344CB8AC3E}">
+        <p14:creationId xmlns:p14="http://schemas.microsoft.com/office/powerpoint/2010/main" val="508612544"/>
+      </p:ext>
+    </p:extLst>
+  </p:cSld>
+  <p:clrMapOvr>
+    <a:masterClrMapping/>
+  </p:clrMapOvr>
+  <p:timing>
+    <p:tnLst>
+      <p:par>
+        <p:cTn id="1" dur="indefinite" restart="never" nodeType="tmRoot"/>
+      </p:par>
+    </p:tnLst>
+  </p:timing>
+</p:sld>
+</file>
+
+<file path=ppt/slides/slide12.xml><?xml version="1.0" encoding="utf-8"?>
+<p:sld xmlns:a="http://schemas.openxmlformats.org/drawingml/2006/main" xmlns:r="http://schemas.openxmlformats.org/officeDocument/2006/relationships" xmlns:p="http://schemas.openxmlformats.org/presentationml/2006/main">
+  <p:cSld>
+    <p:spTree>
+      <p:nvGrpSpPr>
+        <p:cNvPr id="1" name=""/>
+        <p:cNvGrpSpPr/>
+        <p:nvPr/>
+      </p:nvGrpSpPr>
+      <p:grpSpPr>
+        <a:xfrm>
+          <a:off x="0" y="0"/>
+          <a:ext cx="0" cy="0"/>
+          <a:chOff x="0" y="0"/>
+          <a:chExt cx="0" cy="0"/>
+        </a:xfrm>
+      </p:grpSpPr>
+      <p:sp>
+        <p:nvSpPr>
+          <p:cNvPr id="2" name="Title 1"/>
+          <p:cNvSpPr>
+            <a:spLocks noGrp="1"/>
+          </p:cNvSpPr>
+          <p:nvPr>
+            <p:ph type="title"/>
+          </p:nvPr>
+        </p:nvSpPr>
+        <p:spPr/>
+        <p:txBody>
+          <a:bodyPr/>
+          <a:lstStyle/>
+          <a:p>
+            <a:r>
+              <a:rPr lang="en-US" dirty="0" smtClean="0"/>
+              <a:t>Treatments</a:t>
+            </a:r>
+            <a:endParaRPr lang="en-US" dirty="0"/>
+          </a:p>
+        </p:txBody>
+      </p:sp>
+      <p:sp>
+        <p:nvSpPr>
+          <p:cNvPr id="4" name="Rectangle 3"/>
+          <p:cNvSpPr/>
+          <p:nvPr/>
+        </p:nvSpPr>
+        <p:spPr>
+          <a:xfrm>
             <a:off x="1344704" y="2768803"/>
             <a:ext cx="11223813" cy="2585323"/>
           </a:xfrm>
@@ -4682,6 +6516,88 @@
 </p:sld>
 </file>
 
+<file path=ppt/slides/slide13.xml><?xml version="1.0" encoding="utf-8"?>
+<p:sld xmlns:a="http://schemas.openxmlformats.org/drawingml/2006/main" xmlns:r="http://schemas.openxmlformats.org/officeDocument/2006/relationships" xmlns:p="http://schemas.openxmlformats.org/presentationml/2006/main">
+  <p:cSld>
+    <p:spTree>
+      <p:nvGrpSpPr>
+        <p:cNvPr id="1" name=""/>
+        <p:cNvGrpSpPr/>
+        <p:nvPr/>
+      </p:nvGrpSpPr>
+      <p:grpSpPr>
+        <a:xfrm>
+          <a:off x="0" y="0"/>
+          <a:ext cx="0" cy="0"/>
+          <a:chOff x="0" y="0"/>
+          <a:chExt cx="0" cy="0"/>
+        </a:xfrm>
+      </p:grpSpPr>
+      <p:sp>
+        <p:nvSpPr>
+          <p:cNvPr id="2" name="Title 1"/>
+          <p:cNvSpPr>
+            <a:spLocks noGrp="1"/>
+          </p:cNvSpPr>
+          <p:nvPr>
+            <p:ph type="title"/>
+          </p:nvPr>
+        </p:nvSpPr>
+        <p:spPr/>
+        <p:txBody>
+          <a:bodyPr/>
+          <a:lstStyle/>
+          <a:p>
+            <a:r>
+              <a:rPr lang="en-US" dirty="0" smtClean="0"/>
+              <a:t>Treatments: build 'Gender' treatment of PGG</a:t>
+            </a:r>
+            <a:endParaRPr lang="en-US" dirty="0"/>
+          </a:p>
+        </p:txBody>
+      </p:sp>
+      <p:sp>
+        <p:nvSpPr>
+          <p:cNvPr id="3" name="Content Placeholder 2"/>
+          <p:cNvSpPr>
+            <a:spLocks noGrp="1"/>
+          </p:cNvSpPr>
+          <p:nvPr>
+            <p:ph idx="1"/>
+          </p:nvPr>
+        </p:nvSpPr>
+        <p:spPr/>
+        <p:txBody>
+          <a:bodyPr/>
+          <a:lstStyle/>
+          <a:p>
+            <a:r>
+              <a:rPr lang="en-US" dirty="0" smtClean="0"/>
+              <a:t>Retrieve partners' gender at the first page</a:t>
+            </a:r>
+          </a:p>
+          <a:p>
+            <a:r>
+              <a:rPr lang="en-US" dirty="0" smtClean="0"/>
+              <a:t>In 'Gender' treatment show this info to the partners</a:t>
+            </a:r>
+            <a:endParaRPr lang="en-US" dirty="0"/>
+          </a:p>
+        </p:txBody>
+      </p:sp>
+    </p:spTree>
+    <p:extLst>
+      <p:ext uri="{BB962C8B-B14F-4D97-AF65-F5344CB8AC3E}">
+        <p14:creationId xmlns:p14="http://schemas.microsoft.com/office/powerpoint/2010/main" val="224825222"/>
+      </p:ext>
+    </p:extLst>
+  </p:cSld>
+  <p:clrMapOvr>
+    <a:masterClrMapping/>
+  </p:clrMapOvr>
+</p:sld>
+</file>
+
 <file path=ppt/slides/slide2.xml><?xml version="1.0" encoding="utf-8"?>
 <p:sld xmlns:a="http://schemas.openxmlformats.org/drawingml/2006/main" xmlns:r="http://schemas.openxmlformats.org/officeDocument/2006/relationships" xmlns:p="http://schemas.openxmlformats.org/presentationml/2006/main">
   <p:cSld>
@@ -4802,7 +6718,11 @@
           <a:p>
             <a:r>
               <a:rPr lang="en-US" dirty="0" smtClean="0"/>
-              <a:t>Group composition (stranger matching/partner matching)</a:t>
+              <a:t>Group composition (stranger matching/partner matching): partner matching. </a:t>
+            </a:r>
+            <a:r>
+              <a:rPr lang="en-US" smtClean="0"/>
+              <a:t>(Stranger: Day 4).</a:t>
             </a:r>
           </a:p>
           <a:p>
@@ -4907,7 +6827,6 @@
               <a:rPr lang="en-US" dirty="0" smtClean="0"/>
               <a:t>Money</a:t>
             </a:r>
-            <a:endParaRPr lang="en-US" dirty="0" smtClean="0"/>
           </a:p>
         </p:txBody>
       </p:sp>
@@ -7261,7 +9180,7 @@
           <a:p>
             <a:r>
               <a:rPr lang="en-US" dirty="0" smtClean="0"/>
-              <a:t>Treatments</a:t>
+              <a:t>Templates: loops, conditions</a:t>
             </a:r>
             <a:endParaRPr lang="en-US" dirty="0"/>
           </a:p>
@@ -7269,979 +9188,173 @@
       </p:sp>
       <p:sp>
         <p:nvSpPr>
-          <p:cNvPr id="4" name="Rectangle 3"/>
-          <p:cNvSpPr/>
-          <p:nvPr/>
-        </p:nvSpPr>
-        <p:spPr>
-          <a:xfrm>
-            <a:off x="1810871" y="2125158"/>
-            <a:ext cx="10506635" cy="3970318"/>
-          </a:xfrm>
-          <a:prstGeom prst="rect">
-            <a:avLst/>
-          </a:prstGeom>
-        </p:spPr>
-        <p:txBody>
-          <a:bodyPr wrap="square">
-            <a:spAutoFit/>
-          </a:bodyPr>
+          <p:cNvPr id="7" name="Content Placeholder 6"/>
+          <p:cNvSpPr>
+            <a:spLocks noGrp="1"/>
+          </p:cNvSpPr>
+          <p:nvPr>
+            <p:ph idx="1"/>
+          </p:nvPr>
+        </p:nvSpPr>
+        <p:spPr/>
+        <p:txBody>
+          <a:bodyPr/>
           <a:lstStyle/>
           <a:p>
             <a:r>
-              <a:rPr lang="en-US" dirty="0">
-                <a:latin typeface="Menlo" charset="0"/>
-                <a:ea typeface="Menlo" charset="0"/>
-                <a:cs typeface="Menlo" charset="0"/>
-              </a:rPr>
-              <a:t>{</a:t>
-            </a:r>
-            <a:br>
-              <a:rPr lang="en-US" dirty="0">
-                <a:latin typeface="Menlo" charset="0"/>
-                <a:ea typeface="Menlo" charset="0"/>
-                <a:cs typeface="Menlo" charset="0"/>
-              </a:rPr>
-            </a:br>
-            <a:r>
-              <a:rPr lang="en-US" dirty="0">
-                <a:latin typeface="Menlo" charset="0"/>
-                <a:ea typeface="Menlo" charset="0"/>
-                <a:cs typeface="Menlo" charset="0"/>
-              </a:rPr>
-              <a:t>    </a:t>
-            </a:r>
-            <a:r>
-              <a:rPr lang="en-US" dirty="0">
-                <a:solidFill>
-                  <a:srgbClr val="6A8759"/>
-                </a:solidFill>
-                <a:latin typeface="Menlo" charset="0"/>
-                <a:ea typeface="Menlo" charset="0"/>
-                <a:cs typeface="Menlo" charset="0"/>
-              </a:rPr>
-              <a:t>'name'</a:t>
-            </a:r>
-            <a:r>
-              <a:rPr lang="en-US" dirty="0">
-                <a:latin typeface="Menlo" charset="0"/>
-                <a:ea typeface="Menlo" charset="0"/>
-                <a:cs typeface="Menlo" charset="0"/>
-              </a:rPr>
-              <a:t>: </a:t>
-            </a:r>
-            <a:r>
-              <a:rPr lang="en-US" dirty="0">
-                <a:solidFill>
-                  <a:srgbClr val="6A8759"/>
-                </a:solidFill>
-                <a:latin typeface="Menlo" charset="0"/>
-                <a:ea typeface="Menlo" charset="0"/>
-                <a:cs typeface="Menlo" charset="0"/>
-              </a:rPr>
-              <a:t>'</a:t>
-            </a:r>
-            <a:r>
-              <a:rPr lang="en-US" dirty="0" err="1">
-                <a:solidFill>
-                  <a:srgbClr val="6A8759"/>
-                </a:solidFill>
-                <a:latin typeface="Menlo" charset="0"/>
-                <a:ea typeface="Menlo" charset="0"/>
-                <a:cs typeface="Menlo" charset="0"/>
-              </a:rPr>
-              <a:t>pgg</a:t>
-            </a:r>
-            <a:r>
-              <a:rPr lang="en-US" dirty="0">
-                <a:solidFill>
-                  <a:srgbClr val="6A8759"/>
-                </a:solidFill>
-                <a:latin typeface="Menlo" charset="0"/>
-                <a:ea typeface="Menlo" charset="0"/>
-                <a:cs typeface="Menlo" charset="0"/>
-              </a:rPr>
-              <a:t>'</a:t>
-            </a:r>
-            <a:r>
-              <a:rPr lang="en-US" dirty="0">
-                <a:solidFill>
-                  <a:srgbClr val="CC7832"/>
-                </a:solidFill>
-                <a:latin typeface="Menlo" charset="0"/>
-                <a:ea typeface="Menlo" charset="0"/>
-                <a:cs typeface="Menlo" charset="0"/>
-              </a:rPr>
-              <a:t>,</a:t>
-            </a:r>
-            <a:br>
-              <a:rPr lang="en-US" dirty="0">
-                <a:solidFill>
-                  <a:srgbClr val="CC7832"/>
-                </a:solidFill>
-                <a:latin typeface="Menlo" charset="0"/>
-                <a:ea typeface="Menlo" charset="0"/>
-                <a:cs typeface="Menlo" charset="0"/>
-              </a:rPr>
-            </a:br>
-            <a:r>
-              <a:rPr lang="en-US" dirty="0">
-                <a:solidFill>
-                  <a:srgbClr val="CC7832"/>
-                </a:solidFill>
-                <a:latin typeface="Menlo" charset="0"/>
-                <a:ea typeface="Menlo" charset="0"/>
-                <a:cs typeface="Menlo" charset="0"/>
-              </a:rPr>
-              <a:t>    </a:t>
-            </a:r>
-            <a:r>
-              <a:rPr lang="en-US" dirty="0">
-                <a:solidFill>
-                  <a:srgbClr val="6A8759"/>
-                </a:solidFill>
-                <a:latin typeface="Menlo" charset="0"/>
-                <a:ea typeface="Menlo" charset="0"/>
-                <a:cs typeface="Menlo" charset="0"/>
-              </a:rPr>
-              <a:t>'</a:t>
-            </a:r>
-            <a:r>
-              <a:rPr lang="en-US" dirty="0" err="1">
-                <a:solidFill>
-                  <a:srgbClr val="6A8759"/>
-                </a:solidFill>
-                <a:latin typeface="Menlo" charset="0"/>
-                <a:ea typeface="Menlo" charset="0"/>
-                <a:cs typeface="Menlo" charset="0"/>
-              </a:rPr>
-              <a:t>display_name</a:t>
-            </a:r>
-            <a:r>
-              <a:rPr lang="en-US" dirty="0">
-                <a:solidFill>
-                  <a:srgbClr val="6A8759"/>
-                </a:solidFill>
-                <a:latin typeface="Menlo" charset="0"/>
-                <a:ea typeface="Menlo" charset="0"/>
-                <a:cs typeface="Menlo" charset="0"/>
-              </a:rPr>
-              <a:t>'</a:t>
-            </a:r>
-            <a:r>
-              <a:rPr lang="en-US" dirty="0">
-                <a:latin typeface="Menlo" charset="0"/>
-                <a:ea typeface="Menlo" charset="0"/>
-                <a:cs typeface="Menlo" charset="0"/>
-              </a:rPr>
-              <a:t>: </a:t>
-            </a:r>
-            <a:r>
-              <a:rPr lang="en-US" dirty="0">
-                <a:solidFill>
-                  <a:srgbClr val="6A8759"/>
-                </a:solidFill>
-                <a:latin typeface="Menlo" charset="0"/>
-                <a:ea typeface="Menlo" charset="0"/>
-                <a:cs typeface="Menlo" charset="0"/>
-              </a:rPr>
-              <a:t>"Public goods - fixed endowment"</a:t>
-            </a:r>
-            <a:r>
-              <a:rPr lang="en-US" dirty="0">
-                <a:solidFill>
-                  <a:srgbClr val="CC7832"/>
-                </a:solidFill>
-                <a:latin typeface="Menlo" charset="0"/>
-                <a:ea typeface="Menlo" charset="0"/>
-                <a:cs typeface="Menlo" charset="0"/>
-              </a:rPr>
-              <a:t>,</a:t>
-            </a:r>
-            <a:br>
-              <a:rPr lang="en-US" dirty="0">
-                <a:solidFill>
-                  <a:srgbClr val="CC7832"/>
-                </a:solidFill>
-                <a:latin typeface="Menlo" charset="0"/>
-                <a:ea typeface="Menlo" charset="0"/>
-                <a:cs typeface="Menlo" charset="0"/>
-              </a:rPr>
-            </a:br>
-            <a:r>
-              <a:rPr lang="en-US" dirty="0">
-                <a:solidFill>
-                  <a:srgbClr val="CC7832"/>
-                </a:solidFill>
-                <a:latin typeface="Menlo" charset="0"/>
-                <a:ea typeface="Menlo" charset="0"/>
-                <a:cs typeface="Menlo" charset="0"/>
-              </a:rPr>
-              <a:t>    </a:t>
-            </a:r>
-            <a:r>
-              <a:rPr lang="en-US" dirty="0">
-                <a:solidFill>
-                  <a:srgbClr val="6A8759"/>
-                </a:solidFill>
-                <a:latin typeface="Menlo" charset="0"/>
-                <a:ea typeface="Menlo" charset="0"/>
-                <a:cs typeface="Menlo" charset="0"/>
-              </a:rPr>
-              <a:t>'</a:t>
-            </a:r>
-            <a:r>
-              <a:rPr lang="en-US" dirty="0" err="1">
-                <a:solidFill>
-                  <a:srgbClr val="6A8759"/>
-                </a:solidFill>
-                <a:latin typeface="Menlo" charset="0"/>
-                <a:ea typeface="Menlo" charset="0"/>
-                <a:cs typeface="Menlo" charset="0"/>
-              </a:rPr>
-              <a:t>num_demo_participants</a:t>
-            </a:r>
-            <a:r>
-              <a:rPr lang="en-US" dirty="0">
-                <a:solidFill>
-                  <a:srgbClr val="6A8759"/>
-                </a:solidFill>
-                <a:latin typeface="Menlo" charset="0"/>
-                <a:ea typeface="Menlo" charset="0"/>
-                <a:cs typeface="Menlo" charset="0"/>
-              </a:rPr>
-              <a:t>'</a:t>
-            </a:r>
-            <a:r>
-              <a:rPr lang="en-US" dirty="0">
-                <a:latin typeface="Menlo" charset="0"/>
-                <a:ea typeface="Menlo" charset="0"/>
-                <a:cs typeface="Menlo" charset="0"/>
-              </a:rPr>
-              <a:t>: </a:t>
-            </a:r>
-            <a:r>
-              <a:rPr lang="en-US" dirty="0">
-                <a:solidFill>
-                  <a:srgbClr val="6897BB"/>
-                </a:solidFill>
-                <a:latin typeface="Menlo" charset="0"/>
-                <a:ea typeface="Menlo" charset="0"/>
-                <a:cs typeface="Menlo" charset="0"/>
-              </a:rPr>
-              <a:t>3</a:t>
-            </a:r>
-            <a:r>
-              <a:rPr lang="en-US" dirty="0">
-                <a:solidFill>
-                  <a:srgbClr val="CC7832"/>
-                </a:solidFill>
-                <a:latin typeface="Menlo" charset="0"/>
-                <a:ea typeface="Menlo" charset="0"/>
-                <a:cs typeface="Menlo" charset="0"/>
-              </a:rPr>
-              <a:t>,</a:t>
-            </a:r>
-            <a:br>
-              <a:rPr lang="en-US" dirty="0">
-                <a:solidFill>
-                  <a:srgbClr val="CC7832"/>
-                </a:solidFill>
-                <a:latin typeface="Menlo" charset="0"/>
-                <a:ea typeface="Menlo" charset="0"/>
-                <a:cs typeface="Menlo" charset="0"/>
-              </a:rPr>
-            </a:br>
-            <a:r>
-              <a:rPr lang="en-US" dirty="0">
-                <a:solidFill>
-                  <a:srgbClr val="CC7832"/>
-                </a:solidFill>
-                <a:latin typeface="Menlo" charset="0"/>
-                <a:ea typeface="Menlo" charset="0"/>
-                <a:cs typeface="Menlo" charset="0"/>
-              </a:rPr>
-              <a:t>    </a:t>
-            </a:r>
-            <a:r>
-              <a:rPr lang="en-US" dirty="0">
-                <a:solidFill>
-                  <a:srgbClr val="6A8759"/>
-                </a:solidFill>
-                <a:latin typeface="Menlo" charset="0"/>
-                <a:ea typeface="Menlo" charset="0"/>
-                <a:cs typeface="Menlo" charset="0"/>
-              </a:rPr>
-              <a:t>'</a:t>
-            </a:r>
-            <a:r>
-              <a:rPr lang="en-US" dirty="0" err="1">
-                <a:solidFill>
-                  <a:srgbClr val="6A8759"/>
-                </a:solidFill>
-                <a:latin typeface="Menlo" charset="0"/>
-                <a:ea typeface="Menlo" charset="0"/>
-                <a:cs typeface="Menlo" charset="0"/>
-              </a:rPr>
-              <a:t>app_sequence</a:t>
-            </a:r>
-            <a:r>
-              <a:rPr lang="en-US" dirty="0">
-                <a:solidFill>
-                  <a:srgbClr val="6A8759"/>
-                </a:solidFill>
-                <a:latin typeface="Menlo" charset="0"/>
-                <a:ea typeface="Menlo" charset="0"/>
-                <a:cs typeface="Menlo" charset="0"/>
-              </a:rPr>
-              <a:t>'</a:t>
-            </a:r>
-            <a:r>
-              <a:rPr lang="en-US" dirty="0">
-                <a:latin typeface="Menlo" charset="0"/>
-                <a:ea typeface="Menlo" charset="0"/>
-                <a:cs typeface="Menlo" charset="0"/>
-              </a:rPr>
-              <a:t>: [</a:t>
-            </a:r>
-            <a:r>
-              <a:rPr lang="en-US" dirty="0">
-                <a:solidFill>
-                  <a:srgbClr val="6A8759"/>
-                </a:solidFill>
-                <a:latin typeface="Menlo" charset="0"/>
-                <a:ea typeface="Menlo" charset="0"/>
-                <a:cs typeface="Menlo" charset="0"/>
-              </a:rPr>
-              <a:t>'</a:t>
-            </a:r>
-            <a:r>
-              <a:rPr lang="en-US" dirty="0" err="1">
-                <a:solidFill>
-                  <a:srgbClr val="6A8759"/>
-                </a:solidFill>
-                <a:latin typeface="Menlo" charset="0"/>
-                <a:ea typeface="Menlo" charset="0"/>
-                <a:cs typeface="Menlo" charset="0"/>
-              </a:rPr>
-              <a:t>pgg</a:t>
-            </a:r>
-            <a:r>
-              <a:rPr lang="en-US" dirty="0">
-                <a:solidFill>
-                  <a:srgbClr val="6A8759"/>
-                </a:solidFill>
-                <a:latin typeface="Menlo" charset="0"/>
-                <a:ea typeface="Menlo" charset="0"/>
-                <a:cs typeface="Menlo" charset="0"/>
-              </a:rPr>
-              <a:t>'</a:t>
-            </a:r>
-            <a:r>
-              <a:rPr lang="en-US" dirty="0">
-                <a:latin typeface="Menlo" charset="0"/>
-                <a:ea typeface="Menlo" charset="0"/>
-                <a:cs typeface="Menlo" charset="0"/>
-              </a:rPr>
-              <a:t>]</a:t>
-            </a:r>
-            <a:r>
-              <a:rPr lang="en-US" dirty="0">
-                <a:solidFill>
-                  <a:srgbClr val="CC7832"/>
-                </a:solidFill>
-                <a:latin typeface="Menlo" charset="0"/>
-                <a:ea typeface="Menlo" charset="0"/>
-                <a:cs typeface="Menlo" charset="0"/>
-              </a:rPr>
-              <a:t>,</a:t>
-            </a:r>
-            <a:br>
-              <a:rPr lang="en-US" dirty="0">
-                <a:solidFill>
-                  <a:srgbClr val="CC7832"/>
-                </a:solidFill>
-                <a:latin typeface="Menlo" charset="0"/>
-                <a:ea typeface="Menlo" charset="0"/>
-                <a:cs typeface="Menlo" charset="0"/>
-              </a:rPr>
-            </a:br>
-            <a:r>
-              <a:rPr lang="en-US" dirty="0">
-                <a:solidFill>
-                  <a:srgbClr val="CC7832"/>
-                </a:solidFill>
-                <a:latin typeface="Menlo" charset="0"/>
-                <a:ea typeface="Menlo" charset="0"/>
-                <a:cs typeface="Menlo" charset="0"/>
-              </a:rPr>
-              <a:t>    </a:t>
-            </a:r>
-            <a:r>
-              <a:rPr lang="en-US" dirty="0">
-                <a:solidFill>
-                  <a:srgbClr val="6A8759"/>
-                </a:solidFill>
-                <a:latin typeface="Menlo" charset="0"/>
-                <a:ea typeface="Menlo" charset="0"/>
-                <a:cs typeface="Menlo" charset="0"/>
-              </a:rPr>
-              <a:t>'</a:t>
-            </a:r>
-            <a:r>
-              <a:rPr lang="en-US" dirty="0" err="1">
-                <a:solidFill>
-                  <a:srgbClr val="6A8759"/>
-                </a:solidFill>
-                <a:latin typeface="Menlo" charset="0"/>
-                <a:ea typeface="Menlo" charset="0"/>
-                <a:cs typeface="Menlo" charset="0"/>
-              </a:rPr>
-              <a:t>hetero_endowment</a:t>
-            </a:r>
-            <a:r>
-              <a:rPr lang="en-US" dirty="0">
-                <a:solidFill>
-                  <a:srgbClr val="6A8759"/>
-                </a:solidFill>
-                <a:latin typeface="Menlo" charset="0"/>
-                <a:ea typeface="Menlo" charset="0"/>
-                <a:cs typeface="Menlo" charset="0"/>
-              </a:rPr>
-              <a:t>'</a:t>
-            </a:r>
-            <a:r>
-              <a:rPr lang="en-US" dirty="0">
-                <a:latin typeface="Menlo" charset="0"/>
-                <a:ea typeface="Menlo" charset="0"/>
-                <a:cs typeface="Menlo" charset="0"/>
-              </a:rPr>
-              <a:t>: </a:t>
-            </a:r>
-            <a:r>
-              <a:rPr lang="en-US" dirty="0">
-                <a:solidFill>
-                  <a:srgbClr val="CC7832"/>
-                </a:solidFill>
-                <a:latin typeface="Menlo" charset="0"/>
-                <a:ea typeface="Menlo" charset="0"/>
-                <a:cs typeface="Menlo" charset="0"/>
-              </a:rPr>
-              <a:t>False,</a:t>
-            </a:r>
-            <a:br>
-              <a:rPr lang="en-US" dirty="0">
-                <a:solidFill>
-                  <a:srgbClr val="CC7832"/>
-                </a:solidFill>
-                <a:latin typeface="Menlo" charset="0"/>
-                <a:ea typeface="Menlo" charset="0"/>
-                <a:cs typeface="Menlo" charset="0"/>
-              </a:rPr>
-            </a:br>
-            <a:r>
-              <a:rPr lang="en-US" dirty="0">
-                <a:latin typeface="Menlo" charset="0"/>
-                <a:ea typeface="Menlo" charset="0"/>
-                <a:cs typeface="Menlo" charset="0"/>
-              </a:rPr>
-              <a:t>}</a:t>
-            </a:r>
-            <a:r>
-              <a:rPr lang="en-US" dirty="0">
-                <a:solidFill>
-                  <a:srgbClr val="CC7832"/>
-                </a:solidFill>
-                <a:latin typeface="Menlo" charset="0"/>
-                <a:ea typeface="Menlo" charset="0"/>
-                <a:cs typeface="Menlo" charset="0"/>
-              </a:rPr>
-              <a:t>,</a:t>
-            </a:r>
-            <a:br>
-              <a:rPr lang="en-US" dirty="0">
-                <a:solidFill>
-                  <a:srgbClr val="CC7832"/>
-                </a:solidFill>
-                <a:latin typeface="Menlo" charset="0"/>
-                <a:ea typeface="Menlo" charset="0"/>
-                <a:cs typeface="Menlo" charset="0"/>
-              </a:rPr>
-            </a:br>
-            <a:r>
-              <a:rPr lang="en-US" dirty="0">
-                <a:latin typeface="Menlo" charset="0"/>
-                <a:ea typeface="Menlo" charset="0"/>
-                <a:cs typeface="Menlo" charset="0"/>
-              </a:rPr>
-              <a:t>{</a:t>
-            </a:r>
-            <a:br>
-              <a:rPr lang="en-US" dirty="0">
-                <a:latin typeface="Menlo" charset="0"/>
-                <a:ea typeface="Menlo" charset="0"/>
-                <a:cs typeface="Menlo" charset="0"/>
-              </a:rPr>
-            </a:br>
-            <a:r>
-              <a:rPr lang="en-US" dirty="0">
-                <a:latin typeface="Menlo" charset="0"/>
-                <a:ea typeface="Menlo" charset="0"/>
-                <a:cs typeface="Menlo" charset="0"/>
-              </a:rPr>
-              <a:t>    </a:t>
-            </a:r>
-            <a:r>
-              <a:rPr lang="en-US" dirty="0">
-                <a:solidFill>
-                  <a:srgbClr val="6A8759"/>
-                </a:solidFill>
-                <a:latin typeface="Menlo" charset="0"/>
-                <a:ea typeface="Menlo" charset="0"/>
-                <a:cs typeface="Menlo" charset="0"/>
-              </a:rPr>
-              <a:t>'name'</a:t>
-            </a:r>
-            <a:r>
-              <a:rPr lang="en-US" dirty="0">
-                <a:latin typeface="Menlo" charset="0"/>
-                <a:ea typeface="Menlo" charset="0"/>
-                <a:cs typeface="Menlo" charset="0"/>
-              </a:rPr>
-              <a:t>: </a:t>
-            </a:r>
-            <a:r>
-              <a:rPr lang="en-US" dirty="0">
-                <a:solidFill>
-                  <a:srgbClr val="6A8759"/>
-                </a:solidFill>
-                <a:latin typeface="Menlo" charset="0"/>
-                <a:ea typeface="Menlo" charset="0"/>
-                <a:cs typeface="Menlo" charset="0"/>
-              </a:rPr>
-              <a:t>'</a:t>
-            </a:r>
-            <a:r>
-              <a:rPr lang="en-US" dirty="0" err="1">
-                <a:solidFill>
-                  <a:srgbClr val="6A8759"/>
-                </a:solidFill>
-                <a:latin typeface="Menlo" charset="0"/>
-                <a:ea typeface="Menlo" charset="0"/>
-                <a:cs typeface="Menlo" charset="0"/>
-              </a:rPr>
-              <a:t>pgghetero</a:t>
-            </a:r>
-            <a:r>
-              <a:rPr lang="en-US" dirty="0">
-                <a:solidFill>
-                  <a:srgbClr val="6A8759"/>
-                </a:solidFill>
-                <a:latin typeface="Menlo" charset="0"/>
-                <a:ea typeface="Menlo" charset="0"/>
-                <a:cs typeface="Menlo" charset="0"/>
-              </a:rPr>
-              <a:t>'</a:t>
-            </a:r>
-            <a:r>
-              <a:rPr lang="en-US" dirty="0">
-                <a:solidFill>
-                  <a:srgbClr val="CC7832"/>
-                </a:solidFill>
-                <a:latin typeface="Menlo" charset="0"/>
-                <a:ea typeface="Menlo" charset="0"/>
-                <a:cs typeface="Menlo" charset="0"/>
-              </a:rPr>
-              <a:t>,</a:t>
-            </a:r>
-            <a:br>
-              <a:rPr lang="en-US" dirty="0">
-                <a:solidFill>
-                  <a:srgbClr val="CC7832"/>
-                </a:solidFill>
-                <a:latin typeface="Menlo" charset="0"/>
-                <a:ea typeface="Menlo" charset="0"/>
-                <a:cs typeface="Menlo" charset="0"/>
-              </a:rPr>
-            </a:br>
-            <a:r>
-              <a:rPr lang="en-US" dirty="0">
-                <a:solidFill>
-                  <a:srgbClr val="CC7832"/>
-                </a:solidFill>
-                <a:latin typeface="Menlo" charset="0"/>
-                <a:ea typeface="Menlo" charset="0"/>
-                <a:cs typeface="Menlo" charset="0"/>
-              </a:rPr>
-              <a:t>    </a:t>
-            </a:r>
-            <a:r>
-              <a:rPr lang="en-US" dirty="0">
-                <a:solidFill>
-                  <a:srgbClr val="6A8759"/>
-                </a:solidFill>
-                <a:latin typeface="Menlo" charset="0"/>
-                <a:ea typeface="Menlo" charset="0"/>
-                <a:cs typeface="Menlo" charset="0"/>
-              </a:rPr>
-              <a:t>'</a:t>
-            </a:r>
-            <a:r>
-              <a:rPr lang="en-US" dirty="0" err="1">
-                <a:solidFill>
-                  <a:srgbClr val="6A8759"/>
-                </a:solidFill>
-                <a:latin typeface="Menlo" charset="0"/>
-                <a:ea typeface="Menlo" charset="0"/>
-                <a:cs typeface="Menlo" charset="0"/>
-              </a:rPr>
-              <a:t>display_name</a:t>
-            </a:r>
-            <a:r>
-              <a:rPr lang="en-US" dirty="0">
-                <a:solidFill>
-                  <a:srgbClr val="6A8759"/>
-                </a:solidFill>
-                <a:latin typeface="Menlo" charset="0"/>
-                <a:ea typeface="Menlo" charset="0"/>
-                <a:cs typeface="Menlo" charset="0"/>
-              </a:rPr>
-              <a:t>'</a:t>
-            </a:r>
-            <a:r>
-              <a:rPr lang="en-US" dirty="0">
-                <a:latin typeface="Menlo" charset="0"/>
-                <a:ea typeface="Menlo" charset="0"/>
-                <a:cs typeface="Menlo" charset="0"/>
-              </a:rPr>
-              <a:t>: </a:t>
-            </a:r>
-            <a:r>
-              <a:rPr lang="en-US" dirty="0">
-                <a:solidFill>
-                  <a:srgbClr val="6A8759"/>
-                </a:solidFill>
-                <a:latin typeface="Menlo" charset="0"/>
-                <a:ea typeface="Menlo" charset="0"/>
-                <a:cs typeface="Menlo" charset="0"/>
-              </a:rPr>
-              <a:t>"Public goods - random endowment"</a:t>
-            </a:r>
-            <a:r>
-              <a:rPr lang="en-US" dirty="0">
-                <a:solidFill>
-                  <a:srgbClr val="CC7832"/>
-                </a:solidFill>
-                <a:latin typeface="Menlo" charset="0"/>
-                <a:ea typeface="Menlo" charset="0"/>
-                <a:cs typeface="Menlo" charset="0"/>
-              </a:rPr>
-              <a:t>,</a:t>
-            </a:r>
-            <a:br>
-              <a:rPr lang="en-US" dirty="0">
-                <a:solidFill>
-                  <a:srgbClr val="CC7832"/>
-                </a:solidFill>
-                <a:latin typeface="Menlo" charset="0"/>
-                <a:ea typeface="Menlo" charset="0"/>
-                <a:cs typeface="Menlo" charset="0"/>
-              </a:rPr>
-            </a:br>
-            <a:r>
-              <a:rPr lang="en-US" dirty="0">
-                <a:solidFill>
-                  <a:srgbClr val="CC7832"/>
-                </a:solidFill>
-                <a:latin typeface="Menlo" charset="0"/>
-                <a:ea typeface="Menlo" charset="0"/>
-                <a:cs typeface="Menlo" charset="0"/>
-              </a:rPr>
-              <a:t>    </a:t>
-            </a:r>
-            <a:r>
-              <a:rPr lang="en-US" dirty="0">
-                <a:solidFill>
-                  <a:srgbClr val="6A8759"/>
-                </a:solidFill>
-                <a:latin typeface="Menlo" charset="0"/>
-                <a:ea typeface="Menlo" charset="0"/>
-                <a:cs typeface="Menlo" charset="0"/>
-              </a:rPr>
-              <a:t>'</a:t>
-            </a:r>
-            <a:r>
-              <a:rPr lang="en-US" dirty="0" err="1">
-                <a:solidFill>
-                  <a:srgbClr val="6A8759"/>
-                </a:solidFill>
-                <a:latin typeface="Menlo" charset="0"/>
-                <a:ea typeface="Menlo" charset="0"/>
-                <a:cs typeface="Menlo" charset="0"/>
-              </a:rPr>
-              <a:t>num_demo_participants</a:t>
-            </a:r>
-            <a:r>
-              <a:rPr lang="en-US" dirty="0">
-                <a:solidFill>
-                  <a:srgbClr val="6A8759"/>
-                </a:solidFill>
-                <a:latin typeface="Menlo" charset="0"/>
-                <a:ea typeface="Menlo" charset="0"/>
-                <a:cs typeface="Menlo" charset="0"/>
-              </a:rPr>
-              <a:t>'</a:t>
-            </a:r>
-            <a:r>
-              <a:rPr lang="en-US" dirty="0">
-                <a:latin typeface="Menlo" charset="0"/>
-                <a:ea typeface="Menlo" charset="0"/>
-                <a:cs typeface="Menlo" charset="0"/>
-              </a:rPr>
-              <a:t>: </a:t>
-            </a:r>
-            <a:r>
-              <a:rPr lang="en-US" dirty="0">
-                <a:solidFill>
-                  <a:srgbClr val="6897BB"/>
-                </a:solidFill>
-                <a:latin typeface="Menlo" charset="0"/>
-                <a:ea typeface="Menlo" charset="0"/>
-                <a:cs typeface="Menlo" charset="0"/>
-              </a:rPr>
-              <a:t>3</a:t>
-            </a:r>
-            <a:r>
-              <a:rPr lang="en-US" dirty="0">
-                <a:solidFill>
-                  <a:srgbClr val="CC7832"/>
-                </a:solidFill>
-                <a:latin typeface="Menlo" charset="0"/>
-                <a:ea typeface="Menlo" charset="0"/>
-                <a:cs typeface="Menlo" charset="0"/>
-              </a:rPr>
-              <a:t>,</a:t>
-            </a:r>
-            <a:br>
-              <a:rPr lang="en-US" dirty="0">
-                <a:solidFill>
-                  <a:srgbClr val="CC7832"/>
-                </a:solidFill>
-                <a:latin typeface="Menlo" charset="0"/>
-                <a:ea typeface="Menlo" charset="0"/>
-                <a:cs typeface="Menlo" charset="0"/>
-              </a:rPr>
-            </a:br>
-            <a:r>
-              <a:rPr lang="en-US" dirty="0">
-                <a:solidFill>
-                  <a:srgbClr val="CC7832"/>
-                </a:solidFill>
-                <a:latin typeface="Menlo" charset="0"/>
-                <a:ea typeface="Menlo" charset="0"/>
-                <a:cs typeface="Menlo" charset="0"/>
-              </a:rPr>
-              <a:t>    </a:t>
-            </a:r>
-            <a:r>
-              <a:rPr lang="en-US" dirty="0">
-                <a:solidFill>
-                  <a:srgbClr val="6A8759"/>
-                </a:solidFill>
-                <a:latin typeface="Menlo" charset="0"/>
-                <a:ea typeface="Menlo" charset="0"/>
-                <a:cs typeface="Menlo" charset="0"/>
-              </a:rPr>
-              <a:t>'</a:t>
-            </a:r>
-            <a:r>
-              <a:rPr lang="en-US" dirty="0" err="1">
-                <a:solidFill>
-                  <a:srgbClr val="6A8759"/>
-                </a:solidFill>
-                <a:latin typeface="Menlo" charset="0"/>
-                <a:ea typeface="Menlo" charset="0"/>
-                <a:cs typeface="Menlo" charset="0"/>
-              </a:rPr>
-              <a:t>app_sequence</a:t>
-            </a:r>
-            <a:r>
-              <a:rPr lang="en-US" dirty="0">
-                <a:solidFill>
-                  <a:srgbClr val="6A8759"/>
-                </a:solidFill>
-                <a:latin typeface="Menlo" charset="0"/>
-                <a:ea typeface="Menlo" charset="0"/>
-                <a:cs typeface="Menlo" charset="0"/>
-              </a:rPr>
-              <a:t>'</a:t>
-            </a:r>
-            <a:r>
-              <a:rPr lang="en-US" dirty="0">
-                <a:latin typeface="Menlo" charset="0"/>
-                <a:ea typeface="Menlo" charset="0"/>
-                <a:cs typeface="Menlo" charset="0"/>
-              </a:rPr>
-              <a:t>: [</a:t>
-            </a:r>
-            <a:r>
-              <a:rPr lang="en-US" dirty="0">
-                <a:solidFill>
-                  <a:srgbClr val="6A8759"/>
-                </a:solidFill>
-                <a:latin typeface="Menlo" charset="0"/>
-                <a:ea typeface="Menlo" charset="0"/>
-                <a:cs typeface="Menlo" charset="0"/>
-              </a:rPr>
-              <a:t>'</a:t>
-            </a:r>
-            <a:r>
-              <a:rPr lang="en-US" dirty="0" err="1">
-                <a:solidFill>
-                  <a:srgbClr val="6A8759"/>
-                </a:solidFill>
-                <a:latin typeface="Menlo" charset="0"/>
-                <a:ea typeface="Menlo" charset="0"/>
-                <a:cs typeface="Menlo" charset="0"/>
-              </a:rPr>
-              <a:t>pgg</a:t>
-            </a:r>
-            <a:r>
-              <a:rPr lang="en-US" dirty="0">
-                <a:solidFill>
-                  <a:srgbClr val="6A8759"/>
-                </a:solidFill>
-                <a:latin typeface="Menlo" charset="0"/>
-                <a:ea typeface="Menlo" charset="0"/>
-                <a:cs typeface="Menlo" charset="0"/>
-              </a:rPr>
-              <a:t>'</a:t>
-            </a:r>
-            <a:r>
-              <a:rPr lang="en-US" dirty="0">
-                <a:latin typeface="Menlo" charset="0"/>
-                <a:ea typeface="Menlo" charset="0"/>
-                <a:cs typeface="Menlo" charset="0"/>
-              </a:rPr>
-              <a:t>]</a:t>
-            </a:r>
-            <a:r>
-              <a:rPr lang="en-US" dirty="0">
-                <a:solidFill>
-                  <a:srgbClr val="CC7832"/>
-                </a:solidFill>
-                <a:latin typeface="Menlo" charset="0"/>
-                <a:ea typeface="Menlo" charset="0"/>
-                <a:cs typeface="Menlo" charset="0"/>
-              </a:rPr>
-              <a:t>,</a:t>
-            </a:r>
-            <a:br>
-              <a:rPr lang="en-US" dirty="0">
-                <a:solidFill>
-                  <a:srgbClr val="CC7832"/>
-                </a:solidFill>
-                <a:latin typeface="Menlo" charset="0"/>
-                <a:ea typeface="Menlo" charset="0"/>
-                <a:cs typeface="Menlo" charset="0"/>
-              </a:rPr>
-            </a:br>
-            <a:r>
-              <a:rPr lang="en-US" dirty="0">
-                <a:solidFill>
-                  <a:srgbClr val="CC7832"/>
-                </a:solidFill>
-                <a:latin typeface="Menlo" charset="0"/>
-                <a:ea typeface="Menlo" charset="0"/>
-                <a:cs typeface="Menlo" charset="0"/>
-              </a:rPr>
-              <a:t>    </a:t>
-            </a:r>
-            <a:r>
-              <a:rPr lang="en-US" dirty="0">
-                <a:solidFill>
-                  <a:srgbClr val="6A8759"/>
-                </a:solidFill>
-                <a:latin typeface="Menlo" charset="0"/>
-                <a:ea typeface="Menlo" charset="0"/>
-                <a:cs typeface="Menlo" charset="0"/>
-              </a:rPr>
-              <a:t>'</a:t>
-            </a:r>
-            <a:r>
-              <a:rPr lang="en-US" dirty="0" err="1">
-                <a:solidFill>
-                  <a:srgbClr val="6A8759"/>
-                </a:solidFill>
-                <a:latin typeface="Menlo" charset="0"/>
-                <a:ea typeface="Menlo" charset="0"/>
-                <a:cs typeface="Menlo" charset="0"/>
-              </a:rPr>
-              <a:t>hetero_endowment</a:t>
-            </a:r>
-            <a:r>
-              <a:rPr lang="en-US" dirty="0">
-                <a:solidFill>
-                  <a:srgbClr val="6A8759"/>
-                </a:solidFill>
-                <a:latin typeface="Menlo" charset="0"/>
-                <a:ea typeface="Menlo" charset="0"/>
-                <a:cs typeface="Menlo" charset="0"/>
-              </a:rPr>
-              <a:t>'</a:t>
-            </a:r>
-            <a:r>
-              <a:rPr lang="en-US" dirty="0">
-                <a:latin typeface="Menlo" charset="0"/>
-                <a:ea typeface="Menlo" charset="0"/>
-                <a:cs typeface="Menlo" charset="0"/>
-              </a:rPr>
-              <a:t>: </a:t>
-            </a:r>
-            <a:r>
-              <a:rPr lang="en-US" dirty="0">
-                <a:solidFill>
-                  <a:srgbClr val="CC7832"/>
-                </a:solidFill>
-                <a:latin typeface="Menlo" charset="0"/>
-                <a:ea typeface="Menlo" charset="0"/>
-                <a:cs typeface="Menlo" charset="0"/>
-              </a:rPr>
-              <a:t>True,</a:t>
-            </a:r>
-            <a:br>
-              <a:rPr lang="en-US" dirty="0">
-                <a:solidFill>
-                  <a:srgbClr val="CC7832"/>
-                </a:solidFill>
-                <a:latin typeface="Menlo" charset="0"/>
-                <a:ea typeface="Menlo" charset="0"/>
-                <a:cs typeface="Menlo" charset="0"/>
-              </a:rPr>
-            </a:br>
-            <a:r>
-              <a:rPr lang="en-US" dirty="0">
-                <a:latin typeface="Menlo" charset="0"/>
-                <a:ea typeface="Menlo" charset="0"/>
-                <a:cs typeface="Menlo" charset="0"/>
-              </a:rPr>
-              <a:t>}</a:t>
-            </a:r>
-            <a:r>
-              <a:rPr lang="en-US" dirty="0">
-                <a:solidFill>
-                  <a:srgbClr val="CC7832"/>
-                </a:solidFill>
-                <a:latin typeface="Menlo" charset="0"/>
-                <a:ea typeface="Menlo" charset="0"/>
-                <a:cs typeface="Menlo" charset="0"/>
-              </a:rPr>
-              <a:t>,</a:t>
-            </a:r>
-            <a:endParaRPr lang="en-US" dirty="0">
-              <a:latin typeface="Menlo" charset="0"/>
-              <a:ea typeface="Menlo" charset="0"/>
-              <a:cs typeface="Menlo" charset="0"/>
+              <a:rPr lang="en-US" dirty="0" smtClean="0"/>
+              <a:t>You can use conditions and loops in templates:</a:t>
+            </a:r>
+          </a:p>
+          <a:p>
+            <a:pPr marL="2857500" indent="0">
+              <a:buNone/>
+            </a:pPr>
+            <a:r>
+              <a:rPr lang="en-US" sz="2400" dirty="0" smtClean="0">
+                <a:latin typeface="Courier" charset="0"/>
+                <a:ea typeface="Courier" charset="0"/>
+                <a:cs typeface="Courier" charset="0"/>
+              </a:rPr>
+              <a:t>{% if </a:t>
+            </a:r>
+            <a:r>
+              <a:rPr lang="en-US" sz="2400" dirty="0" err="1" smtClean="0">
+                <a:latin typeface="Courier" charset="0"/>
+                <a:ea typeface="Courier" charset="0"/>
+                <a:cs typeface="Courier" charset="0"/>
+              </a:rPr>
+              <a:t>player.age</a:t>
+            </a:r>
+            <a:r>
+              <a:rPr lang="en-US" sz="2400" dirty="0" smtClean="0">
+                <a:latin typeface="Courier" charset="0"/>
+                <a:ea typeface="Courier" charset="0"/>
+                <a:cs typeface="Courier" charset="0"/>
+              </a:rPr>
+              <a:t> &lt; 30 %}</a:t>
+            </a:r>
+          </a:p>
+          <a:p>
+            <a:pPr marL="2857500" lvl="1" indent="0">
+              <a:buNone/>
+            </a:pPr>
+            <a:r>
+              <a:rPr lang="en-US" dirty="0" smtClean="0">
+                <a:latin typeface="Courier" charset="0"/>
+                <a:ea typeface="Courier" charset="0"/>
+                <a:cs typeface="Courier" charset="0"/>
+              </a:rPr>
+              <a:t>	hi, dude!</a:t>
+            </a:r>
+          </a:p>
+          <a:p>
+            <a:pPr marL="2857500" indent="0">
+              <a:buNone/>
+            </a:pPr>
+            <a:r>
+              <a:rPr lang="en-US" sz="2400" dirty="0" smtClean="0">
+                <a:latin typeface="Courier" charset="0"/>
+                <a:ea typeface="Courier" charset="0"/>
+                <a:cs typeface="Courier" charset="0"/>
+              </a:rPr>
+              <a:t>{% else %}</a:t>
+            </a:r>
+          </a:p>
+          <a:p>
+            <a:pPr marL="2857500" lvl="1" indent="0">
+              <a:buNone/>
+            </a:pPr>
+            <a:r>
+              <a:rPr lang="en-US" dirty="0" smtClean="0">
+                <a:latin typeface="Courier" charset="0"/>
+                <a:ea typeface="Courier" charset="0"/>
+                <a:cs typeface="Courier" charset="0"/>
+              </a:rPr>
+              <a:t>	Dear Mr. Player,</a:t>
+            </a:r>
+          </a:p>
+          <a:p>
+            <a:pPr marL="2857500" indent="0">
+              <a:buNone/>
+            </a:pPr>
+            <a:r>
+              <a:rPr lang="en-US" sz="2400" dirty="0" smtClean="0">
+                <a:latin typeface="Courier" charset="0"/>
+                <a:ea typeface="Courier" charset="0"/>
+                <a:cs typeface="Courier" charset="0"/>
+              </a:rPr>
+              <a:t>{% </a:t>
+            </a:r>
+            <a:r>
+              <a:rPr lang="en-US" sz="2400" dirty="0" err="1" smtClean="0">
+                <a:latin typeface="Courier" charset="0"/>
+                <a:ea typeface="Courier" charset="0"/>
+                <a:cs typeface="Courier" charset="0"/>
+              </a:rPr>
+              <a:t>endif</a:t>
+            </a:r>
+            <a:r>
+              <a:rPr lang="en-US" sz="2400" dirty="0" smtClean="0">
+                <a:latin typeface="Courier" charset="0"/>
+                <a:ea typeface="Courier" charset="0"/>
+                <a:cs typeface="Courier" charset="0"/>
+              </a:rPr>
+              <a:t> %}</a:t>
+            </a:r>
+          </a:p>
+          <a:p>
+            <a:r>
+              <a:rPr lang="en-US" sz="2400" dirty="0"/>
+              <a:t>You can </a:t>
+            </a:r>
+            <a:r>
+              <a:rPr lang="en-US" sz="2400" dirty="0" smtClean="0"/>
+              <a:t>also use methods:</a:t>
+            </a:r>
+          </a:p>
+          <a:p>
+            <a:pPr marL="2857500" indent="0">
+              <a:buNone/>
+            </a:pPr>
+            <a:r>
+              <a:rPr lang="en-US" sz="2400" dirty="0" smtClean="0">
+                <a:latin typeface="Courier" charset="0"/>
+                <a:ea typeface="Courier" charset="0"/>
+                <a:cs typeface="Courier" charset="0"/>
+              </a:rPr>
+              <a:t>{{ </a:t>
+            </a:r>
+            <a:r>
+              <a:rPr lang="en-US" sz="2400" dirty="0" err="1" smtClean="0">
+                <a:latin typeface="Courier" charset="0"/>
+                <a:ea typeface="Courier" charset="0"/>
+                <a:cs typeface="Courier" charset="0"/>
+              </a:rPr>
+              <a:t>player.role</a:t>
+            </a:r>
+            <a:r>
+              <a:rPr lang="en-US" sz="2400" dirty="0" smtClean="0">
+                <a:latin typeface="Courier" charset="0"/>
+                <a:ea typeface="Courier" charset="0"/>
+                <a:cs typeface="Courier" charset="0"/>
+              </a:rPr>
+              <a:t> }}</a:t>
+            </a:r>
+            <a:endParaRPr lang="en-US" sz="2400" dirty="0">
+              <a:latin typeface="Courier" charset="0"/>
+              <a:ea typeface="Courier" charset="0"/>
+              <a:cs typeface="Courier" charset="0"/>
+            </a:endParaRPr>
+          </a:p>
+          <a:p>
+            <a:pPr marL="2857500" indent="0">
+              <a:buNone/>
+            </a:pPr>
+            <a:endParaRPr lang="en-US" sz="2400" dirty="0">
+              <a:latin typeface="Courier" charset="0"/>
+              <a:ea typeface="Courier" charset="0"/>
+              <a:cs typeface="Courier" charset="0"/>
             </a:endParaRPr>
           </a:p>
         </p:txBody>
@@ -8249,7 +9362,7 @@
     </p:spTree>
     <p:extLst>
       <p:ext uri="{BB962C8B-B14F-4D97-AF65-F5344CB8AC3E}">
-        <p14:creationId xmlns:p14="http://schemas.microsoft.com/office/powerpoint/2010/main" val="1886827519"/>
+        <p14:creationId xmlns:p14="http://schemas.microsoft.com/office/powerpoint/2010/main" val="164818323"/>
       </p:ext>
     </p:extLst>
   </p:cSld>
@@ -8300,7 +9413,7 @@
           <a:p>
             <a:r>
               <a:rPr lang="en-US" dirty="0" smtClean="0"/>
-              <a:t>Treatments</a:t>
+              <a:t>Templates: Methods in conditions. Constants</a:t>
             </a:r>
             <a:endParaRPr lang="en-US" dirty="0"/>
           </a:p>
@@ -8308,732 +9421,533 @@
       </p:sp>
       <p:sp>
         <p:nvSpPr>
-          <p:cNvPr id="3" name="Rectangle 2"/>
-          <p:cNvSpPr/>
-          <p:nvPr/>
-        </p:nvSpPr>
-        <p:spPr>
-          <a:xfrm>
-            <a:off x="753035" y="1690689"/>
-            <a:ext cx="14146306" cy="3970318"/>
-          </a:xfrm>
-          <a:prstGeom prst="rect">
-            <a:avLst/>
-          </a:prstGeom>
-        </p:spPr>
-        <p:txBody>
-          <a:bodyPr wrap="square">
-            <a:spAutoFit/>
-          </a:bodyPr>
+          <p:cNvPr id="10" name="Content Placeholder 9"/>
+          <p:cNvSpPr>
+            <a:spLocks noGrp="1"/>
+          </p:cNvSpPr>
+          <p:nvPr>
+            <p:ph idx="1"/>
+          </p:nvPr>
+        </p:nvSpPr>
+        <p:spPr/>
+        <p:txBody>
+          <a:bodyPr/>
           <a:lstStyle/>
           <a:p>
             <a:r>
-              <a:rPr lang="en-US" dirty="0">
-                <a:latin typeface="Menlo" charset="0"/>
-                <a:ea typeface="Menlo" charset="0"/>
-                <a:cs typeface="Menlo" charset="0"/>
+              <a:rPr lang="mr-IN" dirty="0">
+                <a:latin typeface="Courier" charset="0"/>
+                <a:ea typeface="Courier" charset="0"/>
+                <a:cs typeface="Courier" charset="0"/>
+              </a:rPr>
+              <a:t>&lt;</a:t>
+            </a:r>
+            <a:r>
+              <a:rPr lang="mr-IN" b="1" dirty="0" err="1">
+                <a:latin typeface="Courier" charset="0"/>
+                <a:ea typeface="Courier" charset="0"/>
+                <a:cs typeface="Courier" charset="0"/>
+              </a:rPr>
+              <a:t>tr</a:t>
+            </a:r>
+            <a:r>
+              <a:rPr lang="mr-IN" dirty="0">
+                <a:latin typeface="Courier" charset="0"/>
+                <a:ea typeface="Courier" charset="0"/>
+                <a:cs typeface="Courier" charset="0"/>
+              </a:rPr>
+              <a:t>&gt;</a:t>
+            </a:r>
+            <a:br>
+              <a:rPr lang="mr-IN" dirty="0">
+                <a:latin typeface="Courier" charset="0"/>
+                <a:ea typeface="Courier" charset="0"/>
+                <a:cs typeface="Courier" charset="0"/>
+              </a:rPr>
+            </a:br>
+            <a:r>
+              <a:rPr lang="mr-IN" dirty="0">
+                <a:latin typeface="Courier" charset="0"/>
+                <a:ea typeface="Courier" charset="0"/>
+                <a:cs typeface="Courier" charset="0"/>
+              </a:rPr>
+              <a:t>    &lt;</a:t>
+            </a:r>
+            <a:r>
+              <a:rPr lang="mr-IN" b="1" dirty="0" err="1">
+                <a:latin typeface="Courier" charset="0"/>
+                <a:ea typeface="Courier" charset="0"/>
+                <a:cs typeface="Courier" charset="0"/>
+              </a:rPr>
+              <a:t>td</a:t>
+            </a:r>
+            <a:r>
+              <a:rPr lang="mr-IN" dirty="0">
+                <a:latin typeface="Courier" charset="0"/>
+                <a:ea typeface="Courier" charset="0"/>
+                <a:cs typeface="Courier" charset="0"/>
+              </a:rPr>
+              <a:t>&gt;</a:t>
+            </a:r>
+            <a:br>
+              <a:rPr lang="mr-IN" dirty="0">
+                <a:latin typeface="Courier" charset="0"/>
+                <a:ea typeface="Courier" charset="0"/>
+                <a:cs typeface="Courier" charset="0"/>
+              </a:rPr>
+            </a:br>
+            <a:r>
+              <a:rPr lang="mr-IN" dirty="0">
+                <a:latin typeface="Courier" charset="0"/>
+                <a:ea typeface="Courier" charset="0"/>
+                <a:cs typeface="Courier" charset="0"/>
+              </a:rPr>
+              <a:t>        {% </a:t>
+            </a:r>
+            <a:r>
+              <a:rPr lang="mr-IN" b="1" dirty="0" err="1">
+                <a:latin typeface="Courier" charset="0"/>
+                <a:ea typeface="Courier" charset="0"/>
+                <a:cs typeface="Courier" charset="0"/>
+              </a:rPr>
+              <a:t>if</a:t>
+            </a:r>
+            <a:r>
+              <a:rPr lang="mr-IN" b="1" dirty="0">
+                <a:latin typeface="Courier" charset="0"/>
+                <a:ea typeface="Courier" charset="0"/>
+                <a:cs typeface="Courier" charset="0"/>
+              </a:rPr>
+              <a:t> </a:t>
+            </a:r>
+            <a:r>
+              <a:rPr lang="mr-IN" b="1" dirty="0" err="1">
+                <a:latin typeface="Courier" charset="0"/>
+                <a:ea typeface="Courier" charset="0"/>
+                <a:cs typeface="Courier" charset="0"/>
+              </a:rPr>
+              <a:t>player</a:t>
+            </a:r>
+            <a:r>
+              <a:rPr lang="mr-IN" dirty="0" err="1">
+                <a:latin typeface="Courier" charset="0"/>
+                <a:ea typeface="Courier" charset="0"/>
+                <a:cs typeface="Courier" charset="0"/>
+              </a:rPr>
+              <a:t>.</a:t>
+            </a:r>
+            <a:r>
+              <a:rPr lang="mr-IN" b="1" dirty="0" err="1">
+                <a:latin typeface="Courier" charset="0"/>
+                <a:ea typeface="Courier" charset="0"/>
+                <a:cs typeface="Courier" charset="0"/>
+              </a:rPr>
+              <a:t>role</a:t>
+            </a:r>
+            <a:r>
+              <a:rPr lang="mr-IN" b="1" dirty="0">
+                <a:latin typeface="Courier" charset="0"/>
+                <a:ea typeface="Courier" charset="0"/>
+                <a:cs typeface="Courier" charset="0"/>
+              </a:rPr>
+              <a:t> </a:t>
+            </a:r>
+            <a:r>
+              <a:rPr lang="mr-IN" dirty="0">
+                <a:latin typeface="Courier" charset="0"/>
+                <a:ea typeface="Courier" charset="0"/>
+                <a:cs typeface="Courier" charset="0"/>
+              </a:rPr>
+              <a:t>== </a:t>
+            </a:r>
+            <a:r>
+              <a:rPr lang="mr-IN" b="1" dirty="0" smtClean="0">
+                <a:latin typeface="Courier" charset="0"/>
+                <a:ea typeface="Courier" charset="0"/>
+                <a:cs typeface="Courier" charset="0"/>
+              </a:rPr>
+              <a:t>'</a:t>
+            </a:r>
+            <a:r>
+              <a:rPr lang="mr-IN" b="1" dirty="0" err="1" smtClean="0">
+                <a:latin typeface="Courier" charset="0"/>
+                <a:ea typeface="Courier" charset="0"/>
+                <a:cs typeface="Courier" charset="0"/>
+              </a:rPr>
+              <a:t>dictator</a:t>
+            </a:r>
+            <a:r>
+              <a:rPr lang="mr-IN" b="1" dirty="0" smtClean="0">
+                <a:latin typeface="Courier" charset="0"/>
+                <a:ea typeface="Courier" charset="0"/>
+                <a:cs typeface="Courier" charset="0"/>
+              </a:rPr>
+              <a:t>' </a:t>
+            </a:r>
+            <a:r>
+              <a:rPr lang="mr-IN" dirty="0">
+                <a:latin typeface="Courier" charset="0"/>
+                <a:ea typeface="Courier" charset="0"/>
+                <a:cs typeface="Courier" charset="0"/>
+              </a:rPr>
+              <a:t>%}</a:t>
+            </a:r>
+            <a:br>
+              <a:rPr lang="mr-IN" dirty="0">
+                <a:latin typeface="Courier" charset="0"/>
+                <a:ea typeface="Courier" charset="0"/>
+                <a:cs typeface="Courier" charset="0"/>
+              </a:rPr>
+            </a:br>
+            <a:r>
+              <a:rPr lang="mr-IN" dirty="0">
+                <a:latin typeface="Courier" charset="0"/>
+                <a:ea typeface="Courier" charset="0"/>
+                <a:cs typeface="Courier" charset="0"/>
+              </a:rPr>
+              <a:t>            </a:t>
+            </a:r>
+            <a:r>
+              <a:rPr lang="mr-IN" dirty="0" err="1">
+                <a:latin typeface="Courier" charset="0"/>
+                <a:ea typeface="Courier" charset="0"/>
+                <a:cs typeface="Courier" charset="0"/>
+              </a:rPr>
+              <a:t>Your</a:t>
+            </a:r>
+            <a:r>
+              <a:rPr lang="mr-IN" dirty="0">
+                <a:latin typeface="Courier" charset="0"/>
+                <a:ea typeface="Courier" charset="0"/>
+                <a:cs typeface="Courier" charset="0"/>
               </a:rPr>
               <a:t/>
             </a:r>
             <a:br>
-              <a:rPr lang="en-US" dirty="0">
-                <a:latin typeface="Menlo" charset="0"/>
-                <a:ea typeface="Menlo" charset="0"/>
-                <a:cs typeface="Menlo" charset="0"/>
+              <a:rPr lang="mr-IN" dirty="0">
+                <a:latin typeface="Courier" charset="0"/>
+                <a:ea typeface="Courier" charset="0"/>
+                <a:cs typeface="Courier" charset="0"/>
               </a:rPr>
             </a:br>
             <a:r>
-              <a:rPr lang="en-US" dirty="0">
-                <a:latin typeface="Menlo" charset="0"/>
-                <a:ea typeface="Menlo" charset="0"/>
-                <a:cs typeface="Menlo" charset="0"/>
+              <a:rPr lang="mr-IN" dirty="0">
+                <a:latin typeface="Courier" charset="0"/>
+                <a:ea typeface="Courier" charset="0"/>
+                <a:cs typeface="Courier" charset="0"/>
+              </a:rPr>
+              <a:t>        {% </a:t>
+            </a:r>
+            <a:r>
+              <a:rPr lang="mr-IN" b="1" dirty="0" err="1">
+                <a:latin typeface="Courier" charset="0"/>
+                <a:ea typeface="Courier" charset="0"/>
+                <a:cs typeface="Courier" charset="0"/>
+              </a:rPr>
+              <a:t>else</a:t>
+            </a:r>
+            <a:r>
+              <a:rPr lang="mr-IN" b="1" dirty="0">
+                <a:latin typeface="Courier" charset="0"/>
+                <a:ea typeface="Courier" charset="0"/>
+                <a:cs typeface="Courier" charset="0"/>
+              </a:rPr>
+              <a:t> </a:t>
+            </a:r>
+            <a:r>
+              <a:rPr lang="mr-IN" dirty="0">
+                <a:latin typeface="Courier" charset="0"/>
+                <a:ea typeface="Courier" charset="0"/>
+                <a:cs typeface="Courier" charset="0"/>
+              </a:rPr>
+              <a:t>%}</a:t>
+            </a:r>
+            <a:br>
+              <a:rPr lang="mr-IN" dirty="0">
+                <a:latin typeface="Courier" charset="0"/>
+                <a:ea typeface="Courier" charset="0"/>
+                <a:cs typeface="Courier" charset="0"/>
+              </a:rPr>
+            </a:br>
+            <a:r>
+              <a:rPr lang="mr-IN" dirty="0">
+                <a:latin typeface="Courier" charset="0"/>
+                <a:ea typeface="Courier" charset="0"/>
+                <a:cs typeface="Courier" charset="0"/>
+              </a:rPr>
+              <a:t>            </a:t>
+            </a:r>
+            <a:r>
+              <a:rPr lang="en-US" dirty="0" smtClean="0">
+                <a:latin typeface="Courier" charset="0"/>
+                <a:ea typeface="Courier" charset="0"/>
+                <a:cs typeface="Courier" charset="0"/>
+              </a:rPr>
+              <a:t>Your partner's</a:t>
+            </a:r>
+            <a:r>
+              <a:rPr lang="mr-IN" dirty="0">
+                <a:latin typeface="Courier" charset="0"/>
+                <a:ea typeface="Courier" charset="0"/>
+                <a:cs typeface="Courier" charset="0"/>
               </a:rPr>
               <a:t/>
             </a:r>
             <a:br>
-              <a:rPr lang="en-US" dirty="0">
-                <a:latin typeface="Menlo" charset="0"/>
-                <a:ea typeface="Menlo" charset="0"/>
-                <a:cs typeface="Menlo" charset="0"/>
+              <a:rPr lang="mr-IN" dirty="0">
+                <a:latin typeface="Courier" charset="0"/>
+                <a:ea typeface="Courier" charset="0"/>
+                <a:cs typeface="Courier" charset="0"/>
               </a:rPr>
             </a:br>
             <a:r>
-              <a:rPr lang="en-US" dirty="0">
-                <a:solidFill>
-                  <a:srgbClr val="CC7832"/>
-                </a:solidFill>
-                <a:latin typeface="Menlo" charset="0"/>
-                <a:ea typeface="Menlo" charset="0"/>
-                <a:cs typeface="Menlo" charset="0"/>
-              </a:rPr>
-              <a:t>class </a:t>
-            </a:r>
-            <a:r>
-              <a:rPr lang="en-US" dirty="0" err="1">
-                <a:latin typeface="Menlo" charset="0"/>
-                <a:ea typeface="Menlo" charset="0"/>
-                <a:cs typeface="Menlo" charset="0"/>
-              </a:rPr>
-              <a:t>Subsession</a:t>
-            </a:r>
-            <a:r>
-              <a:rPr lang="en-US" dirty="0">
-                <a:latin typeface="Menlo" charset="0"/>
-                <a:ea typeface="Menlo" charset="0"/>
-                <a:cs typeface="Menlo" charset="0"/>
-              </a:rPr>
-              <a:t>(</a:t>
-            </a:r>
-            <a:r>
-              <a:rPr lang="en-US" dirty="0" err="1">
-                <a:latin typeface="Menlo" charset="0"/>
-                <a:ea typeface="Menlo" charset="0"/>
-                <a:cs typeface="Menlo" charset="0"/>
-              </a:rPr>
-              <a:t>BaseSubsession</a:t>
-            </a:r>
-            <a:r>
-              <a:rPr lang="en-US" dirty="0">
-                <a:latin typeface="Menlo" charset="0"/>
-                <a:ea typeface="Menlo" charset="0"/>
-                <a:cs typeface="Menlo" charset="0"/>
-              </a:rPr>
-              <a:t>):</a:t>
+              <a:rPr lang="mr-IN" dirty="0">
+                <a:latin typeface="Courier" charset="0"/>
+                <a:ea typeface="Courier" charset="0"/>
+                <a:cs typeface="Courier" charset="0"/>
+              </a:rPr>
+              <a:t>        {% </a:t>
+            </a:r>
+            <a:r>
+              <a:rPr lang="mr-IN" b="1" dirty="0" err="1">
+                <a:latin typeface="Courier" charset="0"/>
+                <a:ea typeface="Courier" charset="0"/>
+                <a:cs typeface="Courier" charset="0"/>
+              </a:rPr>
+              <a:t>endif</a:t>
+            </a:r>
+            <a:r>
+              <a:rPr lang="mr-IN" b="1" dirty="0">
+                <a:latin typeface="Courier" charset="0"/>
+                <a:ea typeface="Courier" charset="0"/>
+                <a:cs typeface="Courier" charset="0"/>
+              </a:rPr>
+              <a:t> </a:t>
+            </a:r>
+            <a:r>
+              <a:rPr lang="mr-IN" dirty="0">
+                <a:latin typeface="Courier" charset="0"/>
+                <a:ea typeface="Courier" charset="0"/>
+                <a:cs typeface="Courier" charset="0"/>
+              </a:rPr>
+              <a:t>%}</a:t>
             </a:r>
             <a:br>
-              <a:rPr lang="en-US" dirty="0">
-                <a:latin typeface="Menlo" charset="0"/>
-                <a:ea typeface="Menlo" charset="0"/>
-                <a:cs typeface="Menlo" charset="0"/>
+              <a:rPr lang="mr-IN" dirty="0">
+                <a:latin typeface="Courier" charset="0"/>
+                <a:ea typeface="Courier" charset="0"/>
+                <a:cs typeface="Courier" charset="0"/>
               </a:rPr>
             </a:br>
             <a:r>
-              <a:rPr lang="en-US" dirty="0">
-                <a:latin typeface="Menlo" charset="0"/>
-                <a:ea typeface="Menlo" charset="0"/>
-                <a:cs typeface="Menlo" charset="0"/>
-              </a:rPr>
-              <a:t>    </a:t>
-            </a:r>
-            <a:r>
-              <a:rPr lang="en-US" dirty="0" err="1">
-                <a:solidFill>
-                  <a:srgbClr val="CC7832"/>
-                </a:solidFill>
-                <a:latin typeface="Menlo" charset="0"/>
-                <a:ea typeface="Menlo" charset="0"/>
-                <a:cs typeface="Menlo" charset="0"/>
-              </a:rPr>
-              <a:t>def</a:t>
-            </a:r>
-            <a:r>
-              <a:rPr lang="en-US" dirty="0">
-                <a:solidFill>
-                  <a:srgbClr val="CC7832"/>
-                </a:solidFill>
-                <a:latin typeface="Menlo" charset="0"/>
-                <a:ea typeface="Menlo" charset="0"/>
-                <a:cs typeface="Menlo" charset="0"/>
+              <a:rPr lang="mr-IN" dirty="0">
+                <a:latin typeface="Courier" charset="0"/>
+                <a:ea typeface="Courier" charset="0"/>
+                <a:cs typeface="Courier" charset="0"/>
+              </a:rPr>
+              <a:t>        </a:t>
+            </a:r>
+            <a:r>
+              <a:rPr lang="mr-IN" dirty="0" err="1">
+                <a:latin typeface="Courier" charset="0"/>
+                <a:ea typeface="Courier" charset="0"/>
+                <a:cs typeface="Courier" charset="0"/>
+              </a:rPr>
+              <a:t>initial</a:t>
+            </a:r>
+            <a:r>
+              <a:rPr lang="mr-IN" dirty="0">
+                <a:latin typeface="Courier" charset="0"/>
+                <a:ea typeface="Courier" charset="0"/>
+                <a:cs typeface="Courier" charset="0"/>
               </a:rPr>
               <a:t> </a:t>
             </a:r>
             <a:r>
-              <a:rPr lang="en-US" dirty="0" err="1">
-                <a:solidFill>
-                  <a:srgbClr val="FFC66D"/>
-                </a:solidFill>
-                <a:latin typeface="Menlo" charset="0"/>
-                <a:ea typeface="Menlo" charset="0"/>
-                <a:cs typeface="Menlo" charset="0"/>
-              </a:rPr>
-              <a:t>creating_session</a:t>
-            </a:r>
-            <a:r>
-              <a:rPr lang="en-US" dirty="0">
-                <a:latin typeface="Menlo" charset="0"/>
-                <a:ea typeface="Menlo" charset="0"/>
-                <a:cs typeface="Menlo" charset="0"/>
-              </a:rPr>
-              <a:t>(</a:t>
-            </a:r>
-            <a:r>
-              <a:rPr lang="en-US" dirty="0">
-                <a:solidFill>
-                  <a:srgbClr val="94558D"/>
-                </a:solidFill>
-                <a:latin typeface="Menlo" charset="0"/>
-                <a:ea typeface="Menlo" charset="0"/>
-                <a:cs typeface="Menlo" charset="0"/>
-              </a:rPr>
-              <a:t>self</a:t>
-            </a:r>
-            <a:r>
-              <a:rPr lang="en-US" dirty="0">
-                <a:latin typeface="Menlo" charset="0"/>
-                <a:ea typeface="Menlo" charset="0"/>
-                <a:cs typeface="Menlo" charset="0"/>
-              </a:rPr>
-              <a:t>):</a:t>
+              <a:rPr lang="mr-IN" dirty="0" err="1">
+                <a:latin typeface="Courier" charset="0"/>
+                <a:ea typeface="Courier" charset="0"/>
+                <a:cs typeface="Courier" charset="0"/>
+              </a:rPr>
+              <a:t>endowment</a:t>
+            </a:r>
+            <a:r>
+              <a:rPr lang="mr-IN" dirty="0">
+                <a:latin typeface="Courier" charset="0"/>
+                <a:ea typeface="Courier" charset="0"/>
+                <a:cs typeface="Courier" charset="0"/>
+              </a:rPr>
+              <a:t> </a:t>
+            </a:r>
+            <a:r>
+              <a:rPr lang="mr-IN" dirty="0" err="1">
+                <a:latin typeface="Courier" charset="0"/>
+                <a:ea typeface="Courier" charset="0"/>
+                <a:cs typeface="Courier" charset="0"/>
+              </a:rPr>
+              <a:t>was</a:t>
+            </a:r>
+            <a:r>
+              <a:rPr lang="mr-IN" dirty="0">
+                <a:latin typeface="Courier" charset="0"/>
+                <a:ea typeface="Courier" charset="0"/>
+                <a:cs typeface="Courier" charset="0"/>
+              </a:rPr>
+              <a:t>:</a:t>
             </a:r>
             <a:br>
-              <a:rPr lang="en-US" dirty="0">
-                <a:latin typeface="Menlo" charset="0"/>
-                <a:ea typeface="Menlo" charset="0"/>
-                <a:cs typeface="Menlo" charset="0"/>
+              <a:rPr lang="mr-IN" dirty="0">
+                <a:latin typeface="Courier" charset="0"/>
+                <a:ea typeface="Courier" charset="0"/>
+                <a:cs typeface="Courier" charset="0"/>
               </a:rPr>
             </a:br>
             <a:r>
-              <a:rPr lang="en-US" dirty="0">
-                <a:latin typeface="Menlo" charset="0"/>
-                <a:ea typeface="Menlo" charset="0"/>
-                <a:cs typeface="Menlo" charset="0"/>
-              </a:rPr>
-              <a:t>        </a:t>
-            </a:r>
-            <a:r>
-              <a:rPr lang="en-US" dirty="0" err="1">
-                <a:latin typeface="Menlo" charset="0"/>
-                <a:ea typeface="Menlo" charset="0"/>
-                <a:cs typeface="Menlo" charset="0"/>
-              </a:rPr>
-              <a:t>hetero_endowment</a:t>
-            </a:r>
-            <a:r>
-              <a:rPr lang="en-US" dirty="0">
-                <a:latin typeface="Menlo" charset="0"/>
-                <a:ea typeface="Menlo" charset="0"/>
-                <a:cs typeface="Menlo" charset="0"/>
-              </a:rPr>
-              <a:t> = </a:t>
-            </a:r>
-            <a:r>
-              <a:rPr lang="en-US" dirty="0" err="1">
-                <a:solidFill>
-                  <a:srgbClr val="94558D"/>
-                </a:solidFill>
-                <a:latin typeface="Menlo" charset="0"/>
-                <a:ea typeface="Menlo" charset="0"/>
-                <a:cs typeface="Menlo" charset="0"/>
-              </a:rPr>
-              <a:t>self</a:t>
-            </a:r>
-            <a:r>
-              <a:rPr lang="en-US" dirty="0" err="1">
-                <a:latin typeface="Menlo" charset="0"/>
-                <a:ea typeface="Menlo" charset="0"/>
-                <a:cs typeface="Menlo" charset="0"/>
-              </a:rPr>
-              <a:t>.session.config</a:t>
-            </a:r>
-            <a:r>
-              <a:rPr lang="en-US" dirty="0">
-                <a:latin typeface="Menlo" charset="0"/>
-                <a:ea typeface="Menlo" charset="0"/>
-                <a:cs typeface="Menlo" charset="0"/>
-              </a:rPr>
-              <a:t>[</a:t>
-            </a:r>
-            <a:r>
-              <a:rPr lang="en-US" dirty="0">
-                <a:solidFill>
-                  <a:srgbClr val="6A8759"/>
-                </a:solidFill>
-                <a:latin typeface="Menlo" charset="0"/>
-                <a:ea typeface="Menlo" charset="0"/>
-                <a:cs typeface="Menlo" charset="0"/>
-              </a:rPr>
-              <a:t>'</a:t>
-            </a:r>
-            <a:r>
-              <a:rPr lang="en-US" dirty="0" err="1">
-                <a:solidFill>
-                  <a:srgbClr val="6A8759"/>
-                </a:solidFill>
-                <a:latin typeface="Menlo" charset="0"/>
-                <a:ea typeface="Menlo" charset="0"/>
-                <a:cs typeface="Menlo" charset="0"/>
-              </a:rPr>
-              <a:t>hetero_endowment</a:t>
-            </a:r>
-            <a:r>
-              <a:rPr lang="en-US" dirty="0">
-                <a:solidFill>
-                  <a:srgbClr val="6A8759"/>
-                </a:solidFill>
-                <a:latin typeface="Menlo" charset="0"/>
-                <a:ea typeface="Menlo" charset="0"/>
-                <a:cs typeface="Menlo" charset="0"/>
-              </a:rPr>
-              <a:t>'</a:t>
-            </a:r>
-            <a:r>
-              <a:rPr lang="en-US" dirty="0">
-                <a:latin typeface="Menlo" charset="0"/>
-                <a:ea typeface="Menlo" charset="0"/>
-                <a:cs typeface="Menlo" charset="0"/>
-              </a:rPr>
-              <a:t>]</a:t>
+              <a:rPr lang="mr-IN" dirty="0">
+                <a:latin typeface="Courier" charset="0"/>
+                <a:ea typeface="Courier" charset="0"/>
+                <a:cs typeface="Courier" charset="0"/>
+              </a:rPr>
+              <a:t>    &lt;/</a:t>
+            </a:r>
+            <a:r>
+              <a:rPr lang="mr-IN" b="1" dirty="0" err="1">
+                <a:latin typeface="Courier" charset="0"/>
+                <a:ea typeface="Courier" charset="0"/>
+                <a:cs typeface="Courier" charset="0"/>
+              </a:rPr>
+              <a:t>td</a:t>
+            </a:r>
+            <a:r>
+              <a:rPr lang="mr-IN" dirty="0">
+                <a:latin typeface="Courier" charset="0"/>
+                <a:ea typeface="Courier" charset="0"/>
+                <a:cs typeface="Courier" charset="0"/>
+              </a:rPr>
+              <a:t>&gt;</a:t>
             </a:r>
             <a:br>
-              <a:rPr lang="en-US" dirty="0">
-                <a:latin typeface="Menlo" charset="0"/>
-                <a:ea typeface="Menlo" charset="0"/>
-                <a:cs typeface="Menlo" charset="0"/>
+              <a:rPr lang="mr-IN" dirty="0">
+                <a:latin typeface="Courier" charset="0"/>
+                <a:ea typeface="Courier" charset="0"/>
+                <a:cs typeface="Courier" charset="0"/>
               </a:rPr>
             </a:br>
             <a:r>
-              <a:rPr lang="en-US" dirty="0">
-                <a:latin typeface="Menlo" charset="0"/>
-                <a:ea typeface="Menlo" charset="0"/>
-                <a:cs typeface="Menlo" charset="0"/>
-              </a:rPr>
-              <a:t>        </a:t>
-            </a:r>
-            <a:r>
-              <a:rPr lang="en-US" dirty="0">
-                <a:solidFill>
-                  <a:srgbClr val="CC7832"/>
-                </a:solidFill>
-                <a:latin typeface="Menlo" charset="0"/>
-                <a:ea typeface="Menlo" charset="0"/>
-                <a:cs typeface="Menlo" charset="0"/>
-              </a:rPr>
-              <a:t>for </a:t>
-            </a:r>
-            <a:r>
-              <a:rPr lang="en-US" dirty="0">
-                <a:latin typeface="Menlo" charset="0"/>
-                <a:ea typeface="Menlo" charset="0"/>
-                <a:cs typeface="Menlo" charset="0"/>
-              </a:rPr>
-              <a:t>p </a:t>
-            </a:r>
-            <a:r>
-              <a:rPr lang="en-US" dirty="0">
-                <a:solidFill>
-                  <a:srgbClr val="CC7832"/>
-                </a:solidFill>
-                <a:latin typeface="Menlo" charset="0"/>
-                <a:ea typeface="Menlo" charset="0"/>
-                <a:cs typeface="Menlo" charset="0"/>
-              </a:rPr>
-              <a:t>in </a:t>
-            </a:r>
-            <a:r>
-              <a:rPr lang="en-US" dirty="0" err="1">
-                <a:solidFill>
-                  <a:srgbClr val="94558D"/>
-                </a:solidFill>
-                <a:latin typeface="Menlo" charset="0"/>
-                <a:ea typeface="Menlo" charset="0"/>
-                <a:cs typeface="Menlo" charset="0"/>
-              </a:rPr>
-              <a:t>self</a:t>
-            </a:r>
-            <a:r>
-              <a:rPr lang="en-US" dirty="0" err="1">
-                <a:latin typeface="Menlo" charset="0"/>
-                <a:ea typeface="Menlo" charset="0"/>
-                <a:cs typeface="Menlo" charset="0"/>
-              </a:rPr>
-              <a:t>.get_players</a:t>
-            </a:r>
-            <a:r>
-              <a:rPr lang="en-US" dirty="0">
-                <a:latin typeface="Menlo" charset="0"/>
-                <a:ea typeface="Menlo" charset="0"/>
-                <a:cs typeface="Menlo" charset="0"/>
-              </a:rPr>
-              <a:t>():</a:t>
+              <a:rPr lang="mr-IN" dirty="0">
+                <a:latin typeface="Courier" charset="0"/>
+                <a:ea typeface="Courier" charset="0"/>
+                <a:cs typeface="Courier" charset="0"/>
+              </a:rPr>
+              <a:t>    &lt;</a:t>
+            </a:r>
+            <a:r>
+              <a:rPr lang="mr-IN" b="1" dirty="0" err="1">
+                <a:latin typeface="Courier" charset="0"/>
+                <a:ea typeface="Courier" charset="0"/>
+                <a:cs typeface="Courier" charset="0"/>
+              </a:rPr>
+              <a:t>th</a:t>
+            </a:r>
+            <a:r>
+              <a:rPr lang="mr-IN" dirty="0">
+                <a:latin typeface="Courier" charset="0"/>
+                <a:ea typeface="Courier" charset="0"/>
+                <a:cs typeface="Courier" charset="0"/>
+              </a:rPr>
+              <a:t>&gt;{{ </a:t>
+            </a:r>
+            <a:r>
+              <a:rPr lang="mr-IN" b="1" dirty="0" err="1">
+                <a:latin typeface="Courier" charset="0"/>
+                <a:ea typeface="Courier" charset="0"/>
+                <a:cs typeface="Courier" charset="0"/>
+              </a:rPr>
+              <a:t>Constants</a:t>
+            </a:r>
+            <a:r>
+              <a:rPr lang="mr-IN" dirty="0" err="1">
+                <a:latin typeface="Courier" charset="0"/>
+                <a:ea typeface="Courier" charset="0"/>
+                <a:cs typeface="Courier" charset="0"/>
+              </a:rPr>
+              <a:t>.</a:t>
+            </a:r>
+            <a:r>
+              <a:rPr lang="mr-IN" b="1" dirty="0" err="1">
+                <a:latin typeface="Courier" charset="0"/>
+                <a:ea typeface="Courier" charset="0"/>
+                <a:cs typeface="Courier" charset="0"/>
+              </a:rPr>
+              <a:t>endowment</a:t>
+            </a:r>
+            <a:r>
+              <a:rPr lang="mr-IN" b="1" dirty="0">
+                <a:latin typeface="Courier" charset="0"/>
+                <a:ea typeface="Courier" charset="0"/>
+                <a:cs typeface="Courier" charset="0"/>
+              </a:rPr>
+              <a:t> </a:t>
+            </a:r>
+            <a:r>
+              <a:rPr lang="mr-IN" dirty="0">
+                <a:latin typeface="Courier" charset="0"/>
+                <a:ea typeface="Courier" charset="0"/>
+                <a:cs typeface="Courier" charset="0"/>
+              </a:rPr>
+              <a:t>}}&lt;/</a:t>
+            </a:r>
+            <a:r>
+              <a:rPr lang="mr-IN" b="1" dirty="0" err="1">
+                <a:latin typeface="Courier" charset="0"/>
+                <a:ea typeface="Courier" charset="0"/>
+                <a:cs typeface="Courier" charset="0"/>
+              </a:rPr>
+              <a:t>th</a:t>
+            </a:r>
+            <a:r>
+              <a:rPr lang="mr-IN" dirty="0">
+                <a:latin typeface="Courier" charset="0"/>
+                <a:ea typeface="Courier" charset="0"/>
+                <a:cs typeface="Courier" charset="0"/>
+              </a:rPr>
+              <a:t>&gt;</a:t>
             </a:r>
             <a:br>
-              <a:rPr lang="en-US" dirty="0">
-                <a:latin typeface="Menlo" charset="0"/>
-                <a:ea typeface="Menlo" charset="0"/>
-                <a:cs typeface="Menlo" charset="0"/>
+              <a:rPr lang="mr-IN" dirty="0">
+                <a:latin typeface="Courier" charset="0"/>
+                <a:ea typeface="Courier" charset="0"/>
+                <a:cs typeface="Courier" charset="0"/>
               </a:rPr>
             </a:br>
             <a:r>
-              <a:rPr lang="en-US" dirty="0">
-                <a:latin typeface="Menlo" charset="0"/>
-                <a:ea typeface="Menlo" charset="0"/>
-                <a:cs typeface="Menlo" charset="0"/>
-              </a:rPr>
-              <a:t>            </a:t>
-            </a:r>
-            <a:r>
-              <a:rPr lang="en-US" dirty="0">
-                <a:solidFill>
-                  <a:srgbClr val="CC7832"/>
-                </a:solidFill>
-                <a:latin typeface="Menlo" charset="0"/>
-                <a:ea typeface="Menlo" charset="0"/>
-                <a:cs typeface="Menlo" charset="0"/>
-              </a:rPr>
-              <a:t>if </a:t>
-            </a:r>
-            <a:r>
-              <a:rPr lang="en-US" dirty="0" err="1">
-                <a:latin typeface="Menlo" charset="0"/>
-                <a:ea typeface="Menlo" charset="0"/>
-                <a:cs typeface="Menlo" charset="0"/>
-              </a:rPr>
-              <a:t>hetero_endowment</a:t>
-            </a:r>
-            <a:r>
-              <a:rPr lang="en-US" dirty="0">
-                <a:latin typeface="Menlo" charset="0"/>
-                <a:ea typeface="Menlo" charset="0"/>
-                <a:cs typeface="Menlo" charset="0"/>
-              </a:rPr>
-              <a:t>:</a:t>
-            </a:r>
-            <a:br>
-              <a:rPr lang="en-US" dirty="0">
-                <a:latin typeface="Menlo" charset="0"/>
-                <a:ea typeface="Menlo" charset="0"/>
-                <a:cs typeface="Menlo" charset="0"/>
-              </a:rPr>
-            </a:br>
-            <a:r>
-              <a:rPr lang="en-US" dirty="0">
-                <a:latin typeface="Menlo" charset="0"/>
-                <a:ea typeface="Menlo" charset="0"/>
-                <a:cs typeface="Menlo" charset="0"/>
-              </a:rPr>
-              <a:t>                </a:t>
-            </a:r>
-            <a:r>
-              <a:rPr lang="en-US" dirty="0">
-                <a:solidFill>
-                  <a:srgbClr val="CC7832"/>
-                </a:solidFill>
-                <a:latin typeface="Menlo" charset="0"/>
-                <a:ea typeface="Menlo" charset="0"/>
-                <a:cs typeface="Menlo" charset="0"/>
-              </a:rPr>
-              <a:t>if </a:t>
-            </a:r>
-            <a:r>
-              <a:rPr lang="en-US" dirty="0" err="1">
-                <a:solidFill>
-                  <a:srgbClr val="94558D"/>
-                </a:solidFill>
-                <a:latin typeface="Menlo" charset="0"/>
-                <a:ea typeface="Menlo" charset="0"/>
-                <a:cs typeface="Menlo" charset="0"/>
-              </a:rPr>
-              <a:t>self</a:t>
-            </a:r>
-            <a:r>
-              <a:rPr lang="en-US" dirty="0" err="1">
-                <a:latin typeface="Menlo" charset="0"/>
-                <a:ea typeface="Menlo" charset="0"/>
-                <a:cs typeface="Menlo" charset="0"/>
-              </a:rPr>
-              <a:t>.round_number</a:t>
-            </a:r>
-            <a:r>
-              <a:rPr lang="en-US" dirty="0">
-                <a:latin typeface="Menlo" charset="0"/>
-                <a:ea typeface="Menlo" charset="0"/>
-                <a:cs typeface="Menlo" charset="0"/>
-              </a:rPr>
-              <a:t> == </a:t>
-            </a:r>
-            <a:r>
-              <a:rPr lang="en-US" dirty="0">
-                <a:solidFill>
-                  <a:srgbClr val="6897BB"/>
-                </a:solidFill>
-                <a:latin typeface="Menlo" charset="0"/>
-                <a:ea typeface="Menlo" charset="0"/>
-                <a:cs typeface="Menlo" charset="0"/>
-              </a:rPr>
-              <a:t>1</a:t>
-            </a:r>
-            <a:r>
-              <a:rPr lang="en-US" dirty="0">
-                <a:latin typeface="Menlo" charset="0"/>
-                <a:ea typeface="Menlo" charset="0"/>
-                <a:cs typeface="Menlo" charset="0"/>
-              </a:rPr>
-              <a:t>:</a:t>
-            </a:r>
-            <a:br>
-              <a:rPr lang="en-US" dirty="0">
-                <a:latin typeface="Menlo" charset="0"/>
-                <a:ea typeface="Menlo" charset="0"/>
-                <a:cs typeface="Menlo" charset="0"/>
-              </a:rPr>
-            </a:br>
-            <a:r>
-              <a:rPr lang="en-US" dirty="0">
-                <a:latin typeface="Menlo" charset="0"/>
-                <a:ea typeface="Menlo" charset="0"/>
-                <a:cs typeface="Menlo" charset="0"/>
-              </a:rPr>
-              <a:t>                    </a:t>
-            </a:r>
-            <a:r>
-              <a:rPr lang="en-US" dirty="0" err="1">
-                <a:latin typeface="Menlo" charset="0"/>
-                <a:ea typeface="Menlo" charset="0"/>
-                <a:cs typeface="Menlo" charset="0"/>
-              </a:rPr>
-              <a:t>p.endowment</a:t>
-            </a:r>
-            <a:r>
-              <a:rPr lang="en-US" dirty="0">
-                <a:latin typeface="Menlo" charset="0"/>
-                <a:ea typeface="Menlo" charset="0"/>
-                <a:cs typeface="Menlo" charset="0"/>
-              </a:rPr>
-              <a:t> = </a:t>
-            </a:r>
-            <a:r>
-              <a:rPr lang="en-US" dirty="0" err="1">
-                <a:latin typeface="Menlo" charset="0"/>
-                <a:ea typeface="Menlo" charset="0"/>
-                <a:cs typeface="Menlo" charset="0"/>
-              </a:rPr>
-              <a:t>random.randint</a:t>
-            </a:r>
-            <a:r>
-              <a:rPr lang="en-US" dirty="0">
-                <a:latin typeface="Menlo" charset="0"/>
-                <a:ea typeface="Menlo" charset="0"/>
-                <a:cs typeface="Menlo" charset="0"/>
-              </a:rPr>
-              <a:t>(</a:t>
-            </a:r>
-            <a:r>
-              <a:rPr lang="en-US" dirty="0" err="1">
-                <a:latin typeface="Menlo" charset="0"/>
-                <a:ea typeface="Menlo" charset="0"/>
-                <a:cs typeface="Menlo" charset="0"/>
-              </a:rPr>
-              <a:t>Constants.lb</a:t>
-            </a:r>
-            <a:r>
-              <a:rPr lang="en-US" dirty="0">
-                <a:solidFill>
-                  <a:srgbClr val="CC7832"/>
-                </a:solidFill>
-                <a:latin typeface="Menlo" charset="0"/>
-                <a:ea typeface="Menlo" charset="0"/>
-                <a:cs typeface="Menlo" charset="0"/>
-              </a:rPr>
-              <a:t>, </a:t>
-            </a:r>
-            <a:r>
-              <a:rPr lang="en-US" dirty="0" err="1">
-                <a:latin typeface="Menlo" charset="0"/>
-                <a:ea typeface="Menlo" charset="0"/>
-                <a:cs typeface="Menlo" charset="0"/>
-              </a:rPr>
-              <a:t>Constants.ub</a:t>
-            </a:r>
-            <a:r>
-              <a:rPr lang="en-US" dirty="0">
-                <a:latin typeface="Menlo" charset="0"/>
-                <a:ea typeface="Menlo" charset="0"/>
-                <a:cs typeface="Menlo" charset="0"/>
-              </a:rPr>
-              <a:t>)</a:t>
-            </a:r>
-            <a:br>
-              <a:rPr lang="en-US" dirty="0">
-                <a:latin typeface="Menlo" charset="0"/>
-                <a:ea typeface="Menlo" charset="0"/>
-                <a:cs typeface="Menlo" charset="0"/>
-              </a:rPr>
-            </a:br>
-            <a:r>
-              <a:rPr lang="en-US" dirty="0">
-                <a:latin typeface="Menlo" charset="0"/>
-                <a:ea typeface="Menlo" charset="0"/>
-                <a:cs typeface="Menlo" charset="0"/>
-              </a:rPr>
-              <a:t>                </a:t>
-            </a:r>
-            <a:r>
-              <a:rPr lang="en-US" dirty="0">
-                <a:solidFill>
-                  <a:srgbClr val="CC7832"/>
-                </a:solidFill>
-                <a:latin typeface="Menlo" charset="0"/>
-                <a:ea typeface="Menlo" charset="0"/>
-                <a:cs typeface="Menlo" charset="0"/>
-              </a:rPr>
-              <a:t>else</a:t>
-            </a:r>
-            <a:r>
-              <a:rPr lang="en-US" dirty="0">
-                <a:latin typeface="Menlo" charset="0"/>
-                <a:ea typeface="Menlo" charset="0"/>
-                <a:cs typeface="Menlo" charset="0"/>
-              </a:rPr>
-              <a:t>:</a:t>
-            </a:r>
-            <a:br>
-              <a:rPr lang="en-US" dirty="0">
-                <a:latin typeface="Menlo" charset="0"/>
-                <a:ea typeface="Menlo" charset="0"/>
-                <a:cs typeface="Menlo" charset="0"/>
-              </a:rPr>
-            </a:br>
-            <a:r>
-              <a:rPr lang="en-US" dirty="0">
-                <a:latin typeface="Menlo" charset="0"/>
-                <a:ea typeface="Menlo" charset="0"/>
-                <a:cs typeface="Menlo" charset="0"/>
-              </a:rPr>
-              <a:t>                    </a:t>
-            </a:r>
-            <a:r>
-              <a:rPr lang="en-US" dirty="0" err="1">
-                <a:latin typeface="Menlo" charset="0"/>
-                <a:ea typeface="Menlo" charset="0"/>
-                <a:cs typeface="Menlo" charset="0"/>
-              </a:rPr>
-              <a:t>p.endowment</a:t>
-            </a:r>
-            <a:r>
-              <a:rPr lang="en-US" dirty="0">
-                <a:latin typeface="Menlo" charset="0"/>
-                <a:ea typeface="Menlo" charset="0"/>
-                <a:cs typeface="Menlo" charset="0"/>
-              </a:rPr>
-              <a:t> = </a:t>
-            </a:r>
-            <a:r>
-              <a:rPr lang="en-US" dirty="0" err="1">
-                <a:latin typeface="Menlo" charset="0"/>
-                <a:ea typeface="Menlo" charset="0"/>
-                <a:cs typeface="Menlo" charset="0"/>
-              </a:rPr>
-              <a:t>p.in_round</a:t>
-            </a:r>
-            <a:r>
-              <a:rPr lang="en-US" dirty="0">
-                <a:latin typeface="Menlo" charset="0"/>
-                <a:ea typeface="Menlo" charset="0"/>
-                <a:cs typeface="Menlo" charset="0"/>
-              </a:rPr>
-              <a:t>(</a:t>
-            </a:r>
-            <a:r>
-              <a:rPr lang="en-US" dirty="0">
-                <a:solidFill>
-                  <a:srgbClr val="6897BB"/>
-                </a:solidFill>
-                <a:latin typeface="Menlo" charset="0"/>
-                <a:ea typeface="Menlo" charset="0"/>
-                <a:cs typeface="Menlo" charset="0"/>
-              </a:rPr>
-              <a:t>1</a:t>
-            </a:r>
-            <a:r>
-              <a:rPr lang="en-US" dirty="0">
-                <a:latin typeface="Menlo" charset="0"/>
-                <a:ea typeface="Menlo" charset="0"/>
-                <a:cs typeface="Menlo" charset="0"/>
-              </a:rPr>
-              <a:t>).endowment</a:t>
-            </a:r>
-            <a:br>
-              <a:rPr lang="en-US" dirty="0">
-                <a:latin typeface="Menlo" charset="0"/>
-                <a:ea typeface="Menlo" charset="0"/>
-                <a:cs typeface="Menlo" charset="0"/>
-              </a:rPr>
-            </a:br>
-            <a:r>
-              <a:rPr lang="en-US" dirty="0">
-                <a:latin typeface="Menlo" charset="0"/>
-                <a:ea typeface="Menlo" charset="0"/>
-                <a:cs typeface="Menlo" charset="0"/>
-              </a:rPr>
-              <a:t>            </a:t>
-            </a:r>
-            <a:r>
-              <a:rPr lang="en-US" dirty="0">
-                <a:solidFill>
-                  <a:srgbClr val="CC7832"/>
-                </a:solidFill>
-                <a:latin typeface="Menlo" charset="0"/>
-                <a:ea typeface="Menlo" charset="0"/>
-                <a:cs typeface="Menlo" charset="0"/>
-              </a:rPr>
-              <a:t>else</a:t>
-            </a:r>
-            <a:r>
-              <a:rPr lang="en-US" dirty="0">
-                <a:latin typeface="Menlo" charset="0"/>
-                <a:ea typeface="Menlo" charset="0"/>
-                <a:cs typeface="Menlo" charset="0"/>
-              </a:rPr>
-              <a:t>:</a:t>
-            </a:r>
-            <a:br>
-              <a:rPr lang="en-US" dirty="0">
-                <a:latin typeface="Menlo" charset="0"/>
-                <a:ea typeface="Menlo" charset="0"/>
-                <a:cs typeface="Menlo" charset="0"/>
-              </a:rPr>
-            </a:br>
-            <a:r>
-              <a:rPr lang="en-US" dirty="0">
-                <a:latin typeface="Menlo" charset="0"/>
-                <a:ea typeface="Menlo" charset="0"/>
-                <a:cs typeface="Menlo" charset="0"/>
-              </a:rPr>
-              <a:t>                </a:t>
-            </a:r>
-            <a:r>
-              <a:rPr lang="en-US" dirty="0" err="1">
-                <a:latin typeface="Menlo" charset="0"/>
-                <a:ea typeface="Menlo" charset="0"/>
-                <a:cs typeface="Menlo" charset="0"/>
-              </a:rPr>
-              <a:t>p.endowment</a:t>
-            </a:r>
-            <a:r>
-              <a:rPr lang="en-US" dirty="0">
-                <a:latin typeface="Menlo" charset="0"/>
-                <a:ea typeface="Menlo" charset="0"/>
-                <a:cs typeface="Menlo" charset="0"/>
-              </a:rPr>
-              <a:t> = </a:t>
-            </a:r>
-            <a:r>
-              <a:rPr lang="en-US" dirty="0" err="1">
-                <a:latin typeface="Menlo" charset="0"/>
-                <a:ea typeface="Menlo" charset="0"/>
-                <a:cs typeface="Menlo" charset="0"/>
-              </a:rPr>
-              <a:t>Constants.endowment</a:t>
-            </a:r>
-            <a:r>
-              <a:rPr lang="en-US" dirty="0">
-                <a:latin typeface="Menlo" charset="0"/>
-                <a:ea typeface="Menlo" charset="0"/>
-                <a:cs typeface="Menlo" charset="0"/>
-              </a:rPr>
-              <a:t/>
-            </a:r>
-            <a:br>
-              <a:rPr lang="en-US" dirty="0">
-                <a:latin typeface="Menlo" charset="0"/>
-                <a:ea typeface="Menlo" charset="0"/>
-                <a:cs typeface="Menlo" charset="0"/>
-              </a:rPr>
-            </a:br>
+              <a:rPr lang="mr-IN" dirty="0">
+                <a:latin typeface="Courier" charset="0"/>
+                <a:ea typeface="Courier" charset="0"/>
+                <a:cs typeface="Courier" charset="0"/>
+              </a:rPr>
+              <a:t>&lt;/</a:t>
+            </a:r>
+            <a:r>
+              <a:rPr lang="mr-IN" b="1" dirty="0" err="1">
+                <a:latin typeface="Courier" charset="0"/>
+                <a:ea typeface="Courier" charset="0"/>
+                <a:cs typeface="Courier" charset="0"/>
+              </a:rPr>
+              <a:t>tr</a:t>
+            </a:r>
+            <a:r>
+              <a:rPr lang="mr-IN" dirty="0">
+                <a:latin typeface="Courier" charset="0"/>
+                <a:ea typeface="Courier" charset="0"/>
+                <a:cs typeface="Courier" charset="0"/>
+              </a:rPr>
+              <a:t>&gt;</a:t>
+            </a:r>
             <a:endParaRPr lang="en-US" dirty="0">
-              <a:latin typeface="Menlo" charset="0"/>
-              <a:ea typeface="Menlo" charset="0"/>
-              <a:cs typeface="Menlo" charset="0"/>
+              <a:latin typeface="Courier" charset="0"/>
+              <a:ea typeface="Courier" charset="0"/>
+              <a:cs typeface="Courier" charset="0"/>
             </a:endParaRPr>
           </a:p>
         </p:txBody>
@@ -9041,7 +9955,7 @@
     </p:spTree>
     <p:extLst>
       <p:ext uri="{BB962C8B-B14F-4D97-AF65-F5344CB8AC3E}">
-        <p14:creationId xmlns:p14="http://schemas.microsoft.com/office/powerpoint/2010/main" val="508612544"/>
+        <p14:creationId xmlns:p14="http://schemas.microsoft.com/office/powerpoint/2010/main" val="149334124"/>
       </p:ext>
     </p:extLst>
   </p:cSld>

--- a/presentations/frankfurt_july_2019 day3.pptx
+++ b/presentations/frankfurt_july_2019 day3.pptx
@@ -5,7 +5,7 @@
     <p:sldMasterId id="2147483648" r:id="rId1"/>
   </p:sldMasterIdLst>
   <p:notesMasterIdLst>
-    <p:notesMasterId r:id="rId15"/>
+    <p:notesMasterId r:id="rId16"/>
   </p:notesMasterIdLst>
   <p:sldIdLst>
     <p:sldId id="354" r:id="rId2"/>
@@ -21,6 +21,7 @@
     <p:sldId id="389" r:id="rId12"/>
     <p:sldId id="390" r:id="rId13"/>
     <p:sldId id="394" r:id="rId14"/>
+    <p:sldId id="395" r:id="rId15"/>
   </p:sldIdLst>
   <p:sldSz cx="12192000" cy="6858000"/>
   <p:notesSz cx="6858000" cy="9144000"/>
@@ -6589,6 +6590,144 @@
     <p:extLst>
       <p:ext uri="{BB962C8B-B14F-4D97-AF65-F5344CB8AC3E}">
         <p14:creationId xmlns:p14="http://schemas.microsoft.com/office/powerpoint/2010/main" val="224825222"/>
+      </p:ext>
+    </p:extLst>
+  </p:cSld>
+  <p:clrMapOvr>
+    <a:masterClrMapping/>
+  </p:clrMapOvr>
+</p:sld>
+</file>
+
+<file path=ppt/slides/slide14.xml><?xml version="1.0" encoding="utf-8"?>
+<p:sld xmlns:a="http://schemas.openxmlformats.org/drawingml/2006/main" xmlns:r="http://schemas.openxmlformats.org/officeDocument/2006/relationships" xmlns:p="http://schemas.openxmlformats.org/presentationml/2006/main">
+  <p:cSld>
+    <p:spTree>
+      <p:nvGrpSpPr>
+        <p:cNvPr id="1" name=""/>
+        <p:cNvGrpSpPr/>
+        <p:nvPr/>
+      </p:nvGrpSpPr>
+      <p:grpSpPr>
+        <a:xfrm>
+          <a:off x="0" y="0"/>
+          <a:ext cx="0" cy="0"/>
+          <a:chOff x="0" y="0"/>
+          <a:chExt cx="0" cy="0"/>
+        </a:xfrm>
+      </p:grpSpPr>
+      <p:sp>
+        <p:nvSpPr>
+          <p:cNvPr id="2" name="Title 1"/>
+          <p:cNvSpPr>
+            <a:spLocks noGrp="1"/>
+          </p:cNvSpPr>
+          <p:nvPr>
+            <p:ph type="title"/>
+          </p:nvPr>
+        </p:nvSpPr>
+        <p:spPr/>
+        <p:txBody>
+          <a:bodyPr/>
+          <a:lstStyle/>
+          <a:p>
+            <a:r>
+              <a:rPr lang="en-US" dirty="0" err="1" smtClean="0"/>
+              <a:t>Heroku</a:t>
+            </a:r>
+            <a:endParaRPr lang="en-US" dirty="0"/>
+          </a:p>
+        </p:txBody>
+      </p:sp>
+      <p:sp>
+        <p:nvSpPr>
+          <p:cNvPr id="3" name="Content Placeholder 2"/>
+          <p:cNvSpPr>
+            <a:spLocks noGrp="1"/>
+          </p:cNvSpPr>
+          <p:nvPr>
+            <p:ph idx="1"/>
+          </p:nvPr>
+        </p:nvSpPr>
+        <p:spPr/>
+        <p:txBody>
+          <a:bodyPr/>
+          <a:lstStyle/>
+          <a:p>
+            <a:r>
+              <a:rPr lang="en-US" dirty="0" smtClean="0"/>
+              <a:t>Create a </a:t>
+            </a:r>
+            <a:r>
+              <a:rPr lang="en-US" dirty="0" err="1" smtClean="0"/>
+              <a:t>Heroku</a:t>
+            </a:r>
+            <a:r>
+              <a:rPr lang="en-US" dirty="0" smtClean="0"/>
+              <a:t> app</a:t>
+            </a:r>
+          </a:p>
+          <a:p>
+            <a:r>
+              <a:rPr lang="en-US" dirty="0" smtClean="0"/>
+              <a:t>Add </a:t>
+            </a:r>
+            <a:r>
+              <a:rPr lang="en-US" dirty="0" err="1" smtClean="0"/>
+              <a:t>Redis</a:t>
+            </a:r>
+            <a:r>
+              <a:rPr lang="en-US" dirty="0" smtClean="0"/>
+              <a:t> add-on</a:t>
+            </a:r>
+          </a:p>
+          <a:p>
+            <a:r>
+              <a:rPr lang="en-US" dirty="0" smtClean="0"/>
+              <a:t>Upload via </a:t>
+            </a:r>
+            <a:r>
+              <a:rPr lang="en-US" dirty="0" err="1" smtClean="0"/>
+              <a:t>oTreeHub</a:t>
+            </a:r>
+            <a:endParaRPr lang="en-US" dirty="0" smtClean="0"/>
+          </a:p>
+          <a:p>
+            <a:r>
+              <a:rPr lang="en-US" dirty="0" smtClean="0"/>
+              <a:t>Set OTREE_PRODUCTION, OTREE_AUTH_LEVEL and OTREE_ADMIN_PASSWORD </a:t>
+            </a:r>
+            <a:r>
+              <a:rPr lang="en-US" dirty="0" err="1" smtClean="0"/>
+              <a:t>vars</a:t>
+            </a:r>
+            <a:endParaRPr lang="en-US" dirty="0" smtClean="0"/>
+          </a:p>
+          <a:p>
+            <a:r>
+              <a:rPr lang="en-US" dirty="0" smtClean="0"/>
+              <a:t>Reset the DB</a:t>
+            </a:r>
+          </a:p>
+          <a:p>
+            <a:r>
+              <a:rPr lang="mr-IN" dirty="0" smtClean="0"/>
+              <a:t>…</a:t>
+            </a:r>
+            <a:endParaRPr lang="en-US" dirty="0" smtClean="0"/>
+          </a:p>
+          <a:p>
+            <a:r>
+              <a:rPr lang="en-US" smtClean="0"/>
+              <a:t>And you are ready to go!</a:t>
+            </a:r>
+          </a:p>
+        </p:txBody>
+      </p:sp>
+    </p:spTree>
+    <p:extLst>
+      <p:ext uri="{BB962C8B-B14F-4D97-AF65-F5344CB8AC3E}">
+        <p14:creationId xmlns:p14="http://schemas.microsoft.com/office/powerpoint/2010/main" val="1181965752"/>
       </p:ext>
     </p:extLst>
   </p:cSld>
